--- a/hack.pptx
+++ b/hack.pptx
@@ -6,10 +6,11 @@
   </p:sldMasterIdLst>
   <p:sldIdLst>
     <p:sldId id="256" r:id="rId2"/>
-    <p:sldId id="260" r:id="rId3"/>
-    <p:sldId id="261" r:id="rId4"/>
-    <p:sldId id="258" r:id="rId5"/>
-    <p:sldId id="259" r:id="rId6"/>
+    <p:sldId id="262" r:id="rId3"/>
+    <p:sldId id="260" r:id="rId4"/>
+    <p:sldId id="261" r:id="rId5"/>
+    <p:sldId id="258" r:id="rId6"/>
+    <p:sldId id="259" r:id="rId7"/>
   </p:sldIdLst>
   <p:sldSz cx="9144000" cy="6858000" type="screen4x3"/>
   <p:notesSz cx="6858000" cy="9144000"/>
@@ -3360,6 +3361,47 @@
           <a:chExt cx="0" cy="0"/>
         </a:xfrm>
       </p:grpSpPr>
+      <p:pic>
+        <p:nvPicPr>
+          <p:cNvPr id="1026" name="Picture 2" descr="D:\Мои сайты\ProPowerPoint\Для шаблонов\4.jpg"/>
+          <p:cNvPicPr>
+            <a:picLocks noChangeAspect="1" noChangeArrowheads="1"/>
+          </p:cNvPicPr>
+          <p:nvPr/>
+        </p:nvPicPr>
+        <p:blipFill>
+          <a:blip r:embed="rId2">
+            <a:extLst>
+              <a:ext uri="{28A0092B-C50C-407E-A947-70E740481C1C}">
+                <a14:useLocalDpi xmlns:a14="http://schemas.microsoft.com/office/drawing/2010/main" val="0"/>
+              </a:ext>
+            </a:extLst>
+          </a:blip>
+          <a:srcRect/>
+          <a:stretch>
+            <a:fillRect/>
+          </a:stretch>
+        </p:blipFill>
+        <p:spPr bwMode="auto">
+          <a:xfrm>
+            <a:off x="0" y="0"/>
+            <a:ext cx="9159356" cy="6869517"/>
+          </a:xfrm>
+          <a:prstGeom prst="rect">
+            <a:avLst/>
+          </a:prstGeom>
+          <a:noFill/>
+          <a:extLst>
+            <a:ext uri="{909E8E84-426E-40DD-AFC4-6F175D3DCCD1}">
+              <a14:hiddenFill xmlns:a14="http://schemas.microsoft.com/office/drawing/2010/main">
+                <a:solidFill>
+                  <a:srgbClr val="FFFFFF"/>
+                </a:solidFill>
+              </a14:hiddenFill>
+            </a:ext>
+          </a:extLst>
+        </p:spPr>
+      </p:pic>
       <p:sp>
         <p:nvSpPr>
           <p:cNvPr id="2" name="Заголовок 1"/>
@@ -3370,38 +3412,74 @@
             <p:ph type="title"/>
           </p:nvPr>
         </p:nvSpPr>
+        <p:spPr>
+          <a:xfrm>
+            <a:off x="2627784" y="260648"/>
+            <a:ext cx="6408712" cy="792088"/>
+          </a:xfrm>
+        </p:spPr>
+        <p:txBody>
+          <a:bodyPr>
+            <a:normAutofit/>
+          </a:bodyPr>
+          <a:lstStyle/>
+          <a:p>
+            <a:r>
+              <a:rPr lang="ru-RU" dirty="0">
+                <a:solidFill>
+                  <a:schemeClr val="bg1"/>
+                </a:solidFill>
+              </a:rPr>
+              <a:t>Стек технологий</a:t>
+            </a:r>
+          </a:p>
+        </p:txBody>
+      </p:sp>
+      <p:sp>
+        <p:nvSpPr>
+          <p:cNvPr id="3" name="Объект 2"/>
+          <p:cNvSpPr>
+            <a:spLocks noGrp="1"/>
+          </p:cNvSpPr>
+          <p:nvPr>
+            <p:ph idx="1"/>
+          </p:nvPr>
+        </p:nvSpPr>
         <p:spPr/>
         <p:txBody>
           <a:bodyPr/>
           <a:lstStyle/>
           <a:p>
-            <a:endParaRPr lang="ru-RU" dirty="0"/>
-          </a:p>
-        </p:txBody>
-      </p:sp>
-      <p:sp>
-        <p:nvSpPr>
-          <p:cNvPr id="3" name="Объект 2"/>
-          <p:cNvSpPr>
-            <a:spLocks noGrp="1"/>
-          </p:cNvSpPr>
-          <p:nvPr>
-            <p:ph idx="1"/>
-          </p:nvPr>
-        </p:nvSpPr>
-        <p:spPr/>
-        <p:txBody>
-          <a:bodyPr/>
-          <a:lstStyle/>
-          <a:p>
-            <a:endParaRPr lang="ru-RU" dirty="0"/>
+            <a:r>
+              <a:rPr lang="en-US" dirty="0">
+                <a:solidFill>
+                  <a:schemeClr val="bg2"/>
+                </a:solidFill>
+              </a:rPr>
+              <a:t>Python 3</a:t>
+            </a:r>
+          </a:p>
+          <a:p>
+            <a:r>
+              <a:rPr lang="en-US">
+                <a:solidFill>
+                  <a:schemeClr val="bg2"/>
+                </a:solidFill>
+              </a:rPr>
+              <a:t>OpenCV</a:t>
+            </a:r>
+            <a:endParaRPr lang="en-US" dirty="0">
+              <a:solidFill>
+                <a:schemeClr val="bg2"/>
+              </a:solidFill>
+            </a:endParaRPr>
           </a:p>
         </p:txBody>
       </p:sp>
     </p:spTree>
     <p:extLst>
       <p:ext uri="{BB962C8B-B14F-4D97-AF65-F5344CB8AC3E}">
-        <p14:creationId xmlns:p14="http://schemas.microsoft.com/office/powerpoint/2010/main" val="4191141870"/>
+        <p14:creationId xmlns:p14="http://schemas.microsoft.com/office/powerpoint/2010/main" val="3685118692"/>
       </p:ext>
     </p:extLst>
   </p:cSld>
@@ -3469,6 +3547,74 @@
     </p:spTree>
     <p:extLst>
       <p:ext uri="{BB962C8B-B14F-4D97-AF65-F5344CB8AC3E}">
+        <p14:creationId xmlns:p14="http://schemas.microsoft.com/office/powerpoint/2010/main" val="4191141870"/>
+      </p:ext>
+    </p:extLst>
+  </p:cSld>
+  <p:clrMapOvr>
+    <a:masterClrMapping/>
+  </p:clrMapOvr>
+</p:sld>
+</file>
+
+<file path=ppt/slides/slide4.xml><?xml version="1.0" encoding="utf-8"?>
+<p:sld xmlns:a="http://schemas.openxmlformats.org/drawingml/2006/main" xmlns:r="http://schemas.openxmlformats.org/officeDocument/2006/relationships" xmlns:p="http://schemas.openxmlformats.org/presentationml/2006/main">
+  <p:cSld>
+    <p:spTree>
+      <p:nvGrpSpPr>
+        <p:cNvPr id="1" name=""/>
+        <p:cNvGrpSpPr/>
+        <p:nvPr/>
+      </p:nvGrpSpPr>
+      <p:grpSpPr>
+        <a:xfrm>
+          <a:off x="0" y="0"/>
+          <a:ext cx="0" cy="0"/>
+          <a:chOff x="0" y="0"/>
+          <a:chExt cx="0" cy="0"/>
+        </a:xfrm>
+      </p:grpSpPr>
+      <p:sp>
+        <p:nvSpPr>
+          <p:cNvPr id="2" name="Заголовок 1"/>
+          <p:cNvSpPr>
+            <a:spLocks noGrp="1"/>
+          </p:cNvSpPr>
+          <p:nvPr>
+            <p:ph type="title"/>
+          </p:nvPr>
+        </p:nvSpPr>
+        <p:spPr/>
+        <p:txBody>
+          <a:bodyPr/>
+          <a:lstStyle/>
+          <a:p>
+            <a:endParaRPr lang="ru-RU" dirty="0"/>
+          </a:p>
+        </p:txBody>
+      </p:sp>
+      <p:sp>
+        <p:nvSpPr>
+          <p:cNvPr id="3" name="Объект 2"/>
+          <p:cNvSpPr>
+            <a:spLocks noGrp="1"/>
+          </p:cNvSpPr>
+          <p:nvPr>
+            <p:ph idx="1"/>
+          </p:nvPr>
+        </p:nvSpPr>
+        <p:spPr/>
+        <p:txBody>
+          <a:bodyPr/>
+          <a:lstStyle/>
+          <a:p>
+            <a:endParaRPr lang="ru-RU" dirty="0"/>
+          </a:p>
+        </p:txBody>
+      </p:sp>
+    </p:spTree>
+    <p:extLst>
+      <p:ext uri="{BB962C8B-B14F-4D97-AF65-F5344CB8AC3E}">
         <p14:creationId xmlns:p14="http://schemas.microsoft.com/office/powerpoint/2010/main" val="1812909294"/>
       </p:ext>
     </p:extLst>
@@ -3479,7 +3625,7 @@
 </p:sld>
 </file>
 
-<file path=ppt/slides/slide4.xml><?xml version="1.0" encoding="utf-8"?>
+<file path=ppt/slides/slide5.xml><?xml version="1.0" encoding="utf-8"?>
 <p:sld xmlns:a="http://schemas.openxmlformats.org/drawingml/2006/main" xmlns:r="http://schemas.openxmlformats.org/officeDocument/2006/relationships" xmlns:p="http://schemas.openxmlformats.org/presentationml/2006/main">
   <p:cSld>
     <p:spTree>
@@ -3609,7 +3755,7 @@
 </p:sld>
 </file>
 
-<file path=ppt/slides/slide5.xml><?xml version="1.0" encoding="utf-8"?>
+<file path=ppt/slides/slide6.xml><?xml version="1.0" encoding="utf-8"?>
 <p:sld xmlns:a="http://schemas.openxmlformats.org/drawingml/2006/main" xmlns:r="http://schemas.openxmlformats.org/officeDocument/2006/relationships" xmlns:p="http://schemas.openxmlformats.org/presentationml/2006/main">
   <p:cSld>
     <p:spTree>

--- a/hack.pptx
+++ b/hack.pptx
@@ -6,11 +6,9 @@
   </p:sldMasterIdLst>
   <p:sldIdLst>
     <p:sldId id="256" r:id="rId2"/>
-    <p:sldId id="262" r:id="rId3"/>
-    <p:sldId id="260" r:id="rId4"/>
-    <p:sldId id="261" r:id="rId5"/>
-    <p:sldId id="258" r:id="rId6"/>
-    <p:sldId id="259" r:id="rId7"/>
+    <p:sldId id="263" r:id="rId3"/>
+    <p:sldId id="262" r:id="rId4"/>
+    <p:sldId id="264" r:id="rId5"/>
   </p:sldIdLst>
   <p:sldSz cx="9144000" cy="6858000" type="screen4x3"/>
   <p:notesSz cx="6858000" cy="9144000"/>
@@ -3414,8 +3412,8 @@
         </p:nvSpPr>
         <p:spPr>
           <a:xfrm>
-            <a:off x="2627784" y="260648"/>
-            <a:ext cx="6408712" cy="792088"/>
+            <a:off x="2340050" y="260648"/>
+            <a:ext cx="6480422" cy="792088"/>
           </a:xfrm>
         </p:spPr>
         <p:txBody>
@@ -3424,13 +3422,14 @@
           </a:bodyPr>
           <a:lstStyle/>
           <a:p>
+            <a:pPr algn="r"/>
             <a:r>
               <a:rPr lang="ru-RU" dirty="0">
                 <a:solidFill>
                   <a:schemeClr val="bg1"/>
                 </a:solidFill>
               </a:rPr>
-              <a:t>Стек технологий</a:t>
+              <a:t>Возможные решения</a:t>
             </a:r>
           </a:p>
         </p:txBody>
@@ -3445,32 +3444,567 @@
             <p:ph idx="1"/>
           </p:nvPr>
         </p:nvSpPr>
-        <p:spPr/>
-        <p:txBody>
-          <a:bodyPr/>
-          <a:lstStyle/>
-          <a:p>
-            <a:r>
-              <a:rPr lang="en-US" dirty="0">
-                <a:solidFill>
-                  <a:schemeClr val="bg2"/>
+        <p:spPr>
+          <a:xfrm>
+            <a:off x="971600" y="1787328"/>
+            <a:ext cx="2376264" cy="604664"/>
+          </a:xfrm>
+        </p:spPr>
+        <p:txBody>
+          <a:bodyPr/>
+          <a:lstStyle/>
+          <a:p>
+            <a:pPr marL="0" indent="0">
+              <a:buNone/>
+            </a:pPr>
+            <a:r>
+              <a:rPr lang="ru-RU" dirty="0">
+                <a:solidFill>
+                  <a:schemeClr val="bg1"/>
                 </a:solidFill>
               </a:rPr>
-              <a:t>Python 3</a:t>
-            </a:r>
-          </a:p>
-          <a:p>
-            <a:r>
-              <a:rPr lang="en-US">
-                <a:solidFill>
-                  <a:schemeClr val="bg2"/>
-                </a:solidFill>
-              </a:rPr>
-              <a:t>OpenCV</a:t>
+              <a:t>Список А</a:t>
             </a:r>
             <a:endParaRPr lang="en-US" dirty="0">
               <a:solidFill>
-                <a:schemeClr val="bg2"/>
+                <a:schemeClr val="bg1"/>
+              </a:solidFill>
+            </a:endParaRPr>
+          </a:p>
+        </p:txBody>
+      </p:sp>
+      <p:sp>
+        <p:nvSpPr>
+          <p:cNvPr id="6" name="Content Placeholder 5"/>
+          <p:cNvSpPr txBox="1">
+            <a:spLocks/>
+          </p:cNvSpPr>
+          <p:nvPr/>
+        </p:nvSpPr>
+        <p:spPr>
+          <a:xfrm>
+            <a:off x="827584" y="2524752"/>
+            <a:ext cx="4040188" cy="2276294"/>
+          </a:xfrm>
+          <a:prstGeom prst="rect">
+            <a:avLst/>
+          </a:prstGeom>
+        </p:spPr>
+        <p:txBody>
+          <a:bodyPr/>
+          <a:lstStyle>
+            <a:lvl1pPr marL="342900" indent="-342900" algn="l" defTabSz="914400" rtl="0" eaLnBrk="1" latinLnBrk="0" hangingPunct="1">
+              <a:spcBef>
+                <a:spcPct val="20000"/>
+              </a:spcBef>
+              <a:buFont typeface="Arial" pitchFamily="34" charset="0"/>
+              <a:buChar char="•"/>
+              <a:defRPr sz="3200" kern="1200">
+                <a:solidFill>
+                  <a:schemeClr val="tx1"/>
+                </a:solidFill>
+                <a:latin typeface="+mn-lt"/>
+                <a:ea typeface="+mn-ea"/>
+                <a:cs typeface="+mn-cs"/>
+              </a:defRPr>
+            </a:lvl1pPr>
+            <a:lvl2pPr marL="742950" indent="-285750" algn="l" defTabSz="914400" rtl="0" eaLnBrk="1" latinLnBrk="0" hangingPunct="1">
+              <a:spcBef>
+                <a:spcPct val="20000"/>
+              </a:spcBef>
+              <a:buFont typeface="Arial" pitchFamily="34" charset="0"/>
+              <a:buChar char="–"/>
+              <a:defRPr sz="2800" kern="1200">
+                <a:solidFill>
+                  <a:schemeClr val="tx1"/>
+                </a:solidFill>
+                <a:latin typeface="+mn-lt"/>
+                <a:ea typeface="+mn-ea"/>
+                <a:cs typeface="+mn-cs"/>
+              </a:defRPr>
+            </a:lvl2pPr>
+            <a:lvl3pPr marL="1143000" indent="-228600" algn="l" defTabSz="914400" rtl="0" eaLnBrk="1" latinLnBrk="0" hangingPunct="1">
+              <a:spcBef>
+                <a:spcPct val="20000"/>
+              </a:spcBef>
+              <a:buFont typeface="Arial" pitchFamily="34" charset="0"/>
+              <a:buChar char="•"/>
+              <a:defRPr sz="2400" kern="1200">
+                <a:solidFill>
+                  <a:schemeClr val="tx1"/>
+                </a:solidFill>
+                <a:latin typeface="+mn-lt"/>
+                <a:ea typeface="+mn-ea"/>
+                <a:cs typeface="+mn-cs"/>
+              </a:defRPr>
+            </a:lvl3pPr>
+            <a:lvl4pPr marL="1600200" indent="-228600" algn="l" defTabSz="914400" rtl="0" eaLnBrk="1" latinLnBrk="0" hangingPunct="1">
+              <a:spcBef>
+                <a:spcPct val="20000"/>
+              </a:spcBef>
+              <a:buFont typeface="Arial" pitchFamily="34" charset="0"/>
+              <a:buChar char="–"/>
+              <a:defRPr sz="2000" kern="1200">
+                <a:solidFill>
+                  <a:schemeClr val="tx1"/>
+                </a:solidFill>
+                <a:latin typeface="+mn-lt"/>
+                <a:ea typeface="+mn-ea"/>
+                <a:cs typeface="+mn-cs"/>
+              </a:defRPr>
+            </a:lvl4pPr>
+            <a:lvl5pPr marL="2057400" indent="-228600" algn="l" defTabSz="914400" rtl="0" eaLnBrk="1" latinLnBrk="0" hangingPunct="1">
+              <a:spcBef>
+                <a:spcPct val="20000"/>
+              </a:spcBef>
+              <a:buFont typeface="Arial" pitchFamily="34" charset="0"/>
+              <a:buChar char="»"/>
+              <a:defRPr sz="2000" kern="1200">
+                <a:solidFill>
+                  <a:schemeClr val="tx1"/>
+                </a:solidFill>
+                <a:latin typeface="+mn-lt"/>
+                <a:ea typeface="+mn-ea"/>
+                <a:cs typeface="+mn-cs"/>
+              </a:defRPr>
+            </a:lvl5pPr>
+            <a:lvl6pPr marL="2514600" indent="-228600" algn="l" defTabSz="914400" rtl="0" eaLnBrk="1" latinLnBrk="0" hangingPunct="1">
+              <a:spcBef>
+                <a:spcPct val="20000"/>
+              </a:spcBef>
+              <a:buFont typeface="Arial" pitchFamily="34" charset="0"/>
+              <a:buChar char="•"/>
+              <a:defRPr sz="2000" kern="1200">
+                <a:solidFill>
+                  <a:schemeClr val="tx1"/>
+                </a:solidFill>
+                <a:latin typeface="+mn-lt"/>
+                <a:ea typeface="+mn-ea"/>
+                <a:cs typeface="+mn-cs"/>
+              </a:defRPr>
+            </a:lvl6pPr>
+            <a:lvl7pPr marL="2971800" indent="-228600" algn="l" defTabSz="914400" rtl="0" eaLnBrk="1" latinLnBrk="0" hangingPunct="1">
+              <a:spcBef>
+                <a:spcPct val="20000"/>
+              </a:spcBef>
+              <a:buFont typeface="Arial" pitchFamily="34" charset="0"/>
+              <a:buChar char="•"/>
+              <a:defRPr sz="2000" kern="1200">
+                <a:solidFill>
+                  <a:schemeClr val="tx1"/>
+                </a:solidFill>
+                <a:latin typeface="+mn-lt"/>
+                <a:ea typeface="+mn-ea"/>
+                <a:cs typeface="+mn-cs"/>
+              </a:defRPr>
+            </a:lvl7pPr>
+            <a:lvl8pPr marL="3429000" indent="-228600" algn="l" defTabSz="914400" rtl="0" eaLnBrk="1" latinLnBrk="0" hangingPunct="1">
+              <a:spcBef>
+                <a:spcPct val="20000"/>
+              </a:spcBef>
+              <a:buFont typeface="Arial" pitchFamily="34" charset="0"/>
+              <a:buChar char="•"/>
+              <a:defRPr sz="2000" kern="1200">
+                <a:solidFill>
+                  <a:schemeClr val="tx1"/>
+                </a:solidFill>
+                <a:latin typeface="+mn-lt"/>
+                <a:ea typeface="+mn-ea"/>
+                <a:cs typeface="+mn-cs"/>
+              </a:defRPr>
+            </a:lvl8pPr>
+            <a:lvl9pPr marL="3886200" indent="-228600" algn="l" defTabSz="914400" rtl="0" eaLnBrk="1" latinLnBrk="0" hangingPunct="1">
+              <a:spcBef>
+                <a:spcPct val="20000"/>
+              </a:spcBef>
+              <a:buFont typeface="Arial" pitchFamily="34" charset="0"/>
+              <a:buChar char="•"/>
+              <a:defRPr sz="2000" kern="1200">
+                <a:solidFill>
+                  <a:schemeClr val="tx1"/>
+                </a:solidFill>
+                <a:latin typeface="+mn-lt"/>
+                <a:ea typeface="+mn-ea"/>
+                <a:cs typeface="+mn-cs"/>
+              </a:defRPr>
+            </a:lvl9pPr>
+          </a:lstStyle>
+          <a:p>
+            <a:r>
+              <a:rPr lang="ru-RU" dirty="0">
+                <a:solidFill>
+                  <a:schemeClr val="bg1">
+                    <a:lumMod val="95000"/>
+                  </a:schemeClr>
+                </a:solidFill>
+              </a:rPr>
+              <a:t>Объект</a:t>
+            </a:r>
+            <a:r>
+              <a:rPr lang="en-US" dirty="0">
+                <a:solidFill>
+                  <a:schemeClr val="bg1">
+                    <a:lumMod val="95000"/>
+                  </a:schemeClr>
+                </a:solidFill>
+              </a:rPr>
+              <a:t> 1</a:t>
+            </a:r>
+          </a:p>
+          <a:p>
+            <a:r>
+              <a:rPr lang="ru-RU" dirty="0">
+                <a:solidFill>
+                  <a:schemeClr val="bg1">
+                    <a:lumMod val="95000"/>
+                  </a:schemeClr>
+                </a:solidFill>
+              </a:rPr>
+              <a:t>Объект</a:t>
+            </a:r>
+            <a:r>
+              <a:rPr lang="en-US" dirty="0">
+                <a:solidFill>
+                  <a:schemeClr val="bg1">
+                    <a:lumMod val="95000"/>
+                  </a:schemeClr>
+                </a:solidFill>
+              </a:rPr>
+              <a:t> 2</a:t>
+            </a:r>
+          </a:p>
+          <a:p>
+            <a:r>
+              <a:rPr lang="ru-RU" dirty="0">
+                <a:solidFill>
+                  <a:schemeClr val="bg1">
+                    <a:lumMod val="95000"/>
+                  </a:schemeClr>
+                </a:solidFill>
+              </a:rPr>
+              <a:t>Объект</a:t>
+            </a:r>
+            <a:r>
+              <a:rPr lang="en-US" dirty="0">
+                <a:solidFill>
+                  <a:schemeClr val="bg1">
+                    <a:lumMod val="95000"/>
+                  </a:schemeClr>
+                </a:solidFill>
+              </a:rPr>
+              <a:t> 3</a:t>
+            </a:r>
+            <a:endParaRPr lang="ru-RU" dirty="0">
+              <a:solidFill>
+                <a:schemeClr val="bg1">
+                  <a:lumMod val="95000"/>
+                </a:schemeClr>
+              </a:solidFill>
+            </a:endParaRPr>
+          </a:p>
+          <a:p>
+            <a:r>
+              <a:rPr lang="ru-RU" dirty="0">
+                <a:solidFill>
+                  <a:schemeClr val="bg1">
+                    <a:lumMod val="95000"/>
+                  </a:schemeClr>
+                </a:solidFill>
+              </a:rPr>
+              <a:t>Объект 4</a:t>
+            </a:r>
+            <a:endParaRPr lang="en-US" dirty="0">
+              <a:solidFill>
+                <a:schemeClr val="bg1">
+                  <a:lumMod val="95000"/>
+                </a:schemeClr>
+              </a:solidFill>
+            </a:endParaRPr>
+          </a:p>
+        </p:txBody>
+      </p:sp>
+      <p:sp>
+        <p:nvSpPr>
+          <p:cNvPr id="5" name="Прямоугольник 4"/>
+          <p:cNvSpPr/>
+          <p:nvPr/>
+        </p:nvSpPr>
+        <p:spPr>
+          <a:xfrm>
+            <a:off x="5436096" y="1787328"/>
+            <a:ext cx="2195672" cy="584775"/>
+          </a:xfrm>
+          <a:prstGeom prst="rect">
+            <a:avLst/>
+          </a:prstGeom>
+        </p:spPr>
+        <p:txBody>
+          <a:bodyPr wrap="square">
+            <a:spAutoFit/>
+          </a:bodyPr>
+          <a:lstStyle/>
+          <a:p>
+            <a:r>
+              <a:rPr lang="ru-RU" sz="3200" dirty="0">
+                <a:solidFill>
+                  <a:schemeClr val="bg1"/>
+                </a:solidFill>
+              </a:rPr>
+              <a:t>Список В</a:t>
+            </a:r>
+            <a:endParaRPr lang="en-US" sz="3200" dirty="0">
+              <a:solidFill>
+                <a:schemeClr val="bg1"/>
+              </a:solidFill>
+            </a:endParaRPr>
+          </a:p>
+        </p:txBody>
+      </p:sp>
+      <p:sp>
+        <p:nvSpPr>
+          <p:cNvPr id="9" name="Content Placeholder 5"/>
+          <p:cNvSpPr txBox="1">
+            <a:spLocks/>
+          </p:cNvSpPr>
+          <p:nvPr/>
+        </p:nvSpPr>
+        <p:spPr>
+          <a:xfrm>
+            <a:off x="5292080" y="2500344"/>
+            <a:ext cx="3528392" cy="2276294"/>
+          </a:xfrm>
+          <a:prstGeom prst="rect">
+            <a:avLst/>
+          </a:prstGeom>
+        </p:spPr>
+        <p:txBody>
+          <a:bodyPr/>
+          <a:lstStyle>
+            <a:lvl1pPr marL="342900" indent="-342900" algn="l" defTabSz="914400" rtl="0" eaLnBrk="1" latinLnBrk="0" hangingPunct="1">
+              <a:spcBef>
+                <a:spcPct val="20000"/>
+              </a:spcBef>
+              <a:buFont typeface="Arial" pitchFamily="34" charset="0"/>
+              <a:buChar char="•"/>
+              <a:defRPr sz="3200" kern="1200">
+                <a:solidFill>
+                  <a:schemeClr val="tx1"/>
+                </a:solidFill>
+                <a:latin typeface="+mn-lt"/>
+                <a:ea typeface="+mn-ea"/>
+                <a:cs typeface="+mn-cs"/>
+              </a:defRPr>
+            </a:lvl1pPr>
+            <a:lvl2pPr marL="742950" indent="-285750" algn="l" defTabSz="914400" rtl="0" eaLnBrk="1" latinLnBrk="0" hangingPunct="1">
+              <a:spcBef>
+                <a:spcPct val="20000"/>
+              </a:spcBef>
+              <a:buFont typeface="Arial" pitchFamily="34" charset="0"/>
+              <a:buChar char="–"/>
+              <a:defRPr sz="2800" kern="1200">
+                <a:solidFill>
+                  <a:schemeClr val="tx1"/>
+                </a:solidFill>
+                <a:latin typeface="+mn-lt"/>
+                <a:ea typeface="+mn-ea"/>
+                <a:cs typeface="+mn-cs"/>
+              </a:defRPr>
+            </a:lvl2pPr>
+            <a:lvl3pPr marL="1143000" indent="-228600" algn="l" defTabSz="914400" rtl="0" eaLnBrk="1" latinLnBrk="0" hangingPunct="1">
+              <a:spcBef>
+                <a:spcPct val="20000"/>
+              </a:spcBef>
+              <a:buFont typeface="Arial" pitchFamily="34" charset="0"/>
+              <a:buChar char="•"/>
+              <a:defRPr sz="2400" kern="1200">
+                <a:solidFill>
+                  <a:schemeClr val="tx1"/>
+                </a:solidFill>
+                <a:latin typeface="+mn-lt"/>
+                <a:ea typeface="+mn-ea"/>
+                <a:cs typeface="+mn-cs"/>
+              </a:defRPr>
+            </a:lvl3pPr>
+            <a:lvl4pPr marL="1600200" indent="-228600" algn="l" defTabSz="914400" rtl="0" eaLnBrk="1" latinLnBrk="0" hangingPunct="1">
+              <a:spcBef>
+                <a:spcPct val="20000"/>
+              </a:spcBef>
+              <a:buFont typeface="Arial" pitchFamily="34" charset="0"/>
+              <a:buChar char="–"/>
+              <a:defRPr sz="2000" kern="1200">
+                <a:solidFill>
+                  <a:schemeClr val="tx1"/>
+                </a:solidFill>
+                <a:latin typeface="+mn-lt"/>
+                <a:ea typeface="+mn-ea"/>
+                <a:cs typeface="+mn-cs"/>
+              </a:defRPr>
+            </a:lvl4pPr>
+            <a:lvl5pPr marL="2057400" indent="-228600" algn="l" defTabSz="914400" rtl="0" eaLnBrk="1" latinLnBrk="0" hangingPunct="1">
+              <a:spcBef>
+                <a:spcPct val="20000"/>
+              </a:spcBef>
+              <a:buFont typeface="Arial" pitchFamily="34" charset="0"/>
+              <a:buChar char="»"/>
+              <a:defRPr sz="2000" kern="1200">
+                <a:solidFill>
+                  <a:schemeClr val="tx1"/>
+                </a:solidFill>
+                <a:latin typeface="+mn-lt"/>
+                <a:ea typeface="+mn-ea"/>
+                <a:cs typeface="+mn-cs"/>
+              </a:defRPr>
+            </a:lvl5pPr>
+            <a:lvl6pPr marL="2514600" indent="-228600" algn="l" defTabSz="914400" rtl="0" eaLnBrk="1" latinLnBrk="0" hangingPunct="1">
+              <a:spcBef>
+                <a:spcPct val="20000"/>
+              </a:spcBef>
+              <a:buFont typeface="Arial" pitchFamily="34" charset="0"/>
+              <a:buChar char="•"/>
+              <a:defRPr sz="2000" kern="1200">
+                <a:solidFill>
+                  <a:schemeClr val="tx1"/>
+                </a:solidFill>
+                <a:latin typeface="+mn-lt"/>
+                <a:ea typeface="+mn-ea"/>
+                <a:cs typeface="+mn-cs"/>
+              </a:defRPr>
+            </a:lvl6pPr>
+            <a:lvl7pPr marL="2971800" indent="-228600" algn="l" defTabSz="914400" rtl="0" eaLnBrk="1" latinLnBrk="0" hangingPunct="1">
+              <a:spcBef>
+                <a:spcPct val="20000"/>
+              </a:spcBef>
+              <a:buFont typeface="Arial" pitchFamily="34" charset="0"/>
+              <a:buChar char="•"/>
+              <a:defRPr sz="2000" kern="1200">
+                <a:solidFill>
+                  <a:schemeClr val="tx1"/>
+                </a:solidFill>
+                <a:latin typeface="+mn-lt"/>
+                <a:ea typeface="+mn-ea"/>
+                <a:cs typeface="+mn-cs"/>
+              </a:defRPr>
+            </a:lvl7pPr>
+            <a:lvl8pPr marL="3429000" indent="-228600" algn="l" defTabSz="914400" rtl="0" eaLnBrk="1" latinLnBrk="0" hangingPunct="1">
+              <a:spcBef>
+                <a:spcPct val="20000"/>
+              </a:spcBef>
+              <a:buFont typeface="Arial" pitchFamily="34" charset="0"/>
+              <a:buChar char="•"/>
+              <a:defRPr sz="2000" kern="1200">
+                <a:solidFill>
+                  <a:schemeClr val="tx1"/>
+                </a:solidFill>
+                <a:latin typeface="+mn-lt"/>
+                <a:ea typeface="+mn-ea"/>
+                <a:cs typeface="+mn-cs"/>
+              </a:defRPr>
+            </a:lvl8pPr>
+            <a:lvl9pPr marL="3886200" indent="-228600" algn="l" defTabSz="914400" rtl="0" eaLnBrk="1" latinLnBrk="0" hangingPunct="1">
+              <a:spcBef>
+                <a:spcPct val="20000"/>
+              </a:spcBef>
+              <a:buFont typeface="Arial" pitchFamily="34" charset="0"/>
+              <a:buChar char="•"/>
+              <a:defRPr sz="2000" kern="1200">
+                <a:solidFill>
+                  <a:schemeClr val="tx1"/>
+                </a:solidFill>
+                <a:latin typeface="+mn-lt"/>
+                <a:ea typeface="+mn-ea"/>
+                <a:cs typeface="+mn-cs"/>
+              </a:defRPr>
+            </a:lvl9pPr>
+          </a:lstStyle>
+          <a:p>
+            <a:r>
+              <a:rPr lang="ru-RU" dirty="0">
+                <a:solidFill>
+                  <a:schemeClr val="bg1">
+                    <a:lumMod val="95000"/>
+                  </a:schemeClr>
+                </a:solidFill>
+              </a:rPr>
+              <a:t>Объект</a:t>
+            </a:r>
+            <a:r>
+              <a:rPr lang="en-US" dirty="0">
+                <a:solidFill>
+                  <a:schemeClr val="bg1">
+                    <a:lumMod val="95000"/>
+                  </a:schemeClr>
+                </a:solidFill>
+              </a:rPr>
+              <a:t> 1</a:t>
+            </a:r>
+          </a:p>
+          <a:p>
+            <a:r>
+              <a:rPr lang="ru-RU" dirty="0">
+                <a:solidFill>
+                  <a:schemeClr val="bg1">
+                    <a:lumMod val="95000"/>
+                  </a:schemeClr>
+                </a:solidFill>
+              </a:rPr>
+              <a:t>Объект</a:t>
+            </a:r>
+            <a:r>
+              <a:rPr lang="en-US" dirty="0">
+                <a:solidFill>
+                  <a:schemeClr val="bg1">
+                    <a:lumMod val="95000"/>
+                  </a:schemeClr>
+                </a:solidFill>
+              </a:rPr>
+              <a:t> 2</a:t>
+            </a:r>
+          </a:p>
+          <a:p>
+            <a:r>
+              <a:rPr lang="ru-RU" dirty="0">
+                <a:solidFill>
+                  <a:schemeClr val="bg1">
+                    <a:lumMod val="95000"/>
+                  </a:schemeClr>
+                </a:solidFill>
+              </a:rPr>
+              <a:t>Объект</a:t>
+            </a:r>
+            <a:r>
+              <a:rPr lang="en-US" dirty="0">
+                <a:solidFill>
+                  <a:schemeClr val="bg1">
+                    <a:lumMod val="95000"/>
+                  </a:schemeClr>
+                </a:solidFill>
+              </a:rPr>
+              <a:t> 3</a:t>
+            </a:r>
+            <a:endParaRPr lang="ru-RU" dirty="0">
+              <a:solidFill>
+                <a:schemeClr val="bg1">
+                  <a:lumMod val="95000"/>
+                </a:schemeClr>
+              </a:solidFill>
+            </a:endParaRPr>
+          </a:p>
+          <a:p>
+            <a:r>
+              <a:rPr lang="ru-RU" dirty="0">
+                <a:solidFill>
+                  <a:schemeClr val="bg1">
+                    <a:lumMod val="95000"/>
+                  </a:schemeClr>
+                </a:solidFill>
+              </a:rPr>
+              <a:t>Объект 4</a:t>
+            </a:r>
+            <a:endParaRPr lang="en-US" dirty="0">
+              <a:solidFill>
+                <a:schemeClr val="bg1">
+                  <a:lumMod val="95000"/>
+                </a:schemeClr>
               </a:solidFill>
             </a:endParaRPr>
           </a:p>
@@ -3479,7 +4013,7 @@
     </p:spTree>
     <p:extLst>
       <p:ext uri="{BB962C8B-B14F-4D97-AF65-F5344CB8AC3E}">
-        <p14:creationId xmlns:p14="http://schemas.microsoft.com/office/powerpoint/2010/main" val="3685118692"/>
+        <p14:creationId xmlns:p14="http://schemas.microsoft.com/office/powerpoint/2010/main" val="1559504791"/>
       </p:ext>
     </p:extLst>
   </p:cSld>
@@ -3490,142 +4024,6 @@
 </file>
 
 <file path=ppt/slides/slide3.xml><?xml version="1.0" encoding="utf-8"?>
-<p:sld xmlns:a="http://schemas.openxmlformats.org/drawingml/2006/main" xmlns:r="http://schemas.openxmlformats.org/officeDocument/2006/relationships" xmlns:p="http://schemas.openxmlformats.org/presentationml/2006/main">
-  <p:cSld>
-    <p:spTree>
-      <p:nvGrpSpPr>
-        <p:cNvPr id="1" name=""/>
-        <p:cNvGrpSpPr/>
-        <p:nvPr/>
-      </p:nvGrpSpPr>
-      <p:grpSpPr>
-        <a:xfrm>
-          <a:off x="0" y="0"/>
-          <a:ext cx="0" cy="0"/>
-          <a:chOff x="0" y="0"/>
-          <a:chExt cx="0" cy="0"/>
-        </a:xfrm>
-      </p:grpSpPr>
-      <p:sp>
-        <p:nvSpPr>
-          <p:cNvPr id="2" name="Заголовок 1"/>
-          <p:cNvSpPr>
-            <a:spLocks noGrp="1"/>
-          </p:cNvSpPr>
-          <p:nvPr>
-            <p:ph type="title"/>
-          </p:nvPr>
-        </p:nvSpPr>
-        <p:spPr/>
-        <p:txBody>
-          <a:bodyPr/>
-          <a:lstStyle/>
-          <a:p>
-            <a:endParaRPr lang="ru-RU" dirty="0"/>
-          </a:p>
-        </p:txBody>
-      </p:sp>
-      <p:sp>
-        <p:nvSpPr>
-          <p:cNvPr id="3" name="Объект 2"/>
-          <p:cNvSpPr>
-            <a:spLocks noGrp="1"/>
-          </p:cNvSpPr>
-          <p:nvPr>
-            <p:ph idx="1"/>
-          </p:nvPr>
-        </p:nvSpPr>
-        <p:spPr/>
-        <p:txBody>
-          <a:bodyPr/>
-          <a:lstStyle/>
-          <a:p>
-            <a:endParaRPr lang="ru-RU" dirty="0"/>
-          </a:p>
-        </p:txBody>
-      </p:sp>
-    </p:spTree>
-    <p:extLst>
-      <p:ext uri="{BB962C8B-B14F-4D97-AF65-F5344CB8AC3E}">
-        <p14:creationId xmlns:p14="http://schemas.microsoft.com/office/powerpoint/2010/main" val="4191141870"/>
-      </p:ext>
-    </p:extLst>
-  </p:cSld>
-  <p:clrMapOvr>
-    <a:masterClrMapping/>
-  </p:clrMapOvr>
-</p:sld>
-</file>
-
-<file path=ppt/slides/slide4.xml><?xml version="1.0" encoding="utf-8"?>
-<p:sld xmlns:a="http://schemas.openxmlformats.org/drawingml/2006/main" xmlns:r="http://schemas.openxmlformats.org/officeDocument/2006/relationships" xmlns:p="http://schemas.openxmlformats.org/presentationml/2006/main">
-  <p:cSld>
-    <p:spTree>
-      <p:nvGrpSpPr>
-        <p:cNvPr id="1" name=""/>
-        <p:cNvGrpSpPr/>
-        <p:nvPr/>
-      </p:nvGrpSpPr>
-      <p:grpSpPr>
-        <a:xfrm>
-          <a:off x="0" y="0"/>
-          <a:ext cx="0" cy="0"/>
-          <a:chOff x="0" y="0"/>
-          <a:chExt cx="0" cy="0"/>
-        </a:xfrm>
-      </p:grpSpPr>
-      <p:sp>
-        <p:nvSpPr>
-          <p:cNvPr id="2" name="Заголовок 1"/>
-          <p:cNvSpPr>
-            <a:spLocks noGrp="1"/>
-          </p:cNvSpPr>
-          <p:nvPr>
-            <p:ph type="title"/>
-          </p:nvPr>
-        </p:nvSpPr>
-        <p:spPr/>
-        <p:txBody>
-          <a:bodyPr/>
-          <a:lstStyle/>
-          <a:p>
-            <a:endParaRPr lang="ru-RU" dirty="0"/>
-          </a:p>
-        </p:txBody>
-      </p:sp>
-      <p:sp>
-        <p:nvSpPr>
-          <p:cNvPr id="3" name="Объект 2"/>
-          <p:cNvSpPr>
-            <a:spLocks noGrp="1"/>
-          </p:cNvSpPr>
-          <p:nvPr>
-            <p:ph idx="1"/>
-          </p:nvPr>
-        </p:nvSpPr>
-        <p:spPr/>
-        <p:txBody>
-          <a:bodyPr/>
-          <a:lstStyle/>
-          <a:p>
-            <a:endParaRPr lang="ru-RU" dirty="0"/>
-          </a:p>
-        </p:txBody>
-      </p:sp>
-    </p:spTree>
-    <p:extLst>
-      <p:ext uri="{BB962C8B-B14F-4D97-AF65-F5344CB8AC3E}">
-        <p14:creationId xmlns:p14="http://schemas.microsoft.com/office/powerpoint/2010/main" val="1812909294"/>
-      </p:ext>
-    </p:extLst>
-  </p:cSld>
-  <p:clrMapOvr>
-    <a:masterClrMapping/>
-  </p:clrMapOvr>
-</p:sld>
-</file>
-
-<file path=ppt/slides/slide5.xml><?xml version="1.0" encoding="utf-8"?>
 <p:sld xmlns:a="http://schemas.openxmlformats.org/drawingml/2006/main" xmlns:r="http://schemas.openxmlformats.org/officeDocument/2006/relationships" xmlns:p="http://schemas.openxmlformats.org/presentationml/2006/main">
   <p:cSld>
     <p:spTree>
@@ -3696,22 +4094,23 @@
         <p:spPr>
           <a:xfrm>
             <a:off x="2627784" y="260648"/>
-            <a:ext cx="6408712" cy="792088"/>
+            <a:ext cx="6059016" cy="792088"/>
           </a:xfrm>
         </p:spPr>
         <p:txBody>
           <a:bodyPr>
-            <a:normAutofit fontScale="90000"/>
+            <a:normAutofit/>
           </a:bodyPr>
           <a:lstStyle/>
           <a:p>
+            <a:pPr algn="r"/>
             <a:r>
               <a:rPr lang="ru-RU" dirty="0">
                 <a:solidFill>
                   <a:schemeClr val="bg1"/>
                 </a:solidFill>
               </a:rPr>
-              <a:t>                  Заголовок слайда</a:t>
+              <a:t>Наше решение</a:t>
             </a:r>
           </a:p>
         </p:txBody>
@@ -3732,20 +4131,35 @@
           <a:lstStyle/>
           <a:p>
             <a:r>
-              <a:rPr lang="ru-RU" dirty="0">
+              <a:rPr lang="en-US" dirty="0">
                 <a:solidFill>
                   <a:schemeClr val="bg2"/>
                 </a:solidFill>
               </a:rPr>
-              <a:t>Текст слайда</a:t>
-            </a:r>
+              <a:t>Python 3</a:t>
+            </a:r>
+          </a:p>
+          <a:p>
+            <a:r>
+              <a:rPr lang="en-US">
+                <a:solidFill>
+                  <a:schemeClr val="bg2"/>
+                </a:solidFill>
+              </a:rPr>
+              <a:t>OpenCV</a:t>
+            </a:r>
+            <a:endParaRPr lang="en-US" dirty="0">
+              <a:solidFill>
+                <a:schemeClr val="bg2"/>
+              </a:solidFill>
+            </a:endParaRPr>
           </a:p>
         </p:txBody>
       </p:sp>
     </p:spTree>
     <p:extLst>
       <p:ext uri="{BB962C8B-B14F-4D97-AF65-F5344CB8AC3E}">
-        <p14:creationId xmlns:p14="http://schemas.microsoft.com/office/powerpoint/2010/main" val="1856683306"/>
+        <p14:creationId xmlns:p14="http://schemas.microsoft.com/office/powerpoint/2010/main" val="3685118692"/>
       </p:ext>
     </p:extLst>
   </p:cSld>
@@ -3755,7 +4169,7 @@
 </p:sld>
 </file>
 
-<file path=ppt/slides/slide6.xml><?xml version="1.0" encoding="utf-8"?>
+<file path=ppt/slides/slide4.xml><?xml version="1.0" encoding="utf-8"?>
 <p:sld xmlns:a="http://schemas.openxmlformats.org/drawingml/2006/main" xmlns:r="http://schemas.openxmlformats.org/officeDocument/2006/relationships" xmlns:p="http://schemas.openxmlformats.org/presentationml/2006/main">
   <p:cSld>
     <p:spTree>
@@ -3772,47 +4186,6 @@
           <a:chExt cx="0" cy="0"/>
         </a:xfrm>
       </p:grpSpPr>
-      <p:pic>
-        <p:nvPicPr>
-          <p:cNvPr id="1026" name="Picture 2" descr="D:\Мои сайты\ProPowerPoint\Для шаблонов\4.jpg"/>
-          <p:cNvPicPr>
-            <a:picLocks noChangeAspect="1" noChangeArrowheads="1"/>
-          </p:cNvPicPr>
-          <p:nvPr/>
-        </p:nvPicPr>
-        <p:blipFill>
-          <a:blip r:embed="rId2">
-            <a:extLst>
-              <a:ext uri="{28A0092B-C50C-407E-A947-70E740481C1C}">
-                <a14:useLocalDpi xmlns:a14="http://schemas.microsoft.com/office/drawing/2010/main" val="0"/>
-              </a:ext>
-            </a:extLst>
-          </a:blip>
-          <a:srcRect/>
-          <a:stretch>
-            <a:fillRect/>
-          </a:stretch>
-        </p:blipFill>
-        <p:spPr bwMode="auto">
-          <a:xfrm>
-            <a:off x="0" y="0"/>
-            <a:ext cx="9159356" cy="6869517"/>
-          </a:xfrm>
-          <a:prstGeom prst="rect">
-            <a:avLst/>
-          </a:prstGeom>
-          <a:noFill/>
-          <a:extLst>
-            <a:ext uri="{909E8E84-426E-40DD-AFC4-6F175D3DCCD1}">
-              <a14:hiddenFill xmlns:a14="http://schemas.microsoft.com/office/drawing/2010/main">
-                <a:solidFill>
-                  <a:srgbClr val="FFFFFF"/>
-                </a:solidFill>
-              </a14:hiddenFill>
-            </a:ext>
-          </a:extLst>
-        </p:spPr>
-      </p:pic>
       <p:sp>
         <p:nvSpPr>
           <p:cNvPr id="2" name="Заголовок 1"/>
@@ -3820,612 +4193,31 @@
             <a:spLocks noGrp="1"/>
           </p:cNvSpPr>
           <p:nvPr>
-            <p:ph type="title"/>
-          </p:nvPr>
-        </p:nvSpPr>
-        <p:spPr>
-          <a:xfrm>
-            <a:off x="2340050" y="260648"/>
-            <a:ext cx="6408712" cy="792088"/>
-          </a:xfrm>
-        </p:spPr>
+            <p:ph type="ctrTitle"/>
+          </p:nvPr>
+        </p:nvSpPr>
+        <p:spPr/>
         <p:txBody>
           <a:bodyPr>
-            <a:normAutofit fontScale="90000"/>
+            <a:noAutofit/>
           </a:bodyPr>
           <a:lstStyle/>
           <a:p>
             <a:r>
-              <a:rPr lang="ru-RU" dirty="0">
+              <a:rPr lang="ru-RU" sz="4800" dirty="0">
                 <a:solidFill>
                   <a:schemeClr val="bg1"/>
                 </a:solidFill>
               </a:rPr>
-              <a:t>                  Заголовок слайда</a:t>
-            </a:r>
-          </a:p>
-        </p:txBody>
-      </p:sp>
-      <p:sp>
-        <p:nvSpPr>
-          <p:cNvPr id="3" name="Объект 2"/>
-          <p:cNvSpPr>
-            <a:spLocks noGrp="1"/>
-          </p:cNvSpPr>
-          <p:nvPr>
-            <p:ph idx="1"/>
-          </p:nvPr>
-        </p:nvSpPr>
-        <p:spPr>
-          <a:xfrm>
-            <a:off x="971600" y="1787328"/>
-            <a:ext cx="2376264" cy="604664"/>
-          </a:xfrm>
-        </p:spPr>
-        <p:txBody>
-          <a:bodyPr/>
-          <a:lstStyle/>
-          <a:p>
-            <a:pPr marL="0" indent="0">
-              <a:buNone/>
-            </a:pPr>
-            <a:r>
-              <a:rPr lang="ru-RU" dirty="0">
-                <a:solidFill>
-                  <a:schemeClr val="bg1"/>
-                </a:solidFill>
-              </a:rPr>
-              <a:t>Список А</a:t>
-            </a:r>
-            <a:endParaRPr lang="en-US" dirty="0">
-              <a:solidFill>
-                <a:schemeClr val="bg1"/>
-              </a:solidFill>
-            </a:endParaRPr>
-          </a:p>
-        </p:txBody>
-      </p:sp>
-      <p:sp>
-        <p:nvSpPr>
-          <p:cNvPr id="6" name="Content Placeholder 5"/>
-          <p:cNvSpPr txBox="1">
-            <a:spLocks/>
-          </p:cNvSpPr>
-          <p:nvPr/>
-        </p:nvSpPr>
-        <p:spPr>
-          <a:xfrm>
-            <a:off x="827584" y="2524752"/>
-            <a:ext cx="4040188" cy="2276294"/>
-          </a:xfrm>
-          <a:prstGeom prst="rect">
-            <a:avLst/>
-          </a:prstGeom>
-        </p:spPr>
-        <p:txBody>
-          <a:bodyPr/>
-          <a:lstStyle>
-            <a:lvl1pPr marL="342900" indent="-342900" algn="l" defTabSz="914400" rtl="0" eaLnBrk="1" latinLnBrk="0" hangingPunct="1">
-              <a:spcBef>
-                <a:spcPct val="20000"/>
-              </a:spcBef>
-              <a:buFont typeface="Arial" pitchFamily="34" charset="0"/>
-              <a:buChar char="•"/>
-              <a:defRPr sz="3200" kern="1200">
-                <a:solidFill>
-                  <a:schemeClr val="tx1"/>
-                </a:solidFill>
-                <a:latin typeface="+mn-lt"/>
-                <a:ea typeface="+mn-ea"/>
-                <a:cs typeface="+mn-cs"/>
-              </a:defRPr>
-            </a:lvl1pPr>
-            <a:lvl2pPr marL="742950" indent="-285750" algn="l" defTabSz="914400" rtl="0" eaLnBrk="1" latinLnBrk="0" hangingPunct="1">
-              <a:spcBef>
-                <a:spcPct val="20000"/>
-              </a:spcBef>
-              <a:buFont typeface="Arial" pitchFamily="34" charset="0"/>
-              <a:buChar char="–"/>
-              <a:defRPr sz="2800" kern="1200">
-                <a:solidFill>
-                  <a:schemeClr val="tx1"/>
-                </a:solidFill>
-                <a:latin typeface="+mn-lt"/>
-                <a:ea typeface="+mn-ea"/>
-                <a:cs typeface="+mn-cs"/>
-              </a:defRPr>
-            </a:lvl2pPr>
-            <a:lvl3pPr marL="1143000" indent="-228600" algn="l" defTabSz="914400" rtl="0" eaLnBrk="1" latinLnBrk="0" hangingPunct="1">
-              <a:spcBef>
-                <a:spcPct val="20000"/>
-              </a:spcBef>
-              <a:buFont typeface="Arial" pitchFamily="34" charset="0"/>
-              <a:buChar char="•"/>
-              <a:defRPr sz="2400" kern="1200">
-                <a:solidFill>
-                  <a:schemeClr val="tx1"/>
-                </a:solidFill>
-                <a:latin typeface="+mn-lt"/>
-                <a:ea typeface="+mn-ea"/>
-                <a:cs typeface="+mn-cs"/>
-              </a:defRPr>
-            </a:lvl3pPr>
-            <a:lvl4pPr marL="1600200" indent="-228600" algn="l" defTabSz="914400" rtl="0" eaLnBrk="1" latinLnBrk="0" hangingPunct="1">
-              <a:spcBef>
-                <a:spcPct val="20000"/>
-              </a:spcBef>
-              <a:buFont typeface="Arial" pitchFamily="34" charset="0"/>
-              <a:buChar char="–"/>
-              <a:defRPr sz="2000" kern="1200">
-                <a:solidFill>
-                  <a:schemeClr val="tx1"/>
-                </a:solidFill>
-                <a:latin typeface="+mn-lt"/>
-                <a:ea typeface="+mn-ea"/>
-                <a:cs typeface="+mn-cs"/>
-              </a:defRPr>
-            </a:lvl4pPr>
-            <a:lvl5pPr marL="2057400" indent="-228600" algn="l" defTabSz="914400" rtl="0" eaLnBrk="1" latinLnBrk="0" hangingPunct="1">
-              <a:spcBef>
-                <a:spcPct val="20000"/>
-              </a:spcBef>
-              <a:buFont typeface="Arial" pitchFamily="34" charset="0"/>
-              <a:buChar char="»"/>
-              <a:defRPr sz="2000" kern="1200">
-                <a:solidFill>
-                  <a:schemeClr val="tx1"/>
-                </a:solidFill>
-                <a:latin typeface="+mn-lt"/>
-                <a:ea typeface="+mn-ea"/>
-                <a:cs typeface="+mn-cs"/>
-              </a:defRPr>
-            </a:lvl5pPr>
-            <a:lvl6pPr marL="2514600" indent="-228600" algn="l" defTabSz="914400" rtl="0" eaLnBrk="1" latinLnBrk="0" hangingPunct="1">
-              <a:spcBef>
-                <a:spcPct val="20000"/>
-              </a:spcBef>
-              <a:buFont typeface="Arial" pitchFamily="34" charset="0"/>
-              <a:buChar char="•"/>
-              <a:defRPr sz="2000" kern="1200">
-                <a:solidFill>
-                  <a:schemeClr val="tx1"/>
-                </a:solidFill>
-                <a:latin typeface="+mn-lt"/>
-                <a:ea typeface="+mn-ea"/>
-                <a:cs typeface="+mn-cs"/>
-              </a:defRPr>
-            </a:lvl6pPr>
-            <a:lvl7pPr marL="2971800" indent="-228600" algn="l" defTabSz="914400" rtl="0" eaLnBrk="1" latinLnBrk="0" hangingPunct="1">
-              <a:spcBef>
-                <a:spcPct val="20000"/>
-              </a:spcBef>
-              <a:buFont typeface="Arial" pitchFamily="34" charset="0"/>
-              <a:buChar char="•"/>
-              <a:defRPr sz="2000" kern="1200">
-                <a:solidFill>
-                  <a:schemeClr val="tx1"/>
-                </a:solidFill>
-                <a:latin typeface="+mn-lt"/>
-                <a:ea typeface="+mn-ea"/>
-                <a:cs typeface="+mn-cs"/>
-              </a:defRPr>
-            </a:lvl7pPr>
-            <a:lvl8pPr marL="3429000" indent="-228600" algn="l" defTabSz="914400" rtl="0" eaLnBrk="1" latinLnBrk="0" hangingPunct="1">
-              <a:spcBef>
-                <a:spcPct val="20000"/>
-              </a:spcBef>
-              <a:buFont typeface="Arial" pitchFamily="34" charset="0"/>
-              <a:buChar char="•"/>
-              <a:defRPr sz="2000" kern="1200">
-                <a:solidFill>
-                  <a:schemeClr val="tx1"/>
-                </a:solidFill>
-                <a:latin typeface="+mn-lt"/>
-                <a:ea typeface="+mn-ea"/>
-                <a:cs typeface="+mn-cs"/>
-              </a:defRPr>
-            </a:lvl8pPr>
-            <a:lvl9pPr marL="3886200" indent="-228600" algn="l" defTabSz="914400" rtl="0" eaLnBrk="1" latinLnBrk="0" hangingPunct="1">
-              <a:spcBef>
-                <a:spcPct val="20000"/>
-              </a:spcBef>
-              <a:buFont typeface="Arial" pitchFamily="34" charset="0"/>
-              <a:buChar char="•"/>
-              <a:defRPr sz="2000" kern="1200">
-                <a:solidFill>
-                  <a:schemeClr val="tx1"/>
-                </a:solidFill>
-                <a:latin typeface="+mn-lt"/>
-                <a:ea typeface="+mn-ea"/>
-                <a:cs typeface="+mn-cs"/>
-              </a:defRPr>
-            </a:lvl9pPr>
-          </a:lstStyle>
-          <a:p>
-            <a:r>
-              <a:rPr lang="ru-RU" dirty="0">
-                <a:solidFill>
-                  <a:schemeClr val="bg1">
-                    <a:lumMod val="95000"/>
-                  </a:schemeClr>
-                </a:solidFill>
-              </a:rPr>
-              <a:t>Объект</a:t>
-            </a:r>
-            <a:r>
-              <a:rPr lang="en-US" dirty="0">
-                <a:solidFill>
-                  <a:schemeClr val="bg1">
-                    <a:lumMod val="95000"/>
-                  </a:schemeClr>
-                </a:solidFill>
-              </a:rPr>
-              <a:t> 1</a:t>
-            </a:r>
-          </a:p>
-          <a:p>
-            <a:r>
-              <a:rPr lang="ru-RU" dirty="0">
-                <a:solidFill>
-                  <a:schemeClr val="bg1">
-                    <a:lumMod val="95000"/>
-                  </a:schemeClr>
-                </a:solidFill>
-              </a:rPr>
-              <a:t>Объект</a:t>
-            </a:r>
-            <a:r>
-              <a:rPr lang="en-US" dirty="0">
-                <a:solidFill>
-                  <a:schemeClr val="bg1">
-                    <a:lumMod val="95000"/>
-                  </a:schemeClr>
-                </a:solidFill>
-              </a:rPr>
-              <a:t> 2</a:t>
-            </a:r>
-          </a:p>
-          <a:p>
-            <a:r>
-              <a:rPr lang="ru-RU" dirty="0">
-                <a:solidFill>
-                  <a:schemeClr val="bg1">
-                    <a:lumMod val="95000"/>
-                  </a:schemeClr>
-                </a:solidFill>
-              </a:rPr>
-              <a:t>Объект</a:t>
-            </a:r>
-            <a:r>
-              <a:rPr lang="en-US" dirty="0">
-                <a:solidFill>
-                  <a:schemeClr val="bg1">
-                    <a:lumMod val="95000"/>
-                  </a:schemeClr>
-                </a:solidFill>
-              </a:rPr>
-              <a:t> 3</a:t>
-            </a:r>
-            <a:endParaRPr lang="ru-RU" dirty="0">
-              <a:solidFill>
-                <a:schemeClr val="bg1">
-                  <a:lumMod val="95000"/>
-                </a:schemeClr>
-              </a:solidFill>
-            </a:endParaRPr>
-          </a:p>
-          <a:p>
-            <a:r>
-              <a:rPr lang="ru-RU" dirty="0">
-                <a:solidFill>
-                  <a:schemeClr val="bg1">
-                    <a:lumMod val="95000"/>
-                  </a:schemeClr>
-                </a:solidFill>
-              </a:rPr>
-              <a:t>Объект 4</a:t>
-            </a:r>
-            <a:endParaRPr lang="en-US" dirty="0">
-              <a:solidFill>
-                <a:schemeClr val="bg1">
-                  <a:lumMod val="95000"/>
-                </a:schemeClr>
-              </a:solidFill>
-            </a:endParaRPr>
-          </a:p>
-        </p:txBody>
-      </p:sp>
-      <p:sp>
-        <p:nvSpPr>
-          <p:cNvPr id="5" name="Прямоугольник 4"/>
-          <p:cNvSpPr/>
-          <p:nvPr/>
-        </p:nvSpPr>
-        <p:spPr>
-          <a:xfrm>
-            <a:off x="5436096" y="1787328"/>
-            <a:ext cx="2195672" cy="584775"/>
-          </a:xfrm>
-          <a:prstGeom prst="rect">
-            <a:avLst/>
-          </a:prstGeom>
-        </p:spPr>
-        <p:txBody>
-          <a:bodyPr wrap="square">
-            <a:spAutoFit/>
-          </a:bodyPr>
-          <a:lstStyle/>
-          <a:p>
-            <a:r>
-              <a:rPr lang="ru-RU" sz="3200" dirty="0">
-                <a:solidFill>
-                  <a:schemeClr val="bg1"/>
-                </a:solidFill>
-              </a:rPr>
-              <a:t>Список В</a:t>
-            </a:r>
-            <a:endParaRPr lang="en-US" sz="3200" dirty="0">
-              <a:solidFill>
-                <a:schemeClr val="bg1"/>
-              </a:solidFill>
-            </a:endParaRPr>
-          </a:p>
-        </p:txBody>
-      </p:sp>
-      <p:sp>
-        <p:nvSpPr>
-          <p:cNvPr id="9" name="Content Placeholder 5"/>
-          <p:cNvSpPr txBox="1">
-            <a:spLocks/>
-          </p:cNvSpPr>
-          <p:nvPr/>
-        </p:nvSpPr>
-        <p:spPr>
-          <a:xfrm>
-            <a:off x="5292080" y="2500344"/>
-            <a:ext cx="3528392" cy="2276294"/>
-          </a:xfrm>
-          <a:prstGeom prst="rect">
-            <a:avLst/>
-          </a:prstGeom>
-        </p:spPr>
-        <p:txBody>
-          <a:bodyPr/>
-          <a:lstStyle>
-            <a:lvl1pPr marL="342900" indent="-342900" algn="l" defTabSz="914400" rtl="0" eaLnBrk="1" latinLnBrk="0" hangingPunct="1">
-              <a:spcBef>
-                <a:spcPct val="20000"/>
-              </a:spcBef>
-              <a:buFont typeface="Arial" pitchFamily="34" charset="0"/>
-              <a:buChar char="•"/>
-              <a:defRPr sz="3200" kern="1200">
-                <a:solidFill>
-                  <a:schemeClr val="tx1"/>
-                </a:solidFill>
-                <a:latin typeface="+mn-lt"/>
-                <a:ea typeface="+mn-ea"/>
-                <a:cs typeface="+mn-cs"/>
-              </a:defRPr>
-            </a:lvl1pPr>
-            <a:lvl2pPr marL="742950" indent="-285750" algn="l" defTabSz="914400" rtl="0" eaLnBrk="1" latinLnBrk="0" hangingPunct="1">
-              <a:spcBef>
-                <a:spcPct val="20000"/>
-              </a:spcBef>
-              <a:buFont typeface="Arial" pitchFamily="34" charset="0"/>
-              <a:buChar char="–"/>
-              <a:defRPr sz="2800" kern="1200">
-                <a:solidFill>
-                  <a:schemeClr val="tx1"/>
-                </a:solidFill>
-                <a:latin typeface="+mn-lt"/>
-                <a:ea typeface="+mn-ea"/>
-                <a:cs typeface="+mn-cs"/>
-              </a:defRPr>
-            </a:lvl2pPr>
-            <a:lvl3pPr marL="1143000" indent="-228600" algn="l" defTabSz="914400" rtl="0" eaLnBrk="1" latinLnBrk="0" hangingPunct="1">
-              <a:spcBef>
-                <a:spcPct val="20000"/>
-              </a:spcBef>
-              <a:buFont typeface="Arial" pitchFamily="34" charset="0"/>
-              <a:buChar char="•"/>
-              <a:defRPr sz="2400" kern="1200">
-                <a:solidFill>
-                  <a:schemeClr val="tx1"/>
-                </a:solidFill>
-                <a:latin typeface="+mn-lt"/>
-                <a:ea typeface="+mn-ea"/>
-                <a:cs typeface="+mn-cs"/>
-              </a:defRPr>
-            </a:lvl3pPr>
-            <a:lvl4pPr marL="1600200" indent="-228600" algn="l" defTabSz="914400" rtl="0" eaLnBrk="1" latinLnBrk="0" hangingPunct="1">
-              <a:spcBef>
-                <a:spcPct val="20000"/>
-              </a:spcBef>
-              <a:buFont typeface="Arial" pitchFamily="34" charset="0"/>
-              <a:buChar char="–"/>
-              <a:defRPr sz="2000" kern="1200">
-                <a:solidFill>
-                  <a:schemeClr val="tx1"/>
-                </a:solidFill>
-                <a:latin typeface="+mn-lt"/>
-                <a:ea typeface="+mn-ea"/>
-                <a:cs typeface="+mn-cs"/>
-              </a:defRPr>
-            </a:lvl4pPr>
-            <a:lvl5pPr marL="2057400" indent="-228600" algn="l" defTabSz="914400" rtl="0" eaLnBrk="1" latinLnBrk="0" hangingPunct="1">
-              <a:spcBef>
-                <a:spcPct val="20000"/>
-              </a:spcBef>
-              <a:buFont typeface="Arial" pitchFamily="34" charset="0"/>
-              <a:buChar char="»"/>
-              <a:defRPr sz="2000" kern="1200">
-                <a:solidFill>
-                  <a:schemeClr val="tx1"/>
-                </a:solidFill>
-                <a:latin typeface="+mn-lt"/>
-                <a:ea typeface="+mn-ea"/>
-                <a:cs typeface="+mn-cs"/>
-              </a:defRPr>
-            </a:lvl5pPr>
-            <a:lvl6pPr marL="2514600" indent="-228600" algn="l" defTabSz="914400" rtl="0" eaLnBrk="1" latinLnBrk="0" hangingPunct="1">
-              <a:spcBef>
-                <a:spcPct val="20000"/>
-              </a:spcBef>
-              <a:buFont typeface="Arial" pitchFamily="34" charset="0"/>
-              <a:buChar char="•"/>
-              <a:defRPr sz="2000" kern="1200">
-                <a:solidFill>
-                  <a:schemeClr val="tx1"/>
-                </a:solidFill>
-                <a:latin typeface="+mn-lt"/>
-                <a:ea typeface="+mn-ea"/>
-                <a:cs typeface="+mn-cs"/>
-              </a:defRPr>
-            </a:lvl6pPr>
-            <a:lvl7pPr marL="2971800" indent="-228600" algn="l" defTabSz="914400" rtl="0" eaLnBrk="1" latinLnBrk="0" hangingPunct="1">
-              <a:spcBef>
-                <a:spcPct val="20000"/>
-              </a:spcBef>
-              <a:buFont typeface="Arial" pitchFamily="34" charset="0"/>
-              <a:buChar char="•"/>
-              <a:defRPr sz="2000" kern="1200">
-                <a:solidFill>
-                  <a:schemeClr val="tx1"/>
-                </a:solidFill>
-                <a:latin typeface="+mn-lt"/>
-                <a:ea typeface="+mn-ea"/>
-                <a:cs typeface="+mn-cs"/>
-              </a:defRPr>
-            </a:lvl7pPr>
-            <a:lvl8pPr marL="3429000" indent="-228600" algn="l" defTabSz="914400" rtl="0" eaLnBrk="1" latinLnBrk="0" hangingPunct="1">
-              <a:spcBef>
-                <a:spcPct val="20000"/>
-              </a:spcBef>
-              <a:buFont typeface="Arial" pitchFamily="34" charset="0"/>
-              <a:buChar char="•"/>
-              <a:defRPr sz="2000" kern="1200">
-                <a:solidFill>
-                  <a:schemeClr val="tx1"/>
-                </a:solidFill>
-                <a:latin typeface="+mn-lt"/>
-                <a:ea typeface="+mn-ea"/>
-                <a:cs typeface="+mn-cs"/>
-              </a:defRPr>
-            </a:lvl8pPr>
-            <a:lvl9pPr marL="3886200" indent="-228600" algn="l" defTabSz="914400" rtl="0" eaLnBrk="1" latinLnBrk="0" hangingPunct="1">
-              <a:spcBef>
-                <a:spcPct val="20000"/>
-              </a:spcBef>
-              <a:buFont typeface="Arial" pitchFamily="34" charset="0"/>
-              <a:buChar char="•"/>
-              <a:defRPr sz="2000" kern="1200">
-                <a:solidFill>
-                  <a:schemeClr val="tx1"/>
-                </a:solidFill>
-                <a:latin typeface="+mn-lt"/>
-                <a:ea typeface="+mn-ea"/>
-                <a:cs typeface="+mn-cs"/>
-              </a:defRPr>
-            </a:lvl9pPr>
-          </a:lstStyle>
-          <a:p>
-            <a:r>
-              <a:rPr lang="ru-RU" dirty="0">
-                <a:solidFill>
-                  <a:schemeClr val="bg1">
-                    <a:lumMod val="95000"/>
-                  </a:schemeClr>
-                </a:solidFill>
-              </a:rPr>
-              <a:t>Объект</a:t>
-            </a:r>
-            <a:r>
-              <a:rPr lang="en-US" dirty="0">
-                <a:solidFill>
-                  <a:schemeClr val="bg1">
-                    <a:lumMod val="95000"/>
-                  </a:schemeClr>
-                </a:solidFill>
-              </a:rPr>
-              <a:t> 1</a:t>
-            </a:r>
-          </a:p>
-          <a:p>
-            <a:r>
-              <a:rPr lang="ru-RU" dirty="0">
-                <a:solidFill>
-                  <a:schemeClr val="bg1">
-                    <a:lumMod val="95000"/>
-                  </a:schemeClr>
-                </a:solidFill>
-              </a:rPr>
-              <a:t>Объект</a:t>
-            </a:r>
-            <a:r>
-              <a:rPr lang="en-US" dirty="0">
-                <a:solidFill>
-                  <a:schemeClr val="bg1">
-                    <a:lumMod val="95000"/>
-                  </a:schemeClr>
-                </a:solidFill>
-              </a:rPr>
-              <a:t> 2</a:t>
-            </a:r>
-          </a:p>
-          <a:p>
-            <a:r>
-              <a:rPr lang="ru-RU" dirty="0">
-                <a:solidFill>
-                  <a:schemeClr val="bg1">
-                    <a:lumMod val="95000"/>
-                  </a:schemeClr>
-                </a:solidFill>
-              </a:rPr>
-              <a:t>Объект</a:t>
-            </a:r>
-            <a:r>
-              <a:rPr lang="en-US" dirty="0">
-                <a:solidFill>
-                  <a:schemeClr val="bg1">
-                    <a:lumMod val="95000"/>
-                  </a:schemeClr>
-                </a:solidFill>
-              </a:rPr>
-              <a:t> 3</a:t>
-            </a:r>
-            <a:endParaRPr lang="ru-RU" dirty="0">
-              <a:solidFill>
-                <a:schemeClr val="bg1">
-                  <a:lumMod val="95000"/>
-                </a:schemeClr>
-              </a:solidFill>
-            </a:endParaRPr>
-          </a:p>
-          <a:p>
-            <a:r>
-              <a:rPr lang="ru-RU" dirty="0">
-                <a:solidFill>
-                  <a:schemeClr val="bg1">
-                    <a:lumMod val="95000"/>
-                  </a:schemeClr>
-                </a:solidFill>
-              </a:rPr>
-              <a:t>Объект 4</a:t>
-            </a:r>
-            <a:endParaRPr lang="en-US" dirty="0">
-              <a:solidFill>
-                <a:schemeClr val="bg1">
-                  <a:lumMod val="95000"/>
-                </a:schemeClr>
-              </a:solidFill>
-            </a:endParaRPr>
+              <a:t>Спасибо за внимание!</a:t>
+            </a:r>
           </a:p>
         </p:txBody>
       </p:sp>
     </p:spTree>
     <p:extLst>
       <p:ext uri="{BB962C8B-B14F-4D97-AF65-F5344CB8AC3E}">
-        <p14:creationId xmlns:p14="http://schemas.microsoft.com/office/powerpoint/2010/main" val="393667318"/>
+        <p14:creationId xmlns:p14="http://schemas.microsoft.com/office/powerpoint/2010/main" val="3892822012"/>
       </p:ext>
     </p:extLst>
   </p:cSld>

--- a/hack.pptx
+++ b/hack.pptx
@@ -4,11 +4,16 @@
   <p:sldMasterIdLst>
     <p:sldMasterId id="2147483648" r:id="rId1"/>
   </p:sldMasterIdLst>
+  <p:handoutMasterIdLst>
+    <p:handoutMasterId r:id="rId8"/>
+  </p:handoutMasterIdLst>
   <p:sldIdLst>
     <p:sldId id="256" r:id="rId2"/>
-    <p:sldId id="263" r:id="rId3"/>
-    <p:sldId id="262" r:id="rId4"/>
-    <p:sldId id="264" r:id="rId5"/>
+    <p:sldId id="265" r:id="rId3"/>
+    <p:sldId id="263" r:id="rId4"/>
+    <p:sldId id="267" r:id="rId5"/>
+    <p:sldId id="266" r:id="rId6"/>
+    <p:sldId id="264" r:id="rId7"/>
   </p:sldIdLst>
   <p:sldSz cx="9144000" cy="6858000" type="screen4x3"/>
   <p:notesSz cx="6858000" cy="9144000"/>
@@ -124,6 +129,195 @@
     </p:ext>
   </p:extLst>
 </p:presentation>
+</file>
+
+<file path=ppt/handoutMasters/handoutMaster1.xml><?xml version="1.0" encoding="utf-8"?>
+<p:handoutMaster xmlns:a="http://schemas.openxmlformats.org/drawingml/2006/main" xmlns:r="http://schemas.openxmlformats.org/officeDocument/2006/relationships" xmlns:p="http://schemas.openxmlformats.org/presentationml/2006/main">
+  <p:cSld>
+    <p:bg>
+      <p:bgRef idx="1001">
+        <a:schemeClr val="bg1"/>
+      </p:bgRef>
+    </p:bg>
+    <p:spTree>
+      <p:nvGrpSpPr>
+        <p:cNvPr id="1" name=""/>
+        <p:cNvGrpSpPr/>
+        <p:nvPr/>
+      </p:nvGrpSpPr>
+      <p:grpSpPr>
+        <a:xfrm>
+          <a:off x="0" y="0"/>
+          <a:ext cx="0" cy="0"/>
+          <a:chOff x="0" y="0"/>
+          <a:chExt cx="0" cy="0"/>
+        </a:xfrm>
+      </p:grpSpPr>
+      <p:sp>
+        <p:nvSpPr>
+          <p:cNvPr id="2" name="Верхний колонтитул 1">
+            <a:extLst>
+              <a:ext uri="{FF2B5EF4-FFF2-40B4-BE49-F238E27FC236}">
+                <a16:creationId xmlns:a16="http://schemas.microsoft.com/office/drawing/2014/main" id="{8B652570-09B2-40E5-A140-35FB2E72BBE8}"/>
+              </a:ext>
+            </a:extLst>
+          </p:cNvPr>
+          <p:cNvSpPr>
+            <a:spLocks noGrp="1"/>
+          </p:cNvSpPr>
+          <p:nvPr>
+            <p:ph type="hdr" sz="quarter"/>
+          </p:nvPr>
+        </p:nvSpPr>
+        <p:spPr>
+          <a:xfrm>
+            <a:off x="0" y="0"/>
+            <a:ext cx="2971800" cy="458788"/>
+          </a:xfrm>
+          <a:prstGeom prst="rect">
+            <a:avLst/>
+          </a:prstGeom>
+        </p:spPr>
+        <p:txBody>
+          <a:bodyPr vert="horz" lIns="91440" tIns="45720" rIns="91440" bIns="45720" rtlCol="0"/>
+          <a:lstStyle>
+            <a:lvl1pPr algn="l">
+              <a:defRPr sz="1200"/>
+            </a:lvl1pPr>
+          </a:lstStyle>
+          <a:p>
+            <a:endParaRPr lang="ru-RU"/>
+          </a:p>
+        </p:txBody>
+      </p:sp>
+      <p:sp>
+        <p:nvSpPr>
+          <p:cNvPr id="3" name="Дата 2">
+            <a:extLst>
+              <a:ext uri="{FF2B5EF4-FFF2-40B4-BE49-F238E27FC236}">
+                <a16:creationId xmlns:a16="http://schemas.microsoft.com/office/drawing/2014/main" id="{0744E24F-26A2-4C25-A566-F472AF98AE7C}"/>
+              </a:ext>
+            </a:extLst>
+          </p:cNvPr>
+          <p:cNvSpPr>
+            <a:spLocks noGrp="1"/>
+          </p:cNvSpPr>
+          <p:nvPr>
+            <p:ph type="dt" sz="quarter" idx="1"/>
+          </p:nvPr>
+        </p:nvSpPr>
+        <p:spPr>
+          <a:xfrm>
+            <a:off x="3884613" y="0"/>
+            <a:ext cx="2971800" cy="458788"/>
+          </a:xfrm>
+          <a:prstGeom prst="rect">
+            <a:avLst/>
+          </a:prstGeom>
+        </p:spPr>
+        <p:txBody>
+          <a:bodyPr vert="horz" lIns="91440" tIns="45720" rIns="91440" bIns="45720" rtlCol="0"/>
+          <a:lstStyle>
+            <a:lvl1pPr algn="r">
+              <a:defRPr sz="1200"/>
+            </a:lvl1pPr>
+          </a:lstStyle>
+          <a:p>
+            <a:fld id="{92AF2BF3-38B9-4576-A186-59C9937A76E8}" type="datetimeFigureOut">
+              <a:rPr lang="ru-RU" smtClean="0"/>
+              <a:t>30.10.2021</a:t>
+            </a:fld>
+            <a:endParaRPr lang="ru-RU"/>
+          </a:p>
+        </p:txBody>
+      </p:sp>
+      <p:sp>
+        <p:nvSpPr>
+          <p:cNvPr id="4" name="Нижний колонтитул 3">
+            <a:extLst>
+              <a:ext uri="{FF2B5EF4-FFF2-40B4-BE49-F238E27FC236}">
+                <a16:creationId xmlns:a16="http://schemas.microsoft.com/office/drawing/2014/main" id="{39636429-1210-434D-9906-E0FD33AF4CB5}"/>
+              </a:ext>
+            </a:extLst>
+          </p:cNvPr>
+          <p:cNvSpPr>
+            <a:spLocks noGrp="1"/>
+          </p:cNvSpPr>
+          <p:nvPr>
+            <p:ph type="ftr" sz="quarter" idx="2"/>
+          </p:nvPr>
+        </p:nvSpPr>
+        <p:spPr>
+          <a:xfrm>
+            <a:off x="0" y="8685213"/>
+            <a:ext cx="2971800" cy="458787"/>
+          </a:xfrm>
+          <a:prstGeom prst="rect">
+            <a:avLst/>
+          </a:prstGeom>
+        </p:spPr>
+        <p:txBody>
+          <a:bodyPr vert="horz" lIns="91440" tIns="45720" rIns="91440" bIns="45720" rtlCol="0" anchor="b"/>
+          <a:lstStyle>
+            <a:lvl1pPr algn="l">
+              <a:defRPr sz="1200"/>
+            </a:lvl1pPr>
+          </a:lstStyle>
+          <a:p>
+            <a:endParaRPr lang="ru-RU"/>
+          </a:p>
+        </p:txBody>
+      </p:sp>
+      <p:sp>
+        <p:nvSpPr>
+          <p:cNvPr id="5" name="Номер слайда 4">
+            <a:extLst>
+              <a:ext uri="{FF2B5EF4-FFF2-40B4-BE49-F238E27FC236}">
+                <a16:creationId xmlns:a16="http://schemas.microsoft.com/office/drawing/2014/main" id="{78FD421E-ECF4-4122-86EE-5045A070E69D}"/>
+              </a:ext>
+            </a:extLst>
+          </p:cNvPr>
+          <p:cNvSpPr>
+            <a:spLocks noGrp="1"/>
+          </p:cNvSpPr>
+          <p:nvPr>
+            <p:ph type="sldNum" sz="quarter" idx="3"/>
+          </p:nvPr>
+        </p:nvSpPr>
+        <p:spPr>
+          <a:xfrm>
+            <a:off x="3884613" y="8685213"/>
+            <a:ext cx="2971800" cy="458787"/>
+          </a:xfrm>
+          <a:prstGeom prst="rect">
+            <a:avLst/>
+          </a:prstGeom>
+        </p:spPr>
+        <p:txBody>
+          <a:bodyPr vert="horz" lIns="91440" tIns="45720" rIns="91440" bIns="45720" rtlCol="0" anchor="b"/>
+          <a:lstStyle>
+            <a:lvl1pPr algn="r">
+              <a:defRPr sz="1200"/>
+            </a:lvl1pPr>
+          </a:lstStyle>
+          <a:p>
+            <a:fld id="{36A47B96-92E6-4617-AEC6-3E603210CAF4}" type="slidenum">
+              <a:rPr lang="ru-RU" smtClean="0"/>
+              <a:t>‹#›</a:t>
+            </a:fld>
+            <a:endParaRPr lang="ru-RU"/>
+          </a:p>
+        </p:txBody>
+      </p:sp>
+    </p:spTree>
+    <p:extLst>
+      <p:ext uri="{BB962C8B-B14F-4D97-AF65-F5344CB8AC3E}">
+        <p14:creationId xmlns:p14="http://schemas.microsoft.com/office/powerpoint/2010/main" val="308081954"/>
+      </p:ext>
+    </p:extLst>
+  </p:cSld>
+  <p:clrMap bg1="lt1" tx1="dk1" bg2="lt2" tx2="dk2" accent1="accent1" accent2="accent2" accent3="accent3" accent4="accent4" accent5="accent5" accent6="accent6" hlink="hlink" folHlink="folHlink"/>
+</p:handoutMaster>
 </file>
 
 <file path=ppt/slideLayouts/slideLayout1.xml><?xml version="1.0" encoding="utf-8"?>
@@ -3275,25 +3469,32 @@
             <p:ph type="ctrTitle"/>
           </p:nvPr>
         </p:nvSpPr>
-        <p:spPr/>
+        <p:spPr>
+          <a:xfrm>
+            <a:off x="4139952" y="3645024"/>
+            <a:ext cx="4896544" cy="1296144"/>
+          </a:xfrm>
+        </p:spPr>
         <p:txBody>
           <a:bodyPr>
-            <a:normAutofit/>
+            <a:noAutofit/>
           </a:bodyPr>
           <a:lstStyle/>
           <a:p>
             <a:r>
-              <a:rPr lang="en-US" sz="6000" dirty="0" err="1">
-                <a:solidFill>
-                  <a:srgbClr val="FF0000"/>
-                </a:solidFill>
+              <a:rPr lang="en-US" sz="8000" b="1" dirty="0" err="1">
+                <a:solidFill>
+                  <a:srgbClr val="C00000"/>
+                </a:solidFill>
+                <a:latin typeface="Chiller" panose="04020404031007020602" pitchFamily="82" charset="0"/>
               </a:rPr>
               <a:t>Red_scull</a:t>
             </a:r>
-            <a:endParaRPr lang="ru-RU" sz="6000" dirty="0">
+            <a:endParaRPr lang="ru-RU" sz="8000" b="1" dirty="0">
               <a:solidFill>
-                <a:srgbClr val="FF0000"/>
+                <a:srgbClr val="C00000"/>
               </a:solidFill>
+              <a:latin typeface="Comic Sans MS" panose="030F0702030302020204" pitchFamily="66" charset="0"/>
             </a:endParaRPr>
           </a:p>
         </p:txBody>
@@ -3308,7 +3509,12 @@
             <p:ph type="subTitle" idx="1"/>
           </p:nvPr>
         </p:nvSpPr>
-        <p:spPr/>
+        <p:spPr>
+          <a:xfrm>
+            <a:off x="4139952" y="5445224"/>
+            <a:ext cx="4856584" cy="697632"/>
+          </a:xfrm>
+        </p:spPr>
         <p:txBody>
           <a:bodyPr/>
           <a:lstStyle/>
@@ -3322,7 +3528,7 @@
               <a:t> </a:t>
             </a:r>
             <a:r>
-              <a:rPr lang="ru-RU"/>
+              <a:rPr lang="ru-RU" dirty="0" err="1"/>
               <a:t>Экодрон</a:t>
             </a:r>
             <a:endParaRPr lang="ru-RU" dirty="0"/>
@@ -3412,8 +3618,8 @@
         </p:nvSpPr>
         <p:spPr>
           <a:xfrm>
-            <a:off x="2340050" y="260648"/>
-            <a:ext cx="6480422" cy="792088"/>
+            <a:off x="2627784" y="260648"/>
+            <a:ext cx="6059016" cy="792088"/>
           </a:xfrm>
         </p:spPr>
         <p:txBody>
@@ -3429,591 +3635,203 @@
                   <a:schemeClr val="bg1"/>
                 </a:solidFill>
               </a:rPr>
-              <a:t>Возможные решения</a:t>
-            </a:r>
-          </a:p>
-        </p:txBody>
-      </p:sp>
-      <p:sp>
-        <p:nvSpPr>
-          <p:cNvPr id="3" name="Объект 2"/>
-          <p:cNvSpPr>
-            <a:spLocks noGrp="1"/>
-          </p:cNvSpPr>
-          <p:nvPr>
-            <p:ph idx="1"/>
-          </p:nvPr>
-        </p:nvSpPr>
-        <p:spPr>
-          <a:xfrm>
-            <a:off x="971600" y="1787328"/>
-            <a:ext cx="2376264" cy="604664"/>
-          </a:xfrm>
-        </p:spPr>
-        <p:txBody>
-          <a:bodyPr/>
-          <a:lstStyle/>
-          <a:p>
-            <a:pPr marL="0" indent="0">
-              <a:buNone/>
-            </a:pPr>
-            <a:r>
-              <a:rPr lang="ru-RU" dirty="0">
-                <a:solidFill>
-                  <a:schemeClr val="bg1"/>
-                </a:solidFill>
-              </a:rPr>
-              <a:t>Список А</a:t>
-            </a:r>
-            <a:endParaRPr lang="en-US" dirty="0">
-              <a:solidFill>
-                <a:schemeClr val="bg1"/>
-              </a:solidFill>
-            </a:endParaRPr>
-          </a:p>
-        </p:txBody>
-      </p:sp>
-      <p:sp>
-        <p:nvSpPr>
-          <p:cNvPr id="6" name="Content Placeholder 5"/>
-          <p:cNvSpPr txBox="1">
-            <a:spLocks/>
-          </p:cNvSpPr>
+              <a:t>Проблема</a:t>
+            </a:r>
+          </a:p>
+        </p:txBody>
+      </p:sp>
+      <p:pic>
+        <p:nvPicPr>
+          <p:cNvPr id="1028" name="Picture 4">
+            <a:extLst>
+              <a:ext uri="{FF2B5EF4-FFF2-40B4-BE49-F238E27FC236}">
+                <a16:creationId xmlns:a16="http://schemas.microsoft.com/office/drawing/2014/main" id="{623DAB48-237C-4BA4-8803-E222B85D297E}"/>
+              </a:ext>
+            </a:extLst>
+          </p:cNvPr>
+          <p:cNvPicPr>
+            <a:picLocks noChangeAspect="1" noChangeArrowheads="1"/>
+          </p:cNvPicPr>
           <p:nvPr/>
-        </p:nvSpPr>
-        <p:spPr>
-          <a:xfrm>
-            <a:off x="827584" y="2524752"/>
-            <a:ext cx="4040188" cy="2276294"/>
+        </p:nvPicPr>
+        <p:blipFill>
+          <a:blip r:embed="rId3" cstate="print">
+            <a:extLst>
+              <a:ext uri="{28A0092B-C50C-407E-A947-70E740481C1C}">
+                <a14:useLocalDpi xmlns:a14="http://schemas.microsoft.com/office/drawing/2010/main" val="0"/>
+              </a:ext>
+            </a:extLst>
+          </a:blip>
+          <a:srcRect/>
+          <a:stretch>
+            <a:fillRect/>
+          </a:stretch>
+        </p:blipFill>
+        <p:spPr bwMode="auto">
+          <a:xfrm>
+            <a:off x="4888550" y="4437112"/>
+            <a:ext cx="3523534" cy="1981988"/>
           </a:xfrm>
           <a:prstGeom prst="rect">
             <a:avLst/>
           </a:prstGeom>
-        </p:spPr>
-        <p:txBody>
-          <a:bodyPr/>
-          <a:lstStyle>
-            <a:lvl1pPr marL="342900" indent="-342900" algn="l" defTabSz="914400" rtl="0" eaLnBrk="1" latinLnBrk="0" hangingPunct="1">
-              <a:spcBef>
-                <a:spcPct val="20000"/>
-              </a:spcBef>
-              <a:buFont typeface="Arial" pitchFamily="34" charset="0"/>
-              <a:buChar char="•"/>
-              <a:defRPr sz="3200" kern="1200">
-                <a:solidFill>
-                  <a:schemeClr val="tx1"/>
-                </a:solidFill>
-                <a:latin typeface="+mn-lt"/>
-                <a:ea typeface="+mn-ea"/>
-                <a:cs typeface="+mn-cs"/>
-              </a:defRPr>
-            </a:lvl1pPr>
-            <a:lvl2pPr marL="742950" indent="-285750" algn="l" defTabSz="914400" rtl="0" eaLnBrk="1" latinLnBrk="0" hangingPunct="1">
-              <a:spcBef>
-                <a:spcPct val="20000"/>
-              </a:spcBef>
-              <a:buFont typeface="Arial" pitchFamily="34" charset="0"/>
-              <a:buChar char="–"/>
-              <a:defRPr sz="2800" kern="1200">
-                <a:solidFill>
-                  <a:schemeClr val="tx1"/>
-                </a:solidFill>
-                <a:latin typeface="+mn-lt"/>
-                <a:ea typeface="+mn-ea"/>
-                <a:cs typeface="+mn-cs"/>
-              </a:defRPr>
-            </a:lvl2pPr>
-            <a:lvl3pPr marL="1143000" indent="-228600" algn="l" defTabSz="914400" rtl="0" eaLnBrk="1" latinLnBrk="0" hangingPunct="1">
-              <a:spcBef>
-                <a:spcPct val="20000"/>
-              </a:spcBef>
-              <a:buFont typeface="Arial" pitchFamily="34" charset="0"/>
-              <a:buChar char="•"/>
-              <a:defRPr sz="2400" kern="1200">
-                <a:solidFill>
-                  <a:schemeClr val="tx1"/>
-                </a:solidFill>
-                <a:latin typeface="+mn-lt"/>
-                <a:ea typeface="+mn-ea"/>
-                <a:cs typeface="+mn-cs"/>
-              </a:defRPr>
-            </a:lvl3pPr>
-            <a:lvl4pPr marL="1600200" indent="-228600" algn="l" defTabSz="914400" rtl="0" eaLnBrk="1" latinLnBrk="0" hangingPunct="1">
-              <a:spcBef>
-                <a:spcPct val="20000"/>
-              </a:spcBef>
-              <a:buFont typeface="Arial" pitchFamily="34" charset="0"/>
-              <a:buChar char="–"/>
-              <a:defRPr sz="2000" kern="1200">
-                <a:solidFill>
-                  <a:schemeClr val="tx1"/>
-                </a:solidFill>
-                <a:latin typeface="+mn-lt"/>
-                <a:ea typeface="+mn-ea"/>
-                <a:cs typeface="+mn-cs"/>
-              </a:defRPr>
-            </a:lvl4pPr>
-            <a:lvl5pPr marL="2057400" indent="-228600" algn="l" defTabSz="914400" rtl="0" eaLnBrk="1" latinLnBrk="0" hangingPunct="1">
-              <a:spcBef>
-                <a:spcPct val="20000"/>
-              </a:spcBef>
-              <a:buFont typeface="Arial" pitchFamily="34" charset="0"/>
-              <a:buChar char="»"/>
-              <a:defRPr sz="2000" kern="1200">
-                <a:solidFill>
-                  <a:schemeClr val="tx1"/>
-                </a:solidFill>
-                <a:latin typeface="+mn-lt"/>
-                <a:ea typeface="+mn-ea"/>
-                <a:cs typeface="+mn-cs"/>
-              </a:defRPr>
-            </a:lvl5pPr>
-            <a:lvl6pPr marL="2514600" indent="-228600" algn="l" defTabSz="914400" rtl="0" eaLnBrk="1" latinLnBrk="0" hangingPunct="1">
-              <a:spcBef>
-                <a:spcPct val="20000"/>
-              </a:spcBef>
-              <a:buFont typeface="Arial" pitchFamily="34" charset="0"/>
-              <a:buChar char="•"/>
-              <a:defRPr sz="2000" kern="1200">
-                <a:solidFill>
-                  <a:schemeClr val="tx1"/>
-                </a:solidFill>
-                <a:latin typeface="+mn-lt"/>
-                <a:ea typeface="+mn-ea"/>
-                <a:cs typeface="+mn-cs"/>
-              </a:defRPr>
-            </a:lvl6pPr>
-            <a:lvl7pPr marL="2971800" indent="-228600" algn="l" defTabSz="914400" rtl="0" eaLnBrk="1" latinLnBrk="0" hangingPunct="1">
-              <a:spcBef>
-                <a:spcPct val="20000"/>
-              </a:spcBef>
-              <a:buFont typeface="Arial" pitchFamily="34" charset="0"/>
-              <a:buChar char="•"/>
-              <a:defRPr sz="2000" kern="1200">
-                <a:solidFill>
-                  <a:schemeClr val="tx1"/>
-                </a:solidFill>
-                <a:latin typeface="+mn-lt"/>
-                <a:ea typeface="+mn-ea"/>
-                <a:cs typeface="+mn-cs"/>
-              </a:defRPr>
-            </a:lvl7pPr>
-            <a:lvl8pPr marL="3429000" indent="-228600" algn="l" defTabSz="914400" rtl="0" eaLnBrk="1" latinLnBrk="0" hangingPunct="1">
-              <a:spcBef>
-                <a:spcPct val="20000"/>
-              </a:spcBef>
-              <a:buFont typeface="Arial" pitchFamily="34" charset="0"/>
-              <a:buChar char="•"/>
-              <a:defRPr sz="2000" kern="1200">
-                <a:solidFill>
-                  <a:schemeClr val="tx1"/>
-                </a:solidFill>
-                <a:latin typeface="+mn-lt"/>
-                <a:ea typeface="+mn-ea"/>
-                <a:cs typeface="+mn-cs"/>
-              </a:defRPr>
-            </a:lvl8pPr>
-            <a:lvl9pPr marL="3886200" indent="-228600" algn="l" defTabSz="914400" rtl="0" eaLnBrk="1" latinLnBrk="0" hangingPunct="1">
-              <a:spcBef>
-                <a:spcPct val="20000"/>
-              </a:spcBef>
-              <a:buFont typeface="Arial" pitchFamily="34" charset="0"/>
-              <a:buChar char="•"/>
-              <a:defRPr sz="2000" kern="1200">
-                <a:solidFill>
-                  <a:schemeClr val="tx1"/>
-                </a:solidFill>
-                <a:latin typeface="+mn-lt"/>
-                <a:ea typeface="+mn-ea"/>
-                <a:cs typeface="+mn-cs"/>
-              </a:defRPr>
-            </a:lvl9pPr>
-          </a:lstStyle>
-          <a:p>
-            <a:r>
-              <a:rPr lang="ru-RU" dirty="0">
-                <a:solidFill>
-                  <a:schemeClr val="bg1">
-                    <a:lumMod val="95000"/>
-                  </a:schemeClr>
-                </a:solidFill>
-              </a:rPr>
-              <a:t>Объект</a:t>
-            </a:r>
-            <a:r>
-              <a:rPr lang="en-US" dirty="0">
-                <a:solidFill>
-                  <a:schemeClr val="bg1">
-                    <a:lumMod val="95000"/>
-                  </a:schemeClr>
-                </a:solidFill>
-              </a:rPr>
-              <a:t> 1</a:t>
-            </a:r>
-          </a:p>
-          <a:p>
-            <a:r>
-              <a:rPr lang="ru-RU" dirty="0">
-                <a:solidFill>
-                  <a:schemeClr val="bg1">
-                    <a:lumMod val="95000"/>
-                  </a:schemeClr>
-                </a:solidFill>
-              </a:rPr>
-              <a:t>Объект</a:t>
-            </a:r>
-            <a:r>
-              <a:rPr lang="en-US" dirty="0">
-                <a:solidFill>
-                  <a:schemeClr val="bg1">
-                    <a:lumMod val="95000"/>
-                  </a:schemeClr>
-                </a:solidFill>
-              </a:rPr>
-              <a:t> 2</a:t>
-            </a:r>
-          </a:p>
-          <a:p>
-            <a:r>
-              <a:rPr lang="ru-RU" dirty="0">
-                <a:solidFill>
-                  <a:schemeClr val="bg1">
-                    <a:lumMod val="95000"/>
-                  </a:schemeClr>
-                </a:solidFill>
-              </a:rPr>
-              <a:t>Объект</a:t>
-            </a:r>
-            <a:r>
-              <a:rPr lang="en-US" dirty="0">
-                <a:solidFill>
-                  <a:schemeClr val="bg1">
-                    <a:lumMod val="95000"/>
-                  </a:schemeClr>
-                </a:solidFill>
-              </a:rPr>
-              <a:t> 3</a:t>
-            </a:r>
-            <a:endParaRPr lang="ru-RU" dirty="0">
-              <a:solidFill>
-                <a:schemeClr val="bg1">
-                  <a:lumMod val="95000"/>
-                </a:schemeClr>
-              </a:solidFill>
-            </a:endParaRPr>
-          </a:p>
-          <a:p>
-            <a:r>
-              <a:rPr lang="ru-RU" dirty="0">
-                <a:solidFill>
-                  <a:schemeClr val="bg1">
-                    <a:lumMod val="95000"/>
-                  </a:schemeClr>
-                </a:solidFill>
-              </a:rPr>
-              <a:t>Объект 4</a:t>
-            </a:r>
-            <a:endParaRPr lang="en-US" dirty="0">
-              <a:solidFill>
-                <a:schemeClr val="bg1">
-                  <a:lumMod val="95000"/>
-                </a:schemeClr>
-              </a:solidFill>
-            </a:endParaRPr>
-          </a:p>
-        </p:txBody>
-      </p:sp>
-      <p:sp>
-        <p:nvSpPr>
-          <p:cNvPr id="5" name="Прямоугольник 4"/>
-          <p:cNvSpPr/>
+          <a:noFill/>
+          <a:extLst>
+            <a:ext uri="{909E8E84-426E-40DD-AFC4-6F175D3DCCD1}">
+              <a14:hiddenFill xmlns:a14="http://schemas.microsoft.com/office/drawing/2010/main">
+                <a:solidFill>
+                  <a:srgbClr val="FFFFFF"/>
+                </a:solidFill>
+              </a14:hiddenFill>
+            </a:ext>
+          </a:extLst>
+        </p:spPr>
+      </p:pic>
+      <p:pic>
+        <p:nvPicPr>
+          <p:cNvPr id="1030" name="Picture 6">
+            <a:extLst>
+              <a:ext uri="{FF2B5EF4-FFF2-40B4-BE49-F238E27FC236}">
+                <a16:creationId xmlns:a16="http://schemas.microsoft.com/office/drawing/2014/main" id="{A2A1828C-DE44-49FC-A54A-EFDBA9F85A4E}"/>
+              </a:ext>
+            </a:extLst>
+          </p:cNvPr>
+          <p:cNvPicPr>
+            <a:picLocks noChangeAspect="1" noChangeArrowheads="1"/>
+          </p:cNvPicPr>
           <p:nvPr/>
-        </p:nvSpPr>
-        <p:spPr>
-          <a:xfrm>
-            <a:off x="5436096" y="1787328"/>
-            <a:ext cx="2195672" cy="584775"/>
+        </p:nvPicPr>
+        <p:blipFill>
+          <a:blip r:embed="rId4" cstate="print">
+            <a:extLst>
+              <a:ext uri="{28A0092B-C50C-407E-A947-70E740481C1C}">
+                <a14:useLocalDpi xmlns:a14="http://schemas.microsoft.com/office/drawing/2010/main" val="0"/>
+              </a:ext>
+            </a:extLst>
+          </a:blip>
+          <a:srcRect/>
+          <a:stretch>
+            <a:fillRect/>
+          </a:stretch>
+        </p:blipFill>
+        <p:spPr bwMode="auto">
+          <a:xfrm>
+            <a:off x="739550" y="4437112"/>
+            <a:ext cx="3523534" cy="1981988"/>
           </a:xfrm>
           <a:prstGeom prst="rect">
             <a:avLst/>
           </a:prstGeom>
-        </p:spPr>
-        <p:txBody>
-          <a:bodyPr wrap="square">
-            <a:spAutoFit/>
-          </a:bodyPr>
-          <a:lstStyle/>
-          <a:p>
-            <a:r>
-              <a:rPr lang="ru-RU" sz="3200" dirty="0">
-                <a:solidFill>
-                  <a:schemeClr val="bg1"/>
-                </a:solidFill>
-              </a:rPr>
-              <a:t>Список В</a:t>
-            </a:r>
-            <a:endParaRPr lang="en-US" sz="3200" dirty="0">
-              <a:solidFill>
-                <a:schemeClr val="bg1"/>
-              </a:solidFill>
-            </a:endParaRPr>
-          </a:p>
-        </p:txBody>
-      </p:sp>
-      <p:sp>
-        <p:nvSpPr>
-          <p:cNvPr id="9" name="Content Placeholder 5"/>
-          <p:cNvSpPr txBox="1">
-            <a:spLocks/>
-          </p:cNvSpPr>
+          <a:noFill/>
+          <a:extLst>
+            <a:ext uri="{909E8E84-426E-40DD-AFC4-6F175D3DCCD1}">
+              <a14:hiddenFill xmlns:a14="http://schemas.microsoft.com/office/drawing/2010/main">
+                <a:solidFill>
+                  <a:srgbClr val="FFFFFF"/>
+                </a:solidFill>
+              </a14:hiddenFill>
+            </a:ext>
+          </a:extLst>
+        </p:spPr>
+      </p:pic>
+      <p:pic>
+        <p:nvPicPr>
+          <p:cNvPr id="1032" name="Picture 8">
+            <a:extLst>
+              <a:ext uri="{FF2B5EF4-FFF2-40B4-BE49-F238E27FC236}">
+                <a16:creationId xmlns:a16="http://schemas.microsoft.com/office/drawing/2014/main" id="{ECB7D5E8-1128-4D1D-B732-B65708EA3727}"/>
+              </a:ext>
+            </a:extLst>
+          </p:cNvPr>
+          <p:cNvPicPr>
+            <a:picLocks noChangeAspect="1" noChangeArrowheads="1"/>
+          </p:cNvPicPr>
           <p:nvPr/>
-        </p:nvSpPr>
-        <p:spPr>
-          <a:xfrm>
-            <a:off x="5292080" y="2500344"/>
-            <a:ext cx="3528392" cy="2276294"/>
+        </p:nvPicPr>
+        <p:blipFill>
+          <a:blip r:embed="rId5" cstate="print">
+            <a:extLst>
+              <a:ext uri="{28A0092B-C50C-407E-A947-70E740481C1C}">
+                <a14:useLocalDpi xmlns:a14="http://schemas.microsoft.com/office/drawing/2010/main" val="0"/>
+              </a:ext>
+            </a:extLst>
+          </a:blip>
+          <a:srcRect/>
+          <a:stretch>
+            <a:fillRect/>
+          </a:stretch>
+        </p:blipFill>
+        <p:spPr bwMode="auto">
+          <a:xfrm>
+            <a:off x="733127" y="1854731"/>
+            <a:ext cx="3523534" cy="1981988"/>
           </a:xfrm>
           <a:prstGeom prst="rect">
             <a:avLst/>
           </a:prstGeom>
-        </p:spPr>
-        <p:txBody>
-          <a:bodyPr/>
-          <a:lstStyle>
-            <a:lvl1pPr marL="342900" indent="-342900" algn="l" defTabSz="914400" rtl="0" eaLnBrk="1" latinLnBrk="0" hangingPunct="1">
-              <a:spcBef>
-                <a:spcPct val="20000"/>
-              </a:spcBef>
-              <a:buFont typeface="Arial" pitchFamily="34" charset="0"/>
-              <a:buChar char="•"/>
-              <a:defRPr sz="3200" kern="1200">
-                <a:solidFill>
-                  <a:schemeClr val="tx1"/>
-                </a:solidFill>
-                <a:latin typeface="+mn-lt"/>
-                <a:ea typeface="+mn-ea"/>
-                <a:cs typeface="+mn-cs"/>
-              </a:defRPr>
-            </a:lvl1pPr>
-            <a:lvl2pPr marL="742950" indent="-285750" algn="l" defTabSz="914400" rtl="0" eaLnBrk="1" latinLnBrk="0" hangingPunct="1">
-              <a:spcBef>
-                <a:spcPct val="20000"/>
-              </a:spcBef>
-              <a:buFont typeface="Arial" pitchFamily="34" charset="0"/>
-              <a:buChar char="–"/>
-              <a:defRPr sz="2800" kern="1200">
-                <a:solidFill>
-                  <a:schemeClr val="tx1"/>
-                </a:solidFill>
-                <a:latin typeface="+mn-lt"/>
-                <a:ea typeface="+mn-ea"/>
-                <a:cs typeface="+mn-cs"/>
-              </a:defRPr>
-            </a:lvl2pPr>
-            <a:lvl3pPr marL="1143000" indent="-228600" algn="l" defTabSz="914400" rtl="0" eaLnBrk="1" latinLnBrk="0" hangingPunct="1">
-              <a:spcBef>
-                <a:spcPct val="20000"/>
-              </a:spcBef>
-              <a:buFont typeface="Arial" pitchFamily="34" charset="0"/>
-              <a:buChar char="•"/>
-              <a:defRPr sz="2400" kern="1200">
-                <a:solidFill>
-                  <a:schemeClr val="tx1"/>
-                </a:solidFill>
-                <a:latin typeface="+mn-lt"/>
-                <a:ea typeface="+mn-ea"/>
-                <a:cs typeface="+mn-cs"/>
-              </a:defRPr>
-            </a:lvl3pPr>
-            <a:lvl4pPr marL="1600200" indent="-228600" algn="l" defTabSz="914400" rtl="0" eaLnBrk="1" latinLnBrk="0" hangingPunct="1">
-              <a:spcBef>
-                <a:spcPct val="20000"/>
-              </a:spcBef>
-              <a:buFont typeface="Arial" pitchFamily="34" charset="0"/>
-              <a:buChar char="–"/>
-              <a:defRPr sz="2000" kern="1200">
-                <a:solidFill>
-                  <a:schemeClr val="tx1"/>
-                </a:solidFill>
-                <a:latin typeface="+mn-lt"/>
-                <a:ea typeface="+mn-ea"/>
-                <a:cs typeface="+mn-cs"/>
-              </a:defRPr>
-            </a:lvl4pPr>
-            <a:lvl5pPr marL="2057400" indent="-228600" algn="l" defTabSz="914400" rtl="0" eaLnBrk="1" latinLnBrk="0" hangingPunct="1">
-              <a:spcBef>
-                <a:spcPct val="20000"/>
-              </a:spcBef>
-              <a:buFont typeface="Arial" pitchFamily="34" charset="0"/>
-              <a:buChar char="»"/>
-              <a:defRPr sz="2000" kern="1200">
-                <a:solidFill>
-                  <a:schemeClr val="tx1"/>
-                </a:solidFill>
-                <a:latin typeface="+mn-lt"/>
-                <a:ea typeface="+mn-ea"/>
-                <a:cs typeface="+mn-cs"/>
-              </a:defRPr>
-            </a:lvl5pPr>
-            <a:lvl6pPr marL="2514600" indent="-228600" algn="l" defTabSz="914400" rtl="0" eaLnBrk="1" latinLnBrk="0" hangingPunct="1">
-              <a:spcBef>
-                <a:spcPct val="20000"/>
-              </a:spcBef>
-              <a:buFont typeface="Arial" pitchFamily="34" charset="0"/>
-              <a:buChar char="•"/>
-              <a:defRPr sz="2000" kern="1200">
-                <a:solidFill>
-                  <a:schemeClr val="tx1"/>
-                </a:solidFill>
-                <a:latin typeface="+mn-lt"/>
-                <a:ea typeface="+mn-ea"/>
-                <a:cs typeface="+mn-cs"/>
-              </a:defRPr>
-            </a:lvl6pPr>
-            <a:lvl7pPr marL="2971800" indent="-228600" algn="l" defTabSz="914400" rtl="0" eaLnBrk="1" latinLnBrk="0" hangingPunct="1">
-              <a:spcBef>
-                <a:spcPct val="20000"/>
-              </a:spcBef>
-              <a:buFont typeface="Arial" pitchFamily="34" charset="0"/>
-              <a:buChar char="•"/>
-              <a:defRPr sz="2000" kern="1200">
-                <a:solidFill>
-                  <a:schemeClr val="tx1"/>
-                </a:solidFill>
-                <a:latin typeface="+mn-lt"/>
-                <a:ea typeface="+mn-ea"/>
-                <a:cs typeface="+mn-cs"/>
-              </a:defRPr>
-            </a:lvl7pPr>
-            <a:lvl8pPr marL="3429000" indent="-228600" algn="l" defTabSz="914400" rtl="0" eaLnBrk="1" latinLnBrk="0" hangingPunct="1">
-              <a:spcBef>
-                <a:spcPct val="20000"/>
-              </a:spcBef>
-              <a:buFont typeface="Arial" pitchFamily="34" charset="0"/>
-              <a:buChar char="•"/>
-              <a:defRPr sz="2000" kern="1200">
-                <a:solidFill>
-                  <a:schemeClr val="tx1"/>
-                </a:solidFill>
-                <a:latin typeface="+mn-lt"/>
-                <a:ea typeface="+mn-ea"/>
-                <a:cs typeface="+mn-cs"/>
-              </a:defRPr>
-            </a:lvl8pPr>
-            <a:lvl9pPr marL="3886200" indent="-228600" algn="l" defTabSz="914400" rtl="0" eaLnBrk="1" latinLnBrk="0" hangingPunct="1">
-              <a:spcBef>
-                <a:spcPct val="20000"/>
-              </a:spcBef>
-              <a:buFont typeface="Arial" pitchFamily="34" charset="0"/>
-              <a:buChar char="•"/>
-              <a:defRPr sz="2000" kern="1200">
-                <a:solidFill>
-                  <a:schemeClr val="tx1"/>
-                </a:solidFill>
-                <a:latin typeface="+mn-lt"/>
-                <a:ea typeface="+mn-ea"/>
-                <a:cs typeface="+mn-cs"/>
-              </a:defRPr>
-            </a:lvl9pPr>
-          </a:lstStyle>
-          <a:p>
-            <a:r>
-              <a:rPr lang="ru-RU" dirty="0">
-                <a:solidFill>
-                  <a:schemeClr val="bg1">
-                    <a:lumMod val="95000"/>
-                  </a:schemeClr>
-                </a:solidFill>
-              </a:rPr>
-              <a:t>Объект</a:t>
-            </a:r>
-            <a:r>
-              <a:rPr lang="en-US" dirty="0">
-                <a:solidFill>
-                  <a:schemeClr val="bg1">
-                    <a:lumMod val="95000"/>
-                  </a:schemeClr>
-                </a:solidFill>
-              </a:rPr>
-              <a:t> 1</a:t>
-            </a:r>
-          </a:p>
-          <a:p>
-            <a:r>
-              <a:rPr lang="ru-RU" dirty="0">
-                <a:solidFill>
-                  <a:schemeClr val="bg1">
-                    <a:lumMod val="95000"/>
-                  </a:schemeClr>
-                </a:solidFill>
-              </a:rPr>
-              <a:t>Объект</a:t>
-            </a:r>
-            <a:r>
-              <a:rPr lang="en-US" dirty="0">
-                <a:solidFill>
-                  <a:schemeClr val="bg1">
-                    <a:lumMod val="95000"/>
-                  </a:schemeClr>
-                </a:solidFill>
-              </a:rPr>
-              <a:t> 2</a:t>
-            </a:r>
-          </a:p>
-          <a:p>
-            <a:r>
-              <a:rPr lang="ru-RU" dirty="0">
-                <a:solidFill>
-                  <a:schemeClr val="bg1">
-                    <a:lumMod val="95000"/>
-                  </a:schemeClr>
-                </a:solidFill>
-              </a:rPr>
-              <a:t>Объект</a:t>
-            </a:r>
-            <a:r>
-              <a:rPr lang="en-US" dirty="0">
-                <a:solidFill>
-                  <a:schemeClr val="bg1">
-                    <a:lumMod val="95000"/>
-                  </a:schemeClr>
-                </a:solidFill>
-              </a:rPr>
-              <a:t> 3</a:t>
-            </a:r>
-            <a:endParaRPr lang="ru-RU" dirty="0">
-              <a:solidFill>
-                <a:schemeClr val="bg1">
-                  <a:lumMod val="95000"/>
-                </a:schemeClr>
-              </a:solidFill>
-            </a:endParaRPr>
-          </a:p>
-          <a:p>
-            <a:r>
-              <a:rPr lang="ru-RU" dirty="0">
-                <a:solidFill>
-                  <a:schemeClr val="bg1">
-                    <a:lumMod val="95000"/>
-                  </a:schemeClr>
-                </a:solidFill>
-              </a:rPr>
-              <a:t>Объект 4</a:t>
-            </a:r>
-            <a:endParaRPr lang="en-US" dirty="0">
-              <a:solidFill>
-                <a:schemeClr val="bg1">
-                  <a:lumMod val="95000"/>
-                </a:schemeClr>
-              </a:solidFill>
-            </a:endParaRPr>
-          </a:p>
-        </p:txBody>
-      </p:sp>
+          <a:noFill/>
+          <a:extLst>
+            <a:ext uri="{909E8E84-426E-40DD-AFC4-6F175D3DCCD1}">
+              <a14:hiddenFill xmlns:a14="http://schemas.microsoft.com/office/drawing/2010/main">
+                <a:solidFill>
+                  <a:srgbClr val="FFFFFF"/>
+                </a:solidFill>
+              </a14:hiddenFill>
+            </a:ext>
+          </a:extLst>
+        </p:spPr>
+      </p:pic>
+      <p:pic>
+        <p:nvPicPr>
+          <p:cNvPr id="1034" name="Picture 10">
+            <a:extLst>
+              <a:ext uri="{FF2B5EF4-FFF2-40B4-BE49-F238E27FC236}">
+                <a16:creationId xmlns:a16="http://schemas.microsoft.com/office/drawing/2014/main" id="{F669656F-65B3-40AE-94D9-338E053FDACE}"/>
+              </a:ext>
+            </a:extLst>
+          </p:cNvPr>
+          <p:cNvPicPr>
+            <a:picLocks noChangeAspect="1" noChangeArrowheads="1"/>
+          </p:cNvPicPr>
+          <p:nvPr/>
+        </p:nvPicPr>
+        <p:blipFill>
+          <a:blip r:embed="rId6" cstate="print">
+            <a:extLst>
+              <a:ext uri="{28A0092B-C50C-407E-A947-70E740481C1C}">
+                <a14:useLocalDpi xmlns:a14="http://schemas.microsoft.com/office/drawing/2010/main" val="0"/>
+              </a:ext>
+            </a:extLst>
+          </a:blip>
+          <a:srcRect/>
+          <a:stretch>
+            <a:fillRect/>
+          </a:stretch>
+        </p:blipFill>
+        <p:spPr bwMode="auto">
+          <a:xfrm>
+            <a:off x="4887341" y="1859507"/>
+            <a:ext cx="3515043" cy="1977212"/>
+          </a:xfrm>
+          <a:prstGeom prst="rect">
+            <a:avLst/>
+          </a:prstGeom>
+          <a:noFill/>
+          <a:extLst>
+            <a:ext uri="{909E8E84-426E-40DD-AFC4-6F175D3DCCD1}">
+              <a14:hiddenFill xmlns:a14="http://schemas.microsoft.com/office/drawing/2010/main">
+                <a:solidFill>
+                  <a:srgbClr val="FFFFFF"/>
+                </a:solidFill>
+              </a14:hiddenFill>
+            </a:ext>
+          </a:extLst>
+        </p:spPr>
+      </p:pic>
     </p:spTree>
     <p:extLst>
       <p:ext uri="{BB962C8B-B14F-4D97-AF65-F5344CB8AC3E}">
-        <p14:creationId xmlns:p14="http://schemas.microsoft.com/office/powerpoint/2010/main" val="1559504791"/>
+        <p14:creationId xmlns:p14="http://schemas.microsoft.com/office/powerpoint/2010/main" val="2447169776"/>
       </p:ext>
     </p:extLst>
   </p:cSld>
@@ -4093,8 +3911,8 @@
         </p:nvSpPr>
         <p:spPr>
           <a:xfrm>
-            <a:off x="2627784" y="260648"/>
-            <a:ext cx="6059016" cy="792088"/>
+            <a:off x="2340050" y="260648"/>
+            <a:ext cx="6480422" cy="792088"/>
           </a:xfrm>
         </p:spPr>
         <p:txBody>
@@ -4110,7 +3928,7 @@
                   <a:schemeClr val="bg1"/>
                 </a:solidFill>
               </a:rPr>
-              <a:t>Наше решение</a:t>
+              <a:t>Возможные решения</a:t>
             </a:r>
           </a:p>
         </p:txBody>
@@ -4125,32 +3943,567 @@
             <p:ph idx="1"/>
           </p:nvPr>
         </p:nvSpPr>
-        <p:spPr/>
+        <p:spPr>
+          <a:xfrm>
+            <a:off x="971600" y="1787328"/>
+            <a:ext cx="2376264" cy="604664"/>
+          </a:xfrm>
+        </p:spPr>
         <p:txBody>
           <a:bodyPr/>
           <a:lstStyle/>
           <a:p>
-            <a:r>
-              <a:rPr lang="en-US" dirty="0">
-                <a:solidFill>
-                  <a:schemeClr val="bg2"/>
+            <a:pPr marL="0" indent="0">
+              <a:buNone/>
+            </a:pPr>
+            <a:r>
+              <a:rPr lang="ru-RU" dirty="0">
+                <a:solidFill>
+                  <a:schemeClr val="bg1"/>
                 </a:solidFill>
               </a:rPr>
-              <a:t>Python 3</a:t>
-            </a:r>
-          </a:p>
-          <a:p>
-            <a:r>
-              <a:rPr lang="en-US">
-                <a:solidFill>
-                  <a:schemeClr val="bg2"/>
-                </a:solidFill>
-              </a:rPr>
-              <a:t>OpenCV</a:t>
+              <a:t>Список А</a:t>
             </a:r>
             <a:endParaRPr lang="en-US" dirty="0">
               <a:solidFill>
-                <a:schemeClr val="bg2"/>
+                <a:schemeClr val="bg1"/>
+              </a:solidFill>
+            </a:endParaRPr>
+          </a:p>
+        </p:txBody>
+      </p:sp>
+      <p:sp>
+        <p:nvSpPr>
+          <p:cNvPr id="6" name="Content Placeholder 5"/>
+          <p:cNvSpPr txBox="1">
+            <a:spLocks/>
+          </p:cNvSpPr>
+          <p:nvPr/>
+        </p:nvSpPr>
+        <p:spPr>
+          <a:xfrm>
+            <a:off x="827584" y="2524752"/>
+            <a:ext cx="4040188" cy="2276294"/>
+          </a:xfrm>
+          <a:prstGeom prst="rect">
+            <a:avLst/>
+          </a:prstGeom>
+        </p:spPr>
+        <p:txBody>
+          <a:bodyPr/>
+          <a:lstStyle>
+            <a:lvl1pPr marL="342900" indent="-342900" algn="l" defTabSz="914400" rtl="0" eaLnBrk="1" latinLnBrk="0" hangingPunct="1">
+              <a:spcBef>
+                <a:spcPct val="20000"/>
+              </a:spcBef>
+              <a:buFont typeface="Arial" pitchFamily="34" charset="0"/>
+              <a:buChar char="•"/>
+              <a:defRPr sz="3200" kern="1200">
+                <a:solidFill>
+                  <a:schemeClr val="tx1"/>
+                </a:solidFill>
+                <a:latin typeface="+mn-lt"/>
+                <a:ea typeface="+mn-ea"/>
+                <a:cs typeface="+mn-cs"/>
+              </a:defRPr>
+            </a:lvl1pPr>
+            <a:lvl2pPr marL="742950" indent="-285750" algn="l" defTabSz="914400" rtl="0" eaLnBrk="1" latinLnBrk="0" hangingPunct="1">
+              <a:spcBef>
+                <a:spcPct val="20000"/>
+              </a:spcBef>
+              <a:buFont typeface="Arial" pitchFamily="34" charset="0"/>
+              <a:buChar char="–"/>
+              <a:defRPr sz="2800" kern="1200">
+                <a:solidFill>
+                  <a:schemeClr val="tx1"/>
+                </a:solidFill>
+                <a:latin typeface="+mn-lt"/>
+                <a:ea typeface="+mn-ea"/>
+                <a:cs typeface="+mn-cs"/>
+              </a:defRPr>
+            </a:lvl2pPr>
+            <a:lvl3pPr marL="1143000" indent="-228600" algn="l" defTabSz="914400" rtl="0" eaLnBrk="1" latinLnBrk="0" hangingPunct="1">
+              <a:spcBef>
+                <a:spcPct val="20000"/>
+              </a:spcBef>
+              <a:buFont typeface="Arial" pitchFamily="34" charset="0"/>
+              <a:buChar char="•"/>
+              <a:defRPr sz="2400" kern="1200">
+                <a:solidFill>
+                  <a:schemeClr val="tx1"/>
+                </a:solidFill>
+                <a:latin typeface="+mn-lt"/>
+                <a:ea typeface="+mn-ea"/>
+                <a:cs typeface="+mn-cs"/>
+              </a:defRPr>
+            </a:lvl3pPr>
+            <a:lvl4pPr marL="1600200" indent="-228600" algn="l" defTabSz="914400" rtl="0" eaLnBrk="1" latinLnBrk="0" hangingPunct="1">
+              <a:spcBef>
+                <a:spcPct val="20000"/>
+              </a:spcBef>
+              <a:buFont typeface="Arial" pitchFamily="34" charset="0"/>
+              <a:buChar char="–"/>
+              <a:defRPr sz="2000" kern="1200">
+                <a:solidFill>
+                  <a:schemeClr val="tx1"/>
+                </a:solidFill>
+                <a:latin typeface="+mn-lt"/>
+                <a:ea typeface="+mn-ea"/>
+                <a:cs typeface="+mn-cs"/>
+              </a:defRPr>
+            </a:lvl4pPr>
+            <a:lvl5pPr marL="2057400" indent="-228600" algn="l" defTabSz="914400" rtl="0" eaLnBrk="1" latinLnBrk="0" hangingPunct="1">
+              <a:spcBef>
+                <a:spcPct val="20000"/>
+              </a:spcBef>
+              <a:buFont typeface="Arial" pitchFamily="34" charset="0"/>
+              <a:buChar char="»"/>
+              <a:defRPr sz="2000" kern="1200">
+                <a:solidFill>
+                  <a:schemeClr val="tx1"/>
+                </a:solidFill>
+                <a:latin typeface="+mn-lt"/>
+                <a:ea typeface="+mn-ea"/>
+                <a:cs typeface="+mn-cs"/>
+              </a:defRPr>
+            </a:lvl5pPr>
+            <a:lvl6pPr marL="2514600" indent="-228600" algn="l" defTabSz="914400" rtl="0" eaLnBrk="1" latinLnBrk="0" hangingPunct="1">
+              <a:spcBef>
+                <a:spcPct val="20000"/>
+              </a:spcBef>
+              <a:buFont typeface="Arial" pitchFamily="34" charset="0"/>
+              <a:buChar char="•"/>
+              <a:defRPr sz="2000" kern="1200">
+                <a:solidFill>
+                  <a:schemeClr val="tx1"/>
+                </a:solidFill>
+                <a:latin typeface="+mn-lt"/>
+                <a:ea typeface="+mn-ea"/>
+                <a:cs typeface="+mn-cs"/>
+              </a:defRPr>
+            </a:lvl6pPr>
+            <a:lvl7pPr marL="2971800" indent="-228600" algn="l" defTabSz="914400" rtl="0" eaLnBrk="1" latinLnBrk="0" hangingPunct="1">
+              <a:spcBef>
+                <a:spcPct val="20000"/>
+              </a:spcBef>
+              <a:buFont typeface="Arial" pitchFamily="34" charset="0"/>
+              <a:buChar char="•"/>
+              <a:defRPr sz="2000" kern="1200">
+                <a:solidFill>
+                  <a:schemeClr val="tx1"/>
+                </a:solidFill>
+                <a:latin typeface="+mn-lt"/>
+                <a:ea typeface="+mn-ea"/>
+                <a:cs typeface="+mn-cs"/>
+              </a:defRPr>
+            </a:lvl7pPr>
+            <a:lvl8pPr marL="3429000" indent="-228600" algn="l" defTabSz="914400" rtl="0" eaLnBrk="1" latinLnBrk="0" hangingPunct="1">
+              <a:spcBef>
+                <a:spcPct val="20000"/>
+              </a:spcBef>
+              <a:buFont typeface="Arial" pitchFamily="34" charset="0"/>
+              <a:buChar char="•"/>
+              <a:defRPr sz="2000" kern="1200">
+                <a:solidFill>
+                  <a:schemeClr val="tx1"/>
+                </a:solidFill>
+                <a:latin typeface="+mn-lt"/>
+                <a:ea typeface="+mn-ea"/>
+                <a:cs typeface="+mn-cs"/>
+              </a:defRPr>
+            </a:lvl8pPr>
+            <a:lvl9pPr marL="3886200" indent="-228600" algn="l" defTabSz="914400" rtl="0" eaLnBrk="1" latinLnBrk="0" hangingPunct="1">
+              <a:spcBef>
+                <a:spcPct val="20000"/>
+              </a:spcBef>
+              <a:buFont typeface="Arial" pitchFamily="34" charset="0"/>
+              <a:buChar char="•"/>
+              <a:defRPr sz="2000" kern="1200">
+                <a:solidFill>
+                  <a:schemeClr val="tx1"/>
+                </a:solidFill>
+                <a:latin typeface="+mn-lt"/>
+                <a:ea typeface="+mn-ea"/>
+                <a:cs typeface="+mn-cs"/>
+              </a:defRPr>
+            </a:lvl9pPr>
+          </a:lstStyle>
+          <a:p>
+            <a:r>
+              <a:rPr lang="ru-RU" dirty="0">
+                <a:solidFill>
+                  <a:schemeClr val="bg1">
+                    <a:lumMod val="95000"/>
+                  </a:schemeClr>
+                </a:solidFill>
+              </a:rPr>
+              <a:t>Объект</a:t>
+            </a:r>
+            <a:r>
+              <a:rPr lang="en-US" dirty="0">
+                <a:solidFill>
+                  <a:schemeClr val="bg1">
+                    <a:lumMod val="95000"/>
+                  </a:schemeClr>
+                </a:solidFill>
+              </a:rPr>
+              <a:t> 1</a:t>
+            </a:r>
+          </a:p>
+          <a:p>
+            <a:r>
+              <a:rPr lang="ru-RU" dirty="0">
+                <a:solidFill>
+                  <a:schemeClr val="bg1">
+                    <a:lumMod val="95000"/>
+                  </a:schemeClr>
+                </a:solidFill>
+              </a:rPr>
+              <a:t>Объект</a:t>
+            </a:r>
+            <a:r>
+              <a:rPr lang="en-US" dirty="0">
+                <a:solidFill>
+                  <a:schemeClr val="bg1">
+                    <a:lumMod val="95000"/>
+                  </a:schemeClr>
+                </a:solidFill>
+              </a:rPr>
+              <a:t> 2</a:t>
+            </a:r>
+          </a:p>
+          <a:p>
+            <a:r>
+              <a:rPr lang="ru-RU" dirty="0">
+                <a:solidFill>
+                  <a:schemeClr val="bg1">
+                    <a:lumMod val="95000"/>
+                  </a:schemeClr>
+                </a:solidFill>
+              </a:rPr>
+              <a:t>Объект</a:t>
+            </a:r>
+            <a:r>
+              <a:rPr lang="en-US" dirty="0">
+                <a:solidFill>
+                  <a:schemeClr val="bg1">
+                    <a:lumMod val="95000"/>
+                  </a:schemeClr>
+                </a:solidFill>
+              </a:rPr>
+              <a:t> 3</a:t>
+            </a:r>
+            <a:endParaRPr lang="ru-RU" dirty="0">
+              <a:solidFill>
+                <a:schemeClr val="bg1">
+                  <a:lumMod val="95000"/>
+                </a:schemeClr>
+              </a:solidFill>
+            </a:endParaRPr>
+          </a:p>
+          <a:p>
+            <a:r>
+              <a:rPr lang="ru-RU" dirty="0">
+                <a:solidFill>
+                  <a:schemeClr val="bg1">
+                    <a:lumMod val="95000"/>
+                  </a:schemeClr>
+                </a:solidFill>
+              </a:rPr>
+              <a:t>Объект 4</a:t>
+            </a:r>
+            <a:endParaRPr lang="en-US" dirty="0">
+              <a:solidFill>
+                <a:schemeClr val="bg1">
+                  <a:lumMod val="95000"/>
+                </a:schemeClr>
+              </a:solidFill>
+            </a:endParaRPr>
+          </a:p>
+        </p:txBody>
+      </p:sp>
+      <p:sp>
+        <p:nvSpPr>
+          <p:cNvPr id="5" name="Прямоугольник 4"/>
+          <p:cNvSpPr/>
+          <p:nvPr/>
+        </p:nvSpPr>
+        <p:spPr>
+          <a:xfrm>
+            <a:off x="5436096" y="1787328"/>
+            <a:ext cx="2195672" cy="584775"/>
+          </a:xfrm>
+          <a:prstGeom prst="rect">
+            <a:avLst/>
+          </a:prstGeom>
+        </p:spPr>
+        <p:txBody>
+          <a:bodyPr wrap="square">
+            <a:spAutoFit/>
+          </a:bodyPr>
+          <a:lstStyle/>
+          <a:p>
+            <a:r>
+              <a:rPr lang="ru-RU" sz="3200" dirty="0">
+                <a:solidFill>
+                  <a:schemeClr val="bg1"/>
+                </a:solidFill>
+              </a:rPr>
+              <a:t>Список В</a:t>
+            </a:r>
+            <a:endParaRPr lang="en-US" sz="3200" dirty="0">
+              <a:solidFill>
+                <a:schemeClr val="bg1"/>
+              </a:solidFill>
+            </a:endParaRPr>
+          </a:p>
+        </p:txBody>
+      </p:sp>
+      <p:sp>
+        <p:nvSpPr>
+          <p:cNvPr id="9" name="Content Placeholder 5"/>
+          <p:cNvSpPr txBox="1">
+            <a:spLocks/>
+          </p:cNvSpPr>
+          <p:nvPr/>
+        </p:nvSpPr>
+        <p:spPr>
+          <a:xfrm>
+            <a:off x="5292080" y="2500344"/>
+            <a:ext cx="3528392" cy="2276294"/>
+          </a:xfrm>
+          <a:prstGeom prst="rect">
+            <a:avLst/>
+          </a:prstGeom>
+        </p:spPr>
+        <p:txBody>
+          <a:bodyPr/>
+          <a:lstStyle>
+            <a:lvl1pPr marL="342900" indent="-342900" algn="l" defTabSz="914400" rtl="0" eaLnBrk="1" latinLnBrk="0" hangingPunct="1">
+              <a:spcBef>
+                <a:spcPct val="20000"/>
+              </a:spcBef>
+              <a:buFont typeface="Arial" pitchFamily="34" charset="0"/>
+              <a:buChar char="•"/>
+              <a:defRPr sz="3200" kern="1200">
+                <a:solidFill>
+                  <a:schemeClr val="tx1"/>
+                </a:solidFill>
+                <a:latin typeface="+mn-lt"/>
+                <a:ea typeface="+mn-ea"/>
+                <a:cs typeface="+mn-cs"/>
+              </a:defRPr>
+            </a:lvl1pPr>
+            <a:lvl2pPr marL="742950" indent="-285750" algn="l" defTabSz="914400" rtl="0" eaLnBrk="1" latinLnBrk="0" hangingPunct="1">
+              <a:spcBef>
+                <a:spcPct val="20000"/>
+              </a:spcBef>
+              <a:buFont typeface="Arial" pitchFamily="34" charset="0"/>
+              <a:buChar char="–"/>
+              <a:defRPr sz="2800" kern="1200">
+                <a:solidFill>
+                  <a:schemeClr val="tx1"/>
+                </a:solidFill>
+                <a:latin typeface="+mn-lt"/>
+                <a:ea typeface="+mn-ea"/>
+                <a:cs typeface="+mn-cs"/>
+              </a:defRPr>
+            </a:lvl2pPr>
+            <a:lvl3pPr marL="1143000" indent="-228600" algn="l" defTabSz="914400" rtl="0" eaLnBrk="1" latinLnBrk="0" hangingPunct="1">
+              <a:spcBef>
+                <a:spcPct val="20000"/>
+              </a:spcBef>
+              <a:buFont typeface="Arial" pitchFamily="34" charset="0"/>
+              <a:buChar char="•"/>
+              <a:defRPr sz="2400" kern="1200">
+                <a:solidFill>
+                  <a:schemeClr val="tx1"/>
+                </a:solidFill>
+                <a:latin typeface="+mn-lt"/>
+                <a:ea typeface="+mn-ea"/>
+                <a:cs typeface="+mn-cs"/>
+              </a:defRPr>
+            </a:lvl3pPr>
+            <a:lvl4pPr marL="1600200" indent="-228600" algn="l" defTabSz="914400" rtl="0" eaLnBrk="1" latinLnBrk="0" hangingPunct="1">
+              <a:spcBef>
+                <a:spcPct val="20000"/>
+              </a:spcBef>
+              <a:buFont typeface="Arial" pitchFamily="34" charset="0"/>
+              <a:buChar char="–"/>
+              <a:defRPr sz="2000" kern="1200">
+                <a:solidFill>
+                  <a:schemeClr val="tx1"/>
+                </a:solidFill>
+                <a:latin typeface="+mn-lt"/>
+                <a:ea typeface="+mn-ea"/>
+                <a:cs typeface="+mn-cs"/>
+              </a:defRPr>
+            </a:lvl4pPr>
+            <a:lvl5pPr marL="2057400" indent="-228600" algn="l" defTabSz="914400" rtl="0" eaLnBrk="1" latinLnBrk="0" hangingPunct="1">
+              <a:spcBef>
+                <a:spcPct val="20000"/>
+              </a:spcBef>
+              <a:buFont typeface="Arial" pitchFamily="34" charset="0"/>
+              <a:buChar char="»"/>
+              <a:defRPr sz="2000" kern="1200">
+                <a:solidFill>
+                  <a:schemeClr val="tx1"/>
+                </a:solidFill>
+                <a:latin typeface="+mn-lt"/>
+                <a:ea typeface="+mn-ea"/>
+                <a:cs typeface="+mn-cs"/>
+              </a:defRPr>
+            </a:lvl5pPr>
+            <a:lvl6pPr marL="2514600" indent="-228600" algn="l" defTabSz="914400" rtl="0" eaLnBrk="1" latinLnBrk="0" hangingPunct="1">
+              <a:spcBef>
+                <a:spcPct val="20000"/>
+              </a:spcBef>
+              <a:buFont typeface="Arial" pitchFamily="34" charset="0"/>
+              <a:buChar char="•"/>
+              <a:defRPr sz="2000" kern="1200">
+                <a:solidFill>
+                  <a:schemeClr val="tx1"/>
+                </a:solidFill>
+                <a:latin typeface="+mn-lt"/>
+                <a:ea typeface="+mn-ea"/>
+                <a:cs typeface="+mn-cs"/>
+              </a:defRPr>
+            </a:lvl6pPr>
+            <a:lvl7pPr marL="2971800" indent="-228600" algn="l" defTabSz="914400" rtl="0" eaLnBrk="1" latinLnBrk="0" hangingPunct="1">
+              <a:spcBef>
+                <a:spcPct val="20000"/>
+              </a:spcBef>
+              <a:buFont typeface="Arial" pitchFamily="34" charset="0"/>
+              <a:buChar char="•"/>
+              <a:defRPr sz="2000" kern="1200">
+                <a:solidFill>
+                  <a:schemeClr val="tx1"/>
+                </a:solidFill>
+                <a:latin typeface="+mn-lt"/>
+                <a:ea typeface="+mn-ea"/>
+                <a:cs typeface="+mn-cs"/>
+              </a:defRPr>
+            </a:lvl7pPr>
+            <a:lvl8pPr marL="3429000" indent="-228600" algn="l" defTabSz="914400" rtl="0" eaLnBrk="1" latinLnBrk="0" hangingPunct="1">
+              <a:spcBef>
+                <a:spcPct val="20000"/>
+              </a:spcBef>
+              <a:buFont typeface="Arial" pitchFamily="34" charset="0"/>
+              <a:buChar char="•"/>
+              <a:defRPr sz="2000" kern="1200">
+                <a:solidFill>
+                  <a:schemeClr val="tx1"/>
+                </a:solidFill>
+                <a:latin typeface="+mn-lt"/>
+                <a:ea typeface="+mn-ea"/>
+                <a:cs typeface="+mn-cs"/>
+              </a:defRPr>
+            </a:lvl8pPr>
+            <a:lvl9pPr marL="3886200" indent="-228600" algn="l" defTabSz="914400" rtl="0" eaLnBrk="1" latinLnBrk="0" hangingPunct="1">
+              <a:spcBef>
+                <a:spcPct val="20000"/>
+              </a:spcBef>
+              <a:buFont typeface="Arial" pitchFamily="34" charset="0"/>
+              <a:buChar char="•"/>
+              <a:defRPr sz="2000" kern="1200">
+                <a:solidFill>
+                  <a:schemeClr val="tx1"/>
+                </a:solidFill>
+                <a:latin typeface="+mn-lt"/>
+                <a:ea typeface="+mn-ea"/>
+                <a:cs typeface="+mn-cs"/>
+              </a:defRPr>
+            </a:lvl9pPr>
+          </a:lstStyle>
+          <a:p>
+            <a:r>
+              <a:rPr lang="ru-RU" dirty="0">
+                <a:solidFill>
+                  <a:schemeClr val="bg1">
+                    <a:lumMod val="95000"/>
+                  </a:schemeClr>
+                </a:solidFill>
+              </a:rPr>
+              <a:t>Объект</a:t>
+            </a:r>
+            <a:r>
+              <a:rPr lang="en-US" dirty="0">
+                <a:solidFill>
+                  <a:schemeClr val="bg1">
+                    <a:lumMod val="95000"/>
+                  </a:schemeClr>
+                </a:solidFill>
+              </a:rPr>
+              <a:t> 1</a:t>
+            </a:r>
+          </a:p>
+          <a:p>
+            <a:r>
+              <a:rPr lang="ru-RU" dirty="0">
+                <a:solidFill>
+                  <a:schemeClr val="bg1">
+                    <a:lumMod val="95000"/>
+                  </a:schemeClr>
+                </a:solidFill>
+              </a:rPr>
+              <a:t>Объект</a:t>
+            </a:r>
+            <a:r>
+              <a:rPr lang="en-US" dirty="0">
+                <a:solidFill>
+                  <a:schemeClr val="bg1">
+                    <a:lumMod val="95000"/>
+                  </a:schemeClr>
+                </a:solidFill>
+              </a:rPr>
+              <a:t> 2</a:t>
+            </a:r>
+          </a:p>
+          <a:p>
+            <a:r>
+              <a:rPr lang="ru-RU" dirty="0">
+                <a:solidFill>
+                  <a:schemeClr val="bg1">
+                    <a:lumMod val="95000"/>
+                  </a:schemeClr>
+                </a:solidFill>
+              </a:rPr>
+              <a:t>Объект</a:t>
+            </a:r>
+            <a:r>
+              <a:rPr lang="en-US" dirty="0">
+                <a:solidFill>
+                  <a:schemeClr val="bg1">
+                    <a:lumMod val="95000"/>
+                  </a:schemeClr>
+                </a:solidFill>
+              </a:rPr>
+              <a:t> 3</a:t>
+            </a:r>
+            <a:endParaRPr lang="ru-RU" dirty="0">
+              <a:solidFill>
+                <a:schemeClr val="bg1">
+                  <a:lumMod val="95000"/>
+                </a:schemeClr>
+              </a:solidFill>
+            </a:endParaRPr>
+          </a:p>
+          <a:p>
+            <a:r>
+              <a:rPr lang="ru-RU" dirty="0">
+                <a:solidFill>
+                  <a:schemeClr val="bg1">
+                    <a:lumMod val="95000"/>
+                  </a:schemeClr>
+                </a:solidFill>
+              </a:rPr>
+              <a:t>Объект 4</a:t>
+            </a:r>
+            <a:endParaRPr lang="en-US" dirty="0">
+              <a:solidFill>
+                <a:schemeClr val="bg1">
+                  <a:lumMod val="95000"/>
+                </a:schemeClr>
               </a:solidFill>
             </a:endParaRPr>
           </a:p>
@@ -4159,7 +4512,7 @@
     </p:spTree>
     <p:extLst>
       <p:ext uri="{BB962C8B-B14F-4D97-AF65-F5344CB8AC3E}">
-        <p14:creationId xmlns:p14="http://schemas.microsoft.com/office/powerpoint/2010/main" val="3685118692"/>
+        <p14:creationId xmlns:p14="http://schemas.microsoft.com/office/powerpoint/2010/main" val="1559504791"/>
       </p:ext>
     </p:extLst>
   </p:cSld>
@@ -4186,6 +4539,47 @@
           <a:chExt cx="0" cy="0"/>
         </a:xfrm>
       </p:grpSpPr>
+      <p:pic>
+        <p:nvPicPr>
+          <p:cNvPr id="1026" name="Picture 2" descr="D:\Мои сайты\ProPowerPoint\Для шаблонов\4.jpg"/>
+          <p:cNvPicPr>
+            <a:picLocks noChangeAspect="1" noChangeArrowheads="1"/>
+          </p:cNvPicPr>
+          <p:nvPr/>
+        </p:nvPicPr>
+        <p:blipFill>
+          <a:blip r:embed="rId2">
+            <a:extLst>
+              <a:ext uri="{28A0092B-C50C-407E-A947-70E740481C1C}">
+                <a14:useLocalDpi xmlns:a14="http://schemas.microsoft.com/office/drawing/2010/main" val="0"/>
+              </a:ext>
+            </a:extLst>
+          </a:blip>
+          <a:srcRect/>
+          <a:stretch>
+            <a:fillRect/>
+          </a:stretch>
+        </p:blipFill>
+        <p:spPr bwMode="auto">
+          <a:xfrm>
+            <a:off x="0" y="0"/>
+            <a:ext cx="9159356" cy="6869517"/>
+          </a:xfrm>
+          <a:prstGeom prst="rect">
+            <a:avLst/>
+          </a:prstGeom>
+          <a:noFill/>
+          <a:extLst>
+            <a:ext uri="{909E8E84-426E-40DD-AFC4-6F175D3DCCD1}">
+              <a14:hiddenFill xmlns:a14="http://schemas.microsoft.com/office/drawing/2010/main">
+                <a:solidFill>
+                  <a:srgbClr val="FFFFFF"/>
+                </a:solidFill>
+              </a14:hiddenFill>
+            </a:ext>
+          </a:extLst>
+        </p:spPr>
+      </p:pic>
       <p:sp>
         <p:nvSpPr>
           <p:cNvPr id="2" name="Заголовок 1"/>
@@ -4193,10 +4587,517 @@
             <a:spLocks noGrp="1"/>
           </p:cNvSpPr>
           <p:nvPr>
+            <p:ph type="title"/>
+          </p:nvPr>
+        </p:nvSpPr>
+        <p:spPr>
+          <a:xfrm>
+            <a:off x="2340050" y="260648"/>
+            <a:ext cx="6480422" cy="792088"/>
+          </a:xfrm>
+        </p:spPr>
+        <p:txBody>
+          <a:bodyPr>
+            <a:normAutofit/>
+          </a:bodyPr>
+          <a:lstStyle/>
+          <a:p>
+            <a:pPr algn="r"/>
+            <a:r>
+              <a:rPr lang="ru-RU" dirty="0">
+                <a:solidFill>
+                  <a:schemeClr val="bg1"/>
+                </a:solidFill>
+              </a:rPr>
+              <a:t>Наше решение</a:t>
+            </a:r>
+          </a:p>
+        </p:txBody>
+      </p:sp>
+      <p:sp>
+        <p:nvSpPr>
+          <p:cNvPr id="3" name="Объект 2"/>
+          <p:cNvSpPr>
+            <a:spLocks noGrp="1"/>
+          </p:cNvSpPr>
+          <p:nvPr>
+            <p:ph idx="1"/>
+          </p:nvPr>
+        </p:nvSpPr>
+        <p:spPr>
+          <a:xfrm>
+            <a:off x="971600" y="1787328"/>
+            <a:ext cx="2376264" cy="604664"/>
+          </a:xfrm>
+        </p:spPr>
+        <p:txBody>
+          <a:bodyPr/>
+          <a:lstStyle/>
+          <a:p>
+            <a:pPr marL="0" indent="0">
+              <a:buNone/>
+            </a:pPr>
+            <a:r>
+              <a:rPr lang="ru-RU" dirty="0">
+                <a:solidFill>
+                  <a:schemeClr val="bg1"/>
+                </a:solidFill>
+              </a:rPr>
+              <a:t>Список А</a:t>
+            </a:r>
+            <a:endParaRPr lang="en-US" dirty="0">
+              <a:solidFill>
+                <a:schemeClr val="bg1"/>
+              </a:solidFill>
+            </a:endParaRPr>
+          </a:p>
+        </p:txBody>
+      </p:sp>
+      <p:sp>
+        <p:nvSpPr>
+          <p:cNvPr id="6" name="Content Placeholder 5"/>
+          <p:cNvSpPr txBox="1">
+            <a:spLocks/>
+          </p:cNvSpPr>
+          <p:nvPr/>
+        </p:nvSpPr>
+        <p:spPr>
+          <a:xfrm>
+            <a:off x="827584" y="2524752"/>
+            <a:ext cx="4040188" cy="2276294"/>
+          </a:xfrm>
+          <a:prstGeom prst="rect">
+            <a:avLst/>
+          </a:prstGeom>
+        </p:spPr>
+        <p:txBody>
+          <a:bodyPr/>
+          <a:lstStyle>
+            <a:lvl1pPr marL="342900" indent="-342900" algn="l" defTabSz="914400" rtl="0" eaLnBrk="1" latinLnBrk="0" hangingPunct="1">
+              <a:spcBef>
+                <a:spcPct val="20000"/>
+              </a:spcBef>
+              <a:buFont typeface="Arial" pitchFamily="34" charset="0"/>
+              <a:buChar char="•"/>
+              <a:defRPr sz="3200" kern="1200">
+                <a:solidFill>
+                  <a:schemeClr val="tx1"/>
+                </a:solidFill>
+                <a:latin typeface="+mn-lt"/>
+                <a:ea typeface="+mn-ea"/>
+                <a:cs typeface="+mn-cs"/>
+              </a:defRPr>
+            </a:lvl1pPr>
+            <a:lvl2pPr marL="742950" indent="-285750" algn="l" defTabSz="914400" rtl="0" eaLnBrk="1" latinLnBrk="0" hangingPunct="1">
+              <a:spcBef>
+                <a:spcPct val="20000"/>
+              </a:spcBef>
+              <a:buFont typeface="Arial" pitchFamily="34" charset="0"/>
+              <a:buChar char="–"/>
+              <a:defRPr sz="2800" kern="1200">
+                <a:solidFill>
+                  <a:schemeClr val="tx1"/>
+                </a:solidFill>
+                <a:latin typeface="+mn-lt"/>
+                <a:ea typeface="+mn-ea"/>
+                <a:cs typeface="+mn-cs"/>
+              </a:defRPr>
+            </a:lvl2pPr>
+            <a:lvl3pPr marL="1143000" indent="-228600" algn="l" defTabSz="914400" rtl="0" eaLnBrk="1" latinLnBrk="0" hangingPunct="1">
+              <a:spcBef>
+                <a:spcPct val="20000"/>
+              </a:spcBef>
+              <a:buFont typeface="Arial" pitchFamily="34" charset="0"/>
+              <a:buChar char="•"/>
+              <a:defRPr sz="2400" kern="1200">
+                <a:solidFill>
+                  <a:schemeClr val="tx1"/>
+                </a:solidFill>
+                <a:latin typeface="+mn-lt"/>
+                <a:ea typeface="+mn-ea"/>
+                <a:cs typeface="+mn-cs"/>
+              </a:defRPr>
+            </a:lvl3pPr>
+            <a:lvl4pPr marL="1600200" indent="-228600" algn="l" defTabSz="914400" rtl="0" eaLnBrk="1" latinLnBrk="0" hangingPunct="1">
+              <a:spcBef>
+                <a:spcPct val="20000"/>
+              </a:spcBef>
+              <a:buFont typeface="Arial" pitchFamily="34" charset="0"/>
+              <a:buChar char="–"/>
+              <a:defRPr sz="2000" kern="1200">
+                <a:solidFill>
+                  <a:schemeClr val="tx1"/>
+                </a:solidFill>
+                <a:latin typeface="+mn-lt"/>
+                <a:ea typeface="+mn-ea"/>
+                <a:cs typeface="+mn-cs"/>
+              </a:defRPr>
+            </a:lvl4pPr>
+            <a:lvl5pPr marL="2057400" indent="-228600" algn="l" defTabSz="914400" rtl="0" eaLnBrk="1" latinLnBrk="0" hangingPunct="1">
+              <a:spcBef>
+                <a:spcPct val="20000"/>
+              </a:spcBef>
+              <a:buFont typeface="Arial" pitchFamily="34" charset="0"/>
+              <a:buChar char="»"/>
+              <a:defRPr sz="2000" kern="1200">
+                <a:solidFill>
+                  <a:schemeClr val="tx1"/>
+                </a:solidFill>
+                <a:latin typeface="+mn-lt"/>
+                <a:ea typeface="+mn-ea"/>
+                <a:cs typeface="+mn-cs"/>
+              </a:defRPr>
+            </a:lvl5pPr>
+            <a:lvl6pPr marL="2514600" indent="-228600" algn="l" defTabSz="914400" rtl="0" eaLnBrk="1" latinLnBrk="0" hangingPunct="1">
+              <a:spcBef>
+                <a:spcPct val="20000"/>
+              </a:spcBef>
+              <a:buFont typeface="Arial" pitchFamily="34" charset="0"/>
+              <a:buChar char="•"/>
+              <a:defRPr sz="2000" kern="1200">
+                <a:solidFill>
+                  <a:schemeClr val="tx1"/>
+                </a:solidFill>
+                <a:latin typeface="+mn-lt"/>
+                <a:ea typeface="+mn-ea"/>
+                <a:cs typeface="+mn-cs"/>
+              </a:defRPr>
+            </a:lvl6pPr>
+            <a:lvl7pPr marL="2971800" indent="-228600" algn="l" defTabSz="914400" rtl="0" eaLnBrk="1" latinLnBrk="0" hangingPunct="1">
+              <a:spcBef>
+                <a:spcPct val="20000"/>
+              </a:spcBef>
+              <a:buFont typeface="Arial" pitchFamily="34" charset="0"/>
+              <a:buChar char="•"/>
+              <a:defRPr sz="2000" kern="1200">
+                <a:solidFill>
+                  <a:schemeClr val="tx1"/>
+                </a:solidFill>
+                <a:latin typeface="+mn-lt"/>
+                <a:ea typeface="+mn-ea"/>
+                <a:cs typeface="+mn-cs"/>
+              </a:defRPr>
+            </a:lvl7pPr>
+            <a:lvl8pPr marL="3429000" indent="-228600" algn="l" defTabSz="914400" rtl="0" eaLnBrk="1" latinLnBrk="0" hangingPunct="1">
+              <a:spcBef>
+                <a:spcPct val="20000"/>
+              </a:spcBef>
+              <a:buFont typeface="Arial" pitchFamily="34" charset="0"/>
+              <a:buChar char="•"/>
+              <a:defRPr sz="2000" kern="1200">
+                <a:solidFill>
+                  <a:schemeClr val="tx1"/>
+                </a:solidFill>
+                <a:latin typeface="+mn-lt"/>
+                <a:ea typeface="+mn-ea"/>
+                <a:cs typeface="+mn-cs"/>
+              </a:defRPr>
+            </a:lvl8pPr>
+            <a:lvl9pPr marL="3886200" indent="-228600" algn="l" defTabSz="914400" rtl="0" eaLnBrk="1" latinLnBrk="0" hangingPunct="1">
+              <a:spcBef>
+                <a:spcPct val="20000"/>
+              </a:spcBef>
+              <a:buFont typeface="Arial" pitchFamily="34" charset="0"/>
+              <a:buChar char="•"/>
+              <a:defRPr sz="2000" kern="1200">
+                <a:solidFill>
+                  <a:schemeClr val="tx1"/>
+                </a:solidFill>
+                <a:latin typeface="+mn-lt"/>
+                <a:ea typeface="+mn-ea"/>
+                <a:cs typeface="+mn-cs"/>
+              </a:defRPr>
+            </a:lvl9pPr>
+          </a:lstStyle>
+          <a:p>
+            <a:r>
+              <a:rPr lang="ru-RU" dirty="0">
+                <a:solidFill>
+                  <a:schemeClr val="bg1">
+                    <a:lumMod val="95000"/>
+                  </a:schemeClr>
+                </a:solidFill>
+              </a:rPr>
+              <a:t>Объект</a:t>
+            </a:r>
+            <a:r>
+              <a:rPr lang="en-US" dirty="0">
+                <a:solidFill>
+                  <a:schemeClr val="bg1">
+                    <a:lumMod val="95000"/>
+                  </a:schemeClr>
+                </a:solidFill>
+              </a:rPr>
+              <a:t> 1</a:t>
+            </a:r>
+          </a:p>
+          <a:p>
+            <a:r>
+              <a:rPr lang="ru-RU" dirty="0">
+                <a:solidFill>
+                  <a:schemeClr val="bg1">
+                    <a:lumMod val="95000"/>
+                  </a:schemeClr>
+                </a:solidFill>
+              </a:rPr>
+              <a:t>Объект</a:t>
+            </a:r>
+            <a:r>
+              <a:rPr lang="en-US" dirty="0">
+                <a:solidFill>
+                  <a:schemeClr val="bg1">
+                    <a:lumMod val="95000"/>
+                  </a:schemeClr>
+                </a:solidFill>
+              </a:rPr>
+              <a:t> 2</a:t>
+            </a:r>
+          </a:p>
+          <a:p>
+            <a:r>
+              <a:rPr lang="ru-RU" dirty="0">
+                <a:solidFill>
+                  <a:schemeClr val="bg1">
+                    <a:lumMod val="95000"/>
+                  </a:schemeClr>
+                </a:solidFill>
+              </a:rPr>
+              <a:t>Объект</a:t>
+            </a:r>
+            <a:r>
+              <a:rPr lang="en-US" dirty="0">
+                <a:solidFill>
+                  <a:schemeClr val="bg1">
+                    <a:lumMod val="95000"/>
+                  </a:schemeClr>
+                </a:solidFill>
+              </a:rPr>
+              <a:t> 3</a:t>
+            </a:r>
+            <a:endParaRPr lang="ru-RU" dirty="0">
+              <a:solidFill>
+                <a:schemeClr val="bg1">
+                  <a:lumMod val="95000"/>
+                </a:schemeClr>
+              </a:solidFill>
+            </a:endParaRPr>
+          </a:p>
+          <a:p>
+            <a:r>
+              <a:rPr lang="ru-RU" dirty="0">
+                <a:solidFill>
+                  <a:schemeClr val="bg1">
+                    <a:lumMod val="95000"/>
+                  </a:schemeClr>
+                </a:solidFill>
+              </a:rPr>
+              <a:t>Объект 4</a:t>
+            </a:r>
+            <a:endParaRPr lang="en-US" dirty="0">
+              <a:solidFill>
+                <a:schemeClr val="bg1">
+                  <a:lumMod val="95000"/>
+                </a:schemeClr>
+              </a:solidFill>
+            </a:endParaRPr>
+          </a:p>
+        </p:txBody>
+      </p:sp>
+    </p:spTree>
+    <p:extLst>
+      <p:ext uri="{BB962C8B-B14F-4D97-AF65-F5344CB8AC3E}">
+        <p14:creationId xmlns:p14="http://schemas.microsoft.com/office/powerpoint/2010/main" val="3090245316"/>
+      </p:ext>
+    </p:extLst>
+  </p:cSld>
+  <p:clrMapOvr>
+    <a:masterClrMapping/>
+  </p:clrMapOvr>
+</p:sld>
+</file>
+
+<file path=ppt/slides/slide5.xml><?xml version="1.0" encoding="utf-8"?>
+<p:sld xmlns:a="http://schemas.openxmlformats.org/drawingml/2006/main" xmlns:r="http://schemas.openxmlformats.org/officeDocument/2006/relationships" xmlns:p="http://schemas.openxmlformats.org/presentationml/2006/main">
+  <p:cSld>
+    <p:spTree>
+      <p:nvGrpSpPr>
+        <p:cNvPr id="1" name=""/>
+        <p:cNvGrpSpPr/>
+        <p:nvPr/>
+      </p:nvGrpSpPr>
+      <p:grpSpPr>
+        <a:xfrm>
+          <a:off x="0" y="0"/>
+          <a:ext cx="0" cy="0"/>
+          <a:chOff x="0" y="0"/>
+          <a:chExt cx="0" cy="0"/>
+        </a:xfrm>
+      </p:grpSpPr>
+      <p:pic>
+        <p:nvPicPr>
+          <p:cNvPr id="1026" name="Picture 2" descr="D:\Мои сайты\ProPowerPoint\Для шаблонов\4.jpg"/>
+          <p:cNvPicPr>
+            <a:picLocks noChangeAspect="1" noChangeArrowheads="1"/>
+          </p:cNvPicPr>
+          <p:nvPr/>
+        </p:nvPicPr>
+        <p:blipFill>
+          <a:blip r:embed="rId2">
+            <a:extLst>
+              <a:ext uri="{28A0092B-C50C-407E-A947-70E740481C1C}">
+                <a14:useLocalDpi xmlns:a14="http://schemas.microsoft.com/office/drawing/2010/main" val="0"/>
+              </a:ext>
+            </a:extLst>
+          </a:blip>
+          <a:srcRect/>
+          <a:stretch>
+            <a:fillRect/>
+          </a:stretch>
+        </p:blipFill>
+        <p:spPr bwMode="auto">
+          <a:xfrm>
+            <a:off x="0" y="0"/>
+            <a:ext cx="9159356" cy="6869517"/>
+          </a:xfrm>
+          <a:prstGeom prst="rect">
+            <a:avLst/>
+          </a:prstGeom>
+          <a:noFill/>
+          <a:extLst>
+            <a:ext uri="{909E8E84-426E-40DD-AFC4-6F175D3DCCD1}">
+              <a14:hiddenFill xmlns:a14="http://schemas.microsoft.com/office/drawing/2010/main">
+                <a:solidFill>
+                  <a:srgbClr val="FFFFFF"/>
+                </a:solidFill>
+              </a14:hiddenFill>
+            </a:ext>
+          </a:extLst>
+        </p:spPr>
+      </p:pic>
+      <p:sp>
+        <p:nvSpPr>
+          <p:cNvPr id="2" name="Заголовок 1"/>
+          <p:cNvSpPr>
+            <a:spLocks noGrp="1"/>
+          </p:cNvSpPr>
+          <p:nvPr>
+            <p:ph type="title"/>
+          </p:nvPr>
+        </p:nvSpPr>
+        <p:spPr>
+          <a:xfrm>
+            <a:off x="2627784" y="260648"/>
+            <a:ext cx="6059016" cy="792088"/>
+          </a:xfrm>
+        </p:spPr>
+        <p:txBody>
+          <a:bodyPr>
+            <a:normAutofit fontScale="90000"/>
+          </a:bodyPr>
+          <a:lstStyle/>
+          <a:p>
+            <a:pPr algn="r"/>
+            <a:r>
+              <a:rPr lang="en-US" dirty="0">
+                <a:solidFill>
+                  <a:schemeClr val="bg1"/>
+                </a:solidFill>
+              </a:rPr>
+              <a:t>“</a:t>
+            </a:r>
+            <a:r>
+              <a:rPr lang="ru-RU" dirty="0">
+                <a:solidFill>
+                  <a:schemeClr val="bg1"/>
+                </a:solidFill>
+              </a:rPr>
+              <a:t>Ограничения и ресурсы</a:t>
+            </a:r>
+            <a:r>
+              <a:rPr lang="en-US" dirty="0">
+                <a:solidFill>
+                  <a:schemeClr val="bg1"/>
+                </a:solidFill>
+              </a:rPr>
+              <a:t>”</a:t>
+            </a:r>
+            <a:endParaRPr lang="ru-RU" dirty="0">
+              <a:solidFill>
+                <a:schemeClr val="bg1"/>
+              </a:solidFill>
+            </a:endParaRPr>
+          </a:p>
+        </p:txBody>
+      </p:sp>
+      <p:sp>
+        <p:nvSpPr>
+          <p:cNvPr id="3" name="Объект 2"/>
+          <p:cNvSpPr>
+            <a:spLocks noGrp="1"/>
+          </p:cNvSpPr>
+          <p:nvPr>
+            <p:ph idx="1"/>
+          </p:nvPr>
+        </p:nvSpPr>
+        <p:spPr/>
+        <p:txBody>
+          <a:bodyPr/>
+          <a:lstStyle/>
+          <a:p>
+            <a:endParaRPr lang="en-US" dirty="0">
+              <a:solidFill>
+                <a:schemeClr val="bg2"/>
+              </a:solidFill>
+            </a:endParaRPr>
+          </a:p>
+        </p:txBody>
+      </p:sp>
+    </p:spTree>
+    <p:extLst>
+      <p:ext uri="{BB962C8B-B14F-4D97-AF65-F5344CB8AC3E}">
+        <p14:creationId xmlns:p14="http://schemas.microsoft.com/office/powerpoint/2010/main" val="3861908843"/>
+      </p:ext>
+    </p:extLst>
+  </p:cSld>
+  <p:clrMapOvr>
+    <a:masterClrMapping/>
+  </p:clrMapOvr>
+</p:sld>
+</file>
+
+<file path=ppt/slides/slide6.xml><?xml version="1.0" encoding="utf-8"?>
+<p:sld xmlns:a="http://schemas.openxmlformats.org/drawingml/2006/main" xmlns:r="http://schemas.openxmlformats.org/officeDocument/2006/relationships" xmlns:p="http://schemas.openxmlformats.org/presentationml/2006/main">
+  <p:cSld>
+    <p:spTree>
+      <p:nvGrpSpPr>
+        <p:cNvPr id="1" name=""/>
+        <p:cNvGrpSpPr/>
+        <p:nvPr/>
+      </p:nvGrpSpPr>
+      <p:grpSpPr>
+        <a:xfrm>
+          <a:off x="0" y="0"/>
+          <a:ext cx="0" cy="0"/>
+          <a:chOff x="0" y="0"/>
+          <a:chExt cx="0" cy="0"/>
+        </a:xfrm>
+      </p:grpSpPr>
+      <p:sp>
+        <p:nvSpPr>
+          <p:cNvPr id="2" name="Заголовок 1"/>
+          <p:cNvSpPr>
+            <a:spLocks noGrp="1"/>
+          </p:cNvSpPr>
+          <p:nvPr>
             <p:ph type="ctrTitle"/>
           </p:nvPr>
         </p:nvSpPr>
-        <p:spPr/>
+        <p:spPr>
+          <a:xfrm>
+            <a:off x="4067944" y="3645024"/>
+            <a:ext cx="4968552" cy="1296144"/>
+          </a:xfrm>
+        </p:spPr>
         <p:txBody>
           <a:bodyPr>
             <a:noAutofit/>
@@ -4510,4 +5411,299 @@
   <a:objectDefaults/>
   <a:extraClrSchemeLst/>
 </a:theme>
+</file>
+
+<file path=ppt/theme/theme2.xml><?xml version="1.0" encoding="utf-8"?>
+<a:theme xmlns:a="http://schemas.openxmlformats.org/drawingml/2006/main" name="Тема Office">
+  <a:themeElements>
+    <a:clrScheme name="Стандартная">
+      <a:dk1>
+        <a:sysClr val="windowText" lastClr="000000"/>
+      </a:dk1>
+      <a:lt1>
+        <a:sysClr val="window" lastClr="FFFFFF"/>
+      </a:lt1>
+      <a:dk2>
+        <a:srgbClr val="44546A"/>
+      </a:dk2>
+      <a:lt2>
+        <a:srgbClr val="E7E6E6"/>
+      </a:lt2>
+      <a:accent1>
+        <a:srgbClr val="4472C4"/>
+      </a:accent1>
+      <a:accent2>
+        <a:srgbClr val="ED7D31"/>
+      </a:accent2>
+      <a:accent3>
+        <a:srgbClr val="A5A5A5"/>
+      </a:accent3>
+      <a:accent4>
+        <a:srgbClr val="FFC000"/>
+      </a:accent4>
+      <a:accent5>
+        <a:srgbClr val="5B9BD5"/>
+      </a:accent5>
+      <a:accent6>
+        <a:srgbClr val="70AD47"/>
+      </a:accent6>
+      <a:hlink>
+        <a:srgbClr val="0563C1"/>
+      </a:hlink>
+      <a:folHlink>
+        <a:srgbClr val="954F72"/>
+      </a:folHlink>
+    </a:clrScheme>
+    <a:fontScheme name="Стандартная">
+      <a:majorFont>
+        <a:latin typeface="Calibri Light" panose="020F0302020204030204"/>
+        <a:ea typeface=""/>
+        <a:cs typeface=""/>
+        <a:font script="Jpan" typeface="游ゴシック Light"/>
+        <a:font script="Hang" typeface="맑은 고딕"/>
+        <a:font script="Hans" typeface="等线 Light"/>
+        <a:font script="Hant" typeface="新細明體"/>
+        <a:font script="Arab" typeface="Times New Roman"/>
+        <a:font script="Hebr" typeface="Times New Roman"/>
+        <a:font script="Thai" typeface="Angsana New"/>
+        <a:font script="Ethi" typeface="Nyala"/>
+        <a:font script="Beng" typeface="Vrinda"/>
+        <a:font script="Gujr" typeface="Shruti"/>
+        <a:font script="Khmr" typeface="MoolBoran"/>
+        <a:font script="Knda" typeface="Tunga"/>
+        <a:font script="Guru" typeface="Raavi"/>
+        <a:font script="Cans" typeface="Euphemia"/>
+        <a:font script="Cher" typeface="Plantagenet Cherokee"/>
+        <a:font script="Yiii" typeface="Microsoft Yi Baiti"/>
+        <a:font script="Tibt" typeface="Microsoft Himalaya"/>
+        <a:font script="Thaa" typeface="MV Boli"/>
+        <a:font script="Deva" typeface="Mangal"/>
+        <a:font script="Telu" typeface="Gautami"/>
+        <a:font script="Taml" typeface="Latha"/>
+        <a:font script="Syrc" typeface="Estrangelo Edessa"/>
+        <a:font script="Orya" typeface="Kalinga"/>
+        <a:font script="Mlym" typeface="Kartika"/>
+        <a:font script="Laoo" typeface="DokChampa"/>
+        <a:font script="Sinh" typeface="Iskoola Pota"/>
+        <a:font script="Mong" typeface="Mongolian Baiti"/>
+        <a:font script="Viet" typeface="Times New Roman"/>
+        <a:font script="Uigh" typeface="Microsoft Uighur"/>
+        <a:font script="Geor" typeface="Sylfaen"/>
+        <a:font script="Armn" typeface="Arial"/>
+        <a:font script="Bugi" typeface="Leelawadee UI"/>
+        <a:font script="Bopo" typeface="Microsoft JhengHei"/>
+        <a:font script="Java" typeface="Javanese Text"/>
+        <a:font script="Lisu" typeface="Segoe UI"/>
+        <a:font script="Mymr" typeface="Myanmar Text"/>
+        <a:font script="Nkoo" typeface="Ebrima"/>
+        <a:font script="Olck" typeface="Nirmala UI"/>
+        <a:font script="Osma" typeface="Ebrima"/>
+        <a:font script="Phag" typeface="Phagspa"/>
+        <a:font script="Syrn" typeface="Estrangelo Edessa"/>
+        <a:font script="Syrj" typeface="Estrangelo Edessa"/>
+        <a:font script="Syre" typeface="Estrangelo Edessa"/>
+        <a:font script="Sora" typeface="Nirmala UI"/>
+        <a:font script="Tale" typeface="Microsoft Tai Le"/>
+        <a:font script="Talu" typeface="Microsoft New Tai Lue"/>
+        <a:font script="Tfng" typeface="Ebrima"/>
+      </a:majorFont>
+      <a:minorFont>
+        <a:latin typeface="Calibri" panose="020F0502020204030204"/>
+        <a:ea typeface=""/>
+        <a:cs typeface=""/>
+        <a:font script="Jpan" typeface="游ゴシック"/>
+        <a:font script="Hang" typeface="맑은 고딕"/>
+        <a:font script="Hans" typeface="等线"/>
+        <a:font script="Hant" typeface="新細明體"/>
+        <a:font script="Arab" typeface="Arial"/>
+        <a:font script="Hebr" typeface="Arial"/>
+        <a:font script="Thai" typeface="Cordia New"/>
+        <a:font script="Ethi" typeface="Nyala"/>
+        <a:font script="Beng" typeface="Vrinda"/>
+        <a:font script="Gujr" typeface="Shruti"/>
+        <a:font script="Khmr" typeface="DaunPenh"/>
+        <a:font script="Knda" typeface="Tunga"/>
+        <a:font script="Guru" typeface="Raavi"/>
+        <a:font script="Cans" typeface="Euphemia"/>
+        <a:font script="Cher" typeface="Plantagenet Cherokee"/>
+        <a:font script="Yiii" typeface="Microsoft Yi Baiti"/>
+        <a:font script="Tibt" typeface="Microsoft Himalaya"/>
+        <a:font script="Thaa" typeface="MV Boli"/>
+        <a:font script="Deva" typeface="Mangal"/>
+        <a:font script="Telu" typeface="Gautami"/>
+        <a:font script="Taml" typeface="Latha"/>
+        <a:font script="Syrc" typeface="Estrangelo Edessa"/>
+        <a:font script="Orya" typeface="Kalinga"/>
+        <a:font script="Mlym" typeface="Kartika"/>
+        <a:font script="Laoo" typeface="DokChampa"/>
+        <a:font script="Sinh" typeface="Iskoola Pota"/>
+        <a:font script="Mong" typeface="Mongolian Baiti"/>
+        <a:font script="Viet" typeface="Arial"/>
+        <a:font script="Uigh" typeface="Microsoft Uighur"/>
+        <a:font script="Geor" typeface="Sylfaen"/>
+        <a:font script="Armn" typeface="Arial"/>
+        <a:font script="Bugi" typeface="Leelawadee UI"/>
+        <a:font script="Bopo" typeface="Microsoft JhengHei"/>
+        <a:font script="Java" typeface="Javanese Text"/>
+        <a:font script="Lisu" typeface="Segoe UI"/>
+        <a:font script="Mymr" typeface="Myanmar Text"/>
+        <a:font script="Nkoo" typeface="Ebrima"/>
+        <a:font script="Olck" typeface="Nirmala UI"/>
+        <a:font script="Osma" typeface="Ebrima"/>
+        <a:font script="Phag" typeface="Phagspa"/>
+        <a:font script="Syrn" typeface="Estrangelo Edessa"/>
+        <a:font script="Syrj" typeface="Estrangelo Edessa"/>
+        <a:font script="Syre" typeface="Estrangelo Edessa"/>
+        <a:font script="Sora" typeface="Nirmala UI"/>
+        <a:font script="Tale" typeface="Microsoft Tai Le"/>
+        <a:font script="Talu" typeface="Microsoft New Tai Lue"/>
+        <a:font script="Tfng" typeface="Ebrima"/>
+      </a:minorFont>
+    </a:fontScheme>
+    <a:fmtScheme name="Стандартная">
+      <a:fillStyleLst>
+        <a:solidFill>
+          <a:schemeClr val="phClr"/>
+        </a:solidFill>
+        <a:gradFill rotWithShape="1">
+          <a:gsLst>
+            <a:gs pos="0">
+              <a:schemeClr val="phClr">
+                <a:lumMod val="110000"/>
+                <a:satMod val="105000"/>
+                <a:tint val="67000"/>
+              </a:schemeClr>
+            </a:gs>
+            <a:gs pos="50000">
+              <a:schemeClr val="phClr">
+                <a:lumMod val="105000"/>
+                <a:satMod val="103000"/>
+                <a:tint val="73000"/>
+              </a:schemeClr>
+            </a:gs>
+            <a:gs pos="100000">
+              <a:schemeClr val="phClr">
+                <a:lumMod val="105000"/>
+                <a:satMod val="109000"/>
+                <a:tint val="81000"/>
+              </a:schemeClr>
+            </a:gs>
+          </a:gsLst>
+          <a:lin ang="5400000" scaled="0"/>
+        </a:gradFill>
+        <a:gradFill rotWithShape="1">
+          <a:gsLst>
+            <a:gs pos="0">
+              <a:schemeClr val="phClr">
+                <a:satMod val="103000"/>
+                <a:lumMod val="102000"/>
+                <a:tint val="94000"/>
+              </a:schemeClr>
+            </a:gs>
+            <a:gs pos="50000">
+              <a:schemeClr val="phClr">
+                <a:satMod val="110000"/>
+                <a:lumMod val="100000"/>
+                <a:shade val="100000"/>
+              </a:schemeClr>
+            </a:gs>
+            <a:gs pos="100000">
+              <a:schemeClr val="phClr">
+                <a:lumMod val="99000"/>
+                <a:satMod val="120000"/>
+                <a:shade val="78000"/>
+              </a:schemeClr>
+            </a:gs>
+          </a:gsLst>
+          <a:lin ang="5400000" scaled="0"/>
+        </a:gradFill>
+      </a:fillStyleLst>
+      <a:lnStyleLst>
+        <a:ln w="6350" cap="flat" cmpd="sng" algn="ctr">
+          <a:solidFill>
+            <a:schemeClr val="phClr"/>
+          </a:solidFill>
+          <a:prstDash val="solid"/>
+          <a:miter lim="800000"/>
+        </a:ln>
+        <a:ln w="12700" cap="flat" cmpd="sng" algn="ctr">
+          <a:solidFill>
+            <a:schemeClr val="phClr"/>
+          </a:solidFill>
+          <a:prstDash val="solid"/>
+          <a:miter lim="800000"/>
+        </a:ln>
+        <a:ln w="19050" cap="flat" cmpd="sng" algn="ctr">
+          <a:solidFill>
+            <a:schemeClr val="phClr"/>
+          </a:solidFill>
+          <a:prstDash val="solid"/>
+          <a:miter lim="800000"/>
+        </a:ln>
+      </a:lnStyleLst>
+      <a:effectStyleLst>
+        <a:effectStyle>
+          <a:effectLst/>
+        </a:effectStyle>
+        <a:effectStyle>
+          <a:effectLst/>
+        </a:effectStyle>
+        <a:effectStyle>
+          <a:effectLst>
+            <a:outerShdw blurRad="57150" dist="19050" dir="5400000" algn="ctr" rotWithShape="0">
+              <a:srgbClr val="000000">
+                <a:alpha val="63000"/>
+              </a:srgbClr>
+            </a:outerShdw>
+          </a:effectLst>
+        </a:effectStyle>
+      </a:effectStyleLst>
+      <a:bgFillStyleLst>
+        <a:solidFill>
+          <a:schemeClr val="phClr"/>
+        </a:solidFill>
+        <a:solidFill>
+          <a:schemeClr val="phClr">
+            <a:tint val="95000"/>
+            <a:satMod val="170000"/>
+          </a:schemeClr>
+        </a:solidFill>
+        <a:gradFill rotWithShape="1">
+          <a:gsLst>
+            <a:gs pos="0">
+              <a:schemeClr val="phClr">
+                <a:tint val="93000"/>
+                <a:satMod val="150000"/>
+                <a:shade val="98000"/>
+                <a:lumMod val="102000"/>
+              </a:schemeClr>
+            </a:gs>
+            <a:gs pos="50000">
+              <a:schemeClr val="phClr">
+                <a:tint val="98000"/>
+                <a:satMod val="130000"/>
+                <a:shade val="90000"/>
+                <a:lumMod val="103000"/>
+              </a:schemeClr>
+            </a:gs>
+            <a:gs pos="100000">
+              <a:schemeClr val="phClr">
+                <a:shade val="63000"/>
+                <a:satMod val="120000"/>
+              </a:schemeClr>
+            </a:gs>
+          </a:gsLst>
+          <a:lin ang="5400000" scaled="0"/>
+        </a:gradFill>
+      </a:bgFillStyleLst>
+    </a:fmtScheme>
+  </a:themeElements>
+  <a:objectDefaults/>
+  <a:extraClrSchemeLst/>
+  <a:extLst>
+    <a:ext uri="{05A4C25C-085E-4340-85A3-A5531E510DB2}">
+      <thm15:themeFamily xmlns:thm15="http://schemas.microsoft.com/office/thememl/2012/main" name="Office Theme" id="{62F939B6-93AF-4DB8-9C6B-D6C7DFDC589F}" vid="{4A3C46E8-61CC-4603-A589-7422A47A8E4A}"/>
+    </a:ext>
+  </a:extLst>
+</a:theme>
 </file>
--- a/hack.pptx
+++ b/hack.pptx
@@ -4130,68 +4130,45 @@
           </a:lstStyle>
           <a:p>
             <a:r>
-              <a:rPr lang="ru-RU" dirty="0">
+              <a:rPr lang="en-US" dirty="0">
                 <a:solidFill>
                   <a:schemeClr val="bg1">
                     <a:lumMod val="95000"/>
                   </a:schemeClr>
                 </a:solidFill>
               </a:rPr>
-              <a:t>Объект</a:t>
-            </a:r>
-            <a:r>
-              <a:rPr lang="en-US" dirty="0">
+              <a:t>Python 3</a:t>
+            </a:r>
+          </a:p>
+          <a:p>
+            <a:r>
+              <a:rPr lang="en-US" dirty="0" err="1">
                 <a:solidFill>
                   <a:schemeClr val="bg1">
                     <a:lumMod val="95000"/>
                   </a:schemeClr>
                 </a:solidFill>
               </a:rPr>
-              <a:t> 1</a:t>
-            </a:r>
-          </a:p>
-          <a:p>
-            <a:r>
-              <a:rPr lang="ru-RU" dirty="0">
+              <a:t>Opencv</a:t>
+            </a:r>
+            <a:endParaRPr lang="en-US" dirty="0">
+              <a:solidFill>
+                <a:schemeClr val="bg1">
+                  <a:lumMod val="95000"/>
+                </a:schemeClr>
+              </a:solidFill>
+            </a:endParaRPr>
+          </a:p>
+          <a:p>
+            <a:r>
+              <a:rPr lang="en-US" dirty="0">
                 <a:solidFill>
                   <a:schemeClr val="bg1">
                     <a:lumMod val="95000"/>
                   </a:schemeClr>
                 </a:solidFill>
               </a:rPr>
-              <a:t>Объект</a:t>
-            </a:r>
-            <a:r>
-              <a:rPr lang="en-US" dirty="0">
-                <a:solidFill>
-                  <a:schemeClr val="bg1">
-                    <a:lumMod val="95000"/>
-                  </a:schemeClr>
-                </a:solidFill>
-              </a:rPr>
-              <a:t> 2</a:t>
-            </a:r>
-          </a:p>
-          <a:p>
-            <a:r>
-              <a:rPr lang="ru-RU" dirty="0">
-                <a:solidFill>
-                  <a:schemeClr val="bg1">
-                    <a:lumMod val="95000"/>
-                  </a:schemeClr>
-                </a:solidFill>
-              </a:rPr>
-              <a:t>Объект</a:t>
-            </a:r>
-            <a:r>
-              <a:rPr lang="en-US" dirty="0">
-                <a:solidFill>
-                  <a:schemeClr val="bg1">
-                    <a:lumMod val="95000"/>
-                  </a:schemeClr>
-                </a:solidFill>
-              </a:rPr>
-              <a:t> 3</a:t>
+              <a:t>Pandas</a:t>
             </a:r>
             <a:endParaRPr lang="ru-RU" dirty="0">
               <a:solidFill>
@@ -4203,14 +4180,14 @@
           </a:p>
           <a:p>
             <a:r>
-              <a:rPr lang="ru-RU" dirty="0">
+              <a:rPr lang="en-US" dirty="0" err="1">
                 <a:solidFill>
                   <a:schemeClr val="bg1">
                     <a:lumMod val="95000"/>
                   </a:schemeClr>
                 </a:solidFill>
               </a:rPr>
-              <a:t>Объект 4</a:t>
+              <a:t>Keras</a:t>
             </a:r>
             <a:endParaRPr lang="en-US" dirty="0">
               <a:solidFill>
@@ -4417,15 +4394,17 @@
           </a:lstStyle>
           <a:p>
             <a:r>
-              <a:rPr lang="ru-RU" dirty="0">
+              <a:rPr lang="en-US" dirty="0">
                 <a:solidFill>
                   <a:schemeClr val="bg1">
                     <a:lumMod val="95000"/>
                   </a:schemeClr>
                 </a:solidFill>
               </a:rPr>
-              <a:t>Объект</a:t>
-            </a:r>
+              <a:t>Python 3</a:t>
+            </a:r>
+          </a:p>
+          <a:p>
             <a:r>
               <a:rPr lang="en-US" dirty="0">
                 <a:solidFill>
@@ -4434,70 +4413,19 @@
                   </a:schemeClr>
                 </a:solidFill>
               </a:rPr>
-              <a:t> 1</a:t>
-            </a:r>
-          </a:p>
-          <a:p>
-            <a:r>
-              <a:rPr lang="ru-RU" dirty="0">
+              <a:t>TF</a:t>
+            </a:r>
+          </a:p>
+          <a:p>
+            <a:r>
+              <a:rPr lang="en-US">
                 <a:solidFill>
                   <a:schemeClr val="bg1">
                     <a:lumMod val="95000"/>
                   </a:schemeClr>
                 </a:solidFill>
               </a:rPr>
-              <a:t>Объект</a:t>
-            </a:r>
-            <a:r>
-              <a:rPr lang="en-US" dirty="0">
-                <a:solidFill>
-                  <a:schemeClr val="bg1">
-                    <a:lumMod val="95000"/>
-                  </a:schemeClr>
-                </a:solidFill>
-              </a:rPr>
-              <a:t> 2</a:t>
-            </a:r>
-          </a:p>
-          <a:p>
-            <a:r>
-              <a:rPr lang="ru-RU" dirty="0">
-                <a:solidFill>
-                  <a:schemeClr val="bg1">
-                    <a:lumMod val="95000"/>
-                  </a:schemeClr>
-                </a:solidFill>
-              </a:rPr>
-              <a:t>Объект</a:t>
-            </a:r>
-            <a:r>
-              <a:rPr lang="en-US" dirty="0">
-                <a:solidFill>
-                  <a:schemeClr val="bg1">
-                    <a:lumMod val="95000"/>
-                  </a:schemeClr>
-                </a:solidFill>
-              </a:rPr>
-              <a:t> 3</a:t>
-            </a:r>
-            <a:endParaRPr lang="ru-RU" dirty="0">
-              <a:solidFill>
-                <a:schemeClr val="bg1">
-                  <a:lumMod val="95000"/>
-                </a:schemeClr>
-              </a:solidFill>
-            </a:endParaRPr>
-          </a:p>
-          <a:p>
-            <a:r>
-              <a:rPr lang="ru-RU" dirty="0">
-                <a:solidFill>
-                  <a:schemeClr val="bg1">
-                    <a:lumMod val="95000"/>
-                  </a:schemeClr>
-                </a:solidFill>
-              </a:rPr>
-              <a:t>Объект 4</a:t>
+              <a:t>NumPy</a:t>
             </a:r>
             <a:endParaRPr lang="en-US" dirty="0">
               <a:solidFill>
@@ -4811,15 +4739,17 @@
           </a:lstStyle>
           <a:p>
             <a:r>
-              <a:rPr lang="ru-RU" dirty="0">
+              <a:rPr lang="en-US" dirty="0">
                 <a:solidFill>
                   <a:schemeClr val="bg1">
                     <a:lumMod val="95000"/>
                   </a:schemeClr>
                 </a:solidFill>
               </a:rPr>
-              <a:t>Объект</a:t>
-            </a:r>
+              <a:t>Python 3</a:t>
+            </a:r>
+          </a:p>
+          <a:p>
             <a:r>
               <a:rPr lang="en-US" dirty="0">
                 <a:solidFill>
@@ -4828,51 +4758,19 @@
                   </a:schemeClr>
                 </a:solidFill>
               </a:rPr>
-              <a:t> 1</a:t>
-            </a:r>
-          </a:p>
-          <a:p>
-            <a:r>
-              <a:rPr lang="ru-RU" dirty="0">
+              <a:t>OpenCV</a:t>
+            </a:r>
+          </a:p>
+          <a:p>
+            <a:r>
+              <a:rPr lang="en-US" dirty="0">
                 <a:solidFill>
                   <a:schemeClr val="bg1">
                     <a:lumMod val="95000"/>
                   </a:schemeClr>
                 </a:solidFill>
               </a:rPr>
-              <a:t>Объект</a:t>
-            </a:r>
-            <a:r>
-              <a:rPr lang="en-US" dirty="0">
-                <a:solidFill>
-                  <a:schemeClr val="bg1">
-                    <a:lumMod val="95000"/>
-                  </a:schemeClr>
-                </a:solidFill>
-              </a:rPr>
-              <a:t> 2</a:t>
-            </a:r>
-          </a:p>
-          <a:p>
-            <a:r>
-              <a:rPr lang="ru-RU" dirty="0">
-                <a:solidFill>
-                  <a:schemeClr val="bg1">
-                    <a:lumMod val="95000"/>
-                  </a:schemeClr>
-                </a:solidFill>
-              </a:rPr>
-              <a:t>Объект</a:t>
-            </a:r>
-            <a:r>
-              <a:rPr lang="en-US" dirty="0">
-                <a:solidFill>
-                  <a:schemeClr val="bg1">
-                    <a:lumMod val="95000"/>
-                  </a:schemeClr>
-                </a:solidFill>
-              </a:rPr>
-              <a:t> 3</a:t>
+              <a:t>Pandas</a:t>
             </a:r>
             <a:endParaRPr lang="ru-RU" dirty="0">
               <a:solidFill>
@@ -4884,14 +4782,14 @@
           </a:p>
           <a:p>
             <a:r>
-              <a:rPr lang="ru-RU" dirty="0">
+              <a:rPr lang="en-US" dirty="0" err="1">
                 <a:solidFill>
                   <a:schemeClr val="bg1">
                     <a:lumMod val="95000"/>
                   </a:schemeClr>
                 </a:solidFill>
               </a:rPr>
-              <a:t>Объект 4</a:t>
+              <a:t>Keras</a:t>
             </a:r>
             <a:endParaRPr lang="en-US" dirty="0">
               <a:solidFill>

--- a/hack.pptx
+++ b/hack.pptx
@@ -126,6 +126,9 @@
           </p15:clr>
         </p15:guide>
       </p15:sldGuideLst>
+    </p:ext>
+    <p:ext uri="{2D200454-40CA-4A62-9FC3-DE9A4176ACB9}">
+      <p15:notesGuideLst xmlns:p15="http://schemas.microsoft.com/office/powerpoint/2012/main"/>
     </p:ext>
   </p:extLst>
 </p:presentation>
@@ -3535,6 +3538,78 @@
           </a:p>
         </p:txBody>
       </p:sp>
+      <p:pic>
+        <p:nvPicPr>
+          <p:cNvPr id="7" name="Рисунок 6">
+            <a:extLst>
+              <a:ext uri="{FF2B5EF4-FFF2-40B4-BE49-F238E27FC236}">
+                <a16:creationId xmlns:a16="http://schemas.microsoft.com/office/drawing/2014/main" id="{4B014F31-41A0-4C59-8211-D757CCAC07F6}"/>
+              </a:ext>
+            </a:extLst>
+          </p:cNvPr>
+          <p:cNvPicPr>
+            <a:picLocks noChangeAspect="1"/>
+          </p:cNvPicPr>
+          <p:nvPr/>
+        </p:nvPicPr>
+        <p:blipFill>
+          <a:blip r:embed="rId2" cstate="print">
+            <a:extLst>
+              <a:ext uri="{28A0092B-C50C-407E-A947-70E740481C1C}">
+                <a14:useLocalDpi xmlns:a14="http://schemas.microsoft.com/office/drawing/2010/main" val="0"/>
+              </a:ext>
+            </a:extLst>
+          </a:blip>
+          <a:stretch>
+            <a:fillRect/>
+          </a:stretch>
+        </p:blipFill>
+        <p:spPr>
+          <a:xfrm>
+            <a:off x="6588224" y="927908"/>
+            <a:ext cx="700892" cy="700892"/>
+          </a:xfrm>
+          <a:prstGeom prst="rect">
+            <a:avLst/>
+          </a:prstGeom>
+        </p:spPr>
+      </p:pic>
+      <p:pic>
+        <p:nvPicPr>
+          <p:cNvPr id="9" name="Рисунок 8">
+            <a:extLst>
+              <a:ext uri="{FF2B5EF4-FFF2-40B4-BE49-F238E27FC236}">
+                <a16:creationId xmlns:a16="http://schemas.microsoft.com/office/drawing/2014/main" id="{8A90A737-5C4F-4144-95A9-D057EE3D933D}"/>
+              </a:ext>
+            </a:extLst>
+          </p:cNvPr>
+          <p:cNvPicPr>
+            <a:picLocks noChangeAspect="1"/>
+          </p:cNvPicPr>
+          <p:nvPr/>
+        </p:nvPicPr>
+        <p:blipFill>
+          <a:blip r:embed="rId3" cstate="print">
+            <a:extLst>
+              <a:ext uri="{28A0092B-C50C-407E-A947-70E740481C1C}">
+                <a14:useLocalDpi xmlns:a14="http://schemas.microsoft.com/office/drawing/2010/main" val="0"/>
+              </a:ext>
+            </a:extLst>
+          </a:blip>
+          <a:stretch>
+            <a:fillRect/>
+          </a:stretch>
+        </p:blipFill>
+        <p:spPr>
+          <a:xfrm>
+            <a:off x="7556746" y="927907"/>
+            <a:ext cx="1335734" cy="700893"/>
+          </a:xfrm>
+          <a:prstGeom prst="rect">
+            <a:avLst/>
+          </a:prstGeom>
+        </p:spPr>
+      </p:pic>
     </p:spTree>
     <p:extLst>
       <p:ext uri="{BB962C8B-B14F-4D97-AF65-F5344CB8AC3E}">
@@ -4142,22 +4217,15 @@
           </a:p>
           <a:p>
             <a:r>
-              <a:rPr lang="en-US" dirty="0" err="1">
+              <a:rPr lang="en-US" dirty="0">
                 <a:solidFill>
                   <a:schemeClr val="bg1">
                     <a:lumMod val="95000"/>
                   </a:schemeClr>
                 </a:solidFill>
               </a:rPr>
-              <a:t>Opencv</a:t>
-            </a:r>
-            <a:endParaRPr lang="en-US" dirty="0">
-              <a:solidFill>
-                <a:schemeClr val="bg1">
-                  <a:lumMod val="95000"/>
-                </a:schemeClr>
-              </a:solidFill>
-            </a:endParaRPr>
+              <a:t>OpenCV</a:t>
+            </a:r>
           </a:p>
           <a:p>
             <a:r>
@@ -4890,46 +4958,31 @@
         </p:spPr>
         <p:txBody>
           <a:bodyPr>
-            <a:normAutofit fontScale="90000"/>
+            <a:normAutofit/>
           </a:bodyPr>
           <a:lstStyle/>
           <a:p>
             <a:pPr algn="r"/>
             <a:r>
-              <a:rPr lang="en-US" dirty="0">
+              <a:rPr lang="ru-RU" dirty="0">
                 <a:solidFill>
                   <a:schemeClr val="bg1"/>
                 </a:solidFill>
               </a:rPr>
-              <a:t>“</a:t>
-            </a:r>
-            <a:r>
-              <a:rPr lang="ru-RU" dirty="0">
-                <a:solidFill>
-                  <a:schemeClr val="bg1"/>
-                </a:solidFill>
-              </a:rPr>
-              <a:t>Ограничения и ресурсы</a:t>
-            </a:r>
-            <a:r>
-              <a:rPr lang="en-US" dirty="0">
-                <a:solidFill>
-                  <a:schemeClr val="bg1"/>
-                </a:solidFill>
-              </a:rPr>
-              <a:t>”</a:t>
-            </a:r>
-            <a:endParaRPr lang="ru-RU" dirty="0">
-              <a:solidFill>
-                <a:schemeClr val="bg1"/>
-              </a:solidFill>
-            </a:endParaRPr>
-          </a:p>
-        </p:txBody>
-      </p:sp>
-      <p:sp>
-        <p:nvSpPr>
-          <p:cNvPr id="3" name="Объект 2"/>
+              <a:t>Ограничения</a:t>
+            </a:r>
+          </a:p>
+        </p:txBody>
+      </p:sp>
+      <p:sp>
+        <p:nvSpPr>
+          <p:cNvPr id="6" name="Объект 5">
+            <a:extLst>
+              <a:ext uri="{FF2B5EF4-FFF2-40B4-BE49-F238E27FC236}">
+                <a16:creationId xmlns:a16="http://schemas.microsoft.com/office/drawing/2014/main" id="{6C62083A-F83C-406E-B28F-9C3E06E82E6D}"/>
+              </a:ext>
+            </a:extLst>
+          </p:cNvPr>
           <p:cNvSpPr>
             <a:spLocks noGrp="1"/>
           </p:cNvSpPr>
@@ -4942,14 +4995,57 @@
           <a:bodyPr/>
           <a:lstStyle/>
           <a:p>
-            <a:endParaRPr lang="en-US" dirty="0">
-              <a:solidFill>
-                <a:schemeClr val="bg2"/>
-              </a:solidFill>
-            </a:endParaRPr>
-          </a:p>
-        </p:txBody>
-      </p:sp>
+            <a:endParaRPr lang="ru-RU"/>
+          </a:p>
+        </p:txBody>
+      </p:sp>
+      <p:pic>
+        <p:nvPicPr>
+          <p:cNvPr id="1028" name="Picture 4">
+            <a:extLst>
+              <a:ext uri="{FF2B5EF4-FFF2-40B4-BE49-F238E27FC236}">
+                <a16:creationId xmlns:a16="http://schemas.microsoft.com/office/drawing/2014/main" id="{53F998ED-E37B-45A4-BBF1-8C16410EBD34}"/>
+              </a:ext>
+            </a:extLst>
+          </p:cNvPr>
+          <p:cNvPicPr>
+            <a:picLocks noChangeAspect="1" noChangeArrowheads="1"/>
+          </p:cNvPicPr>
+          <p:nvPr/>
+        </p:nvPicPr>
+        <p:blipFill>
+          <a:blip r:embed="rId3">
+            <a:extLst>
+              <a:ext uri="{28A0092B-C50C-407E-A947-70E740481C1C}">
+                <a14:useLocalDpi xmlns:a14="http://schemas.microsoft.com/office/drawing/2010/main" val="0"/>
+              </a:ext>
+            </a:extLst>
+          </a:blip>
+          <a:srcRect/>
+          <a:stretch>
+            <a:fillRect/>
+          </a:stretch>
+        </p:blipFill>
+        <p:spPr bwMode="auto">
+          <a:xfrm>
+            <a:off x="789072" y="1600201"/>
+            <a:ext cx="7495726" cy="4997151"/>
+          </a:xfrm>
+          <a:prstGeom prst="rect">
+            <a:avLst/>
+          </a:prstGeom>
+          <a:noFill/>
+          <a:extLst>
+            <a:ext uri="{909E8E84-426E-40DD-AFC4-6F175D3DCCD1}">
+              <a14:hiddenFill xmlns:a14="http://schemas.microsoft.com/office/drawing/2010/main">
+                <a:solidFill>
+                  <a:srgbClr val="FFFFFF"/>
+                </a:solidFill>
+              </a14:hiddenFill>
+            </a:ext>
+          </a:extLst>
+        </p:spPr>
+      </p:pic>
     </p:spTree>
     <p:extLst>
       <p:ext uri="{BB962C8B-B14F-4D97-AF65-F5344CB8AC3E}">

--- a/hack.pptx
+++ b/hack.pptx
@@ -3487,7 +3487,7 @@
             <a:r>
               <a:rPr lang="en-US" sz="8000" b="1" dirty="0" err="1">
                 <a:solidFill>
-                  <a:srgbClr val="C00000"/>
+                  <a:srgbClr val="DA0000"/>
                 </a:solidFill>
                 <a:latin typeface="Chiller" panose="04020404031007020602" pitchFamily="82" charset="0"/>
               </a:rPr>
@@ -3495,7 +3495,7 @@
             </a:r>
             <a:endParaRPr lang="ru-RU" sz="8000" b="1" dirty="0">
               <a:solidFill>
-                <a:srgbClr val="C00000"/>
+                <a:srgbClr val="DA0000"/>
               </a:solidFill>
               <a:latin typeface="Comic Sans MS" panose="030F0702030302020204" pitchFamily="66" charset="0"/>
             </a:endParaRPr>

--- a/hack.pptx
+++ b/hack.pptx
@@ -4008,503 +4008,53 @@
           </a:p>
         </p:txBody>
       </p:sp>
-      <p:sp>
-        <p:nvSpPr>
-          <p:cNvPr id="3" name="Объект 2"/>
-          <p:cNvSpPr>
-            <a:spLocks noGrp="1"/>
-          </p:cNvSpPr>
-          <p:nvPr>
-            <p:ph idx="1"/>
-          </p:nvPr>
-        </p:nvSpPr>
-        <p:spPr>
-          <a:xfrm>
-            <a:off x="971600" y="1787328"/>
-            <a:ext cx="2376264" cy="604664"/>
-          </a:xfrm>
-        </p:spPr>
-        <p:txBody>
-          <a:bodyPr/>
-          <a:lstStyle/>
-          <a:p>
-            <a:pPr marL="0" indent="0">
-              <a:buNone/>
-            </a:pPr>
-            <a:r>
-              <a:rPr lang="ru-RU" dirty="0">
-                <a:solidFill>
-                  <a:schemeClr val="bg1"/>
-                </a:solidFill>
-              </a:rPr>
-              <a:t>Список А</a:t>
-            </a:r>
-            <a:endParaRPr lang="en-US" dirty="0">
-              <a:solidFill>
-                <a:schemeClr val="bg1"/>
-              </a:solidFill>
-            </a:endParaRPr>
-          </a:p>
-        </p:txBody>
-      </p:sp>
-      <p:sp>
-        <p:nvSpPr>
-          <p:cNvPr id="6" name="Content Placeholder 5"/>
-          <p:cNvSpPr txBox="1">
-            <a:spLocks/>
-          </p:cNvSpPr>
+      <p:pic>
+        <p:nvPicPr>
+          <p:cNvPr id="4098" name="Picture 2" descr="НЕЙРОСЕТЬ: просто о сложном! Создание нейронной сети на Python - YouTube">
+            <a:extLst>
+              <a:ext uri="{FF2B5EF4-FFF2-40B4-BE49-F238E27FC236}">
+                <a16:creationId xmlns:a16="http://schemas.microsoft.com/office/drawing/2014/main" id="{C6FC1BBE-7C59-4A7F-8010-67C4FAC44BB0}"/>
+              </a:ext>
+            </a:extLst>
+          </p:cNvPr>
+          <p:cNvPicPr>
+            <a:picLocks noChangeAspect="1" noChangeArrowheads="1"/>
+          </p:cNvPicPr>
           <p:nvPr/>
-        </p:nvSpPr>
-        <p:spPr>
-          <a:xfrm>
-            <a:off x="827584" y="2524752"/>
-            <a:ext cx="4040188" cy="2276294"/>
+        </p:nvPicPr>
+        <p:blipFill>
+          <a:blip r:embed="rId3">
+            <a:extLst>
+              <a:ext uri="{28A0092B-C50C-407E-A947-70E740481C1C}">
+                <a14:useLocalDpi xmlns:a14="http://schemas.microsoft.com/office/drawing/2010/main" val="0"/>
+              </a:ext>
+            </a:extLst>
+          </a:blip>
+          <a:srcRect/>
+          <a:stretch>
+            <a:fillRect/>
+          </a:stretch>
+        </p:blipFill>
+        <p:spPr bwMode="auto">
+          <a:xfrm>
+            <a:off x="0" y="1559328"/>
+            <a:ext cx="9144000" cy="5143500"/>
           </a:xfrm>
           <a:prstGeom prst="rect">
             <a:avLst/>
           </a:prstGeom>
-        </p:spPr>
-        <p:txBody>
-          <a:bodyPr/>
-          <a:lstStyle>
-            <a:lvl1pPr marL="342900" indent="-342900" algn="l" defTabSz="914400" rtl="0" eaLnBrk="1" latinLnBrk="0" hangingPunct="1">
-              <a:spcBef>
-                <a:spcPct val="20000"/>
-              </a:spcBef>
-              <a:buFont typeface="Arial" pitchFamily="34" charset="0"/>
-              <a:buChar char="•"/>
-              <a:defRPr sz="3200" kern="1200">
-                <a:solidFill>
-                  <a:schemeClr val="tx1"/>
-                </a:solidFill>
-                <a:latin typeface="+mn-lt"/>
-                <a:ea typeface="+mn-ea"/>
-                <a:cs typeface="+mn-cs"/>
-              </a:defRPr>
-            </a:lvl1pPr>
-            <a:lvl2pPr marL="742950" indent="-285750" algn="l" defTabSz="914400" rtl="0" eaLnBrk="1" latinLnBrk="0" hangingPunct="1">
-              <a:spcBef>
-                <a:spcPct val="20000"/>
-              </a:spcBef>
-              <a:buFont typeface="Arial" pitchFamily="34" charset="0"/>
-              <a:buChar char="–"/>
-              <a:defRPr sz="2800" kern="1200">
-                <a:solidFill>
-                  <a:schemeClr val="tx1"/>
-                </a:solidFill>
-                <a:latin typeface="+mn-lt"/>
-                <a:ea typeface="+mn-ea"/>
-                <a:cs typeface="+mn-cs"/>
-              </a:defRPr>
-            </a:lvl2pPr>
-            <a:lvl3pPr marL="1143000" indent="-228600" algn="l" defTabSz="914400" rtl="0" eaLnBrk="1" latinLnBrk="0" hangingPunct="1">
-              <a:spcBef>
-                <a:spcPct val="20000"/>
-              </a:spcBef>
-              <a:buFont typeface="Arial" pitchFamily="34" charset="0"/>
-              <a:buChar char="•"/>
-              <a:defRPr sz="2400" kern="1200">
-                <a:solidFill>
-                  <a:schemeClr val="tx1"/>
-                </a:solidFill>
-                <a:latin typeface="+mn-lt"/>
-                <a:ea typeface="+mn-ea"/>
-                <a:cs typeface="+mn-cs"/>
-              </a:defRPr>
-            </a:lvl3pPr>
-            <a:lvl4pPr marL="1600200" indent="-228600" algn="l" defTabSz="914400" rtl="0" eaLnBrk="1" latinLnBrk="0" hangingPunct="1">
-              <a:spcBef>
-                <a:spcPct val="20000"/>
-              </a:spcBef>
-              <a:buFont typeface="Arial" pitchFamily="34" charset="0"/>
-              <a:buChar char="–"/>
-              <a:defRPr sz="2000" kern="1200">
-                <a:solidFill>
-                  <a:schemeClr val="tx1"/>
-                </a:solidFill>
-                <a:latin typeface="+mn-lt"/>
-                <a:ea typeface="+mn-ea"/>
-                <a:cs typeface="+mn-cs"/>
-              </a:defRPr>
-            </a:lvl4pPr>
-            <a:lvl5pPr marL="2057400" indent="-228600" algn="l" defTabSz="914400" rtl="0" eaLnBrk="1" latinLnBrk="0" hangingPunct="1">
-              <a:spcBef>
-                <a:spcPct val="20000"/>
-              </a:spcBef>
-              <a:buFont typeface="Arial" pitchFamily="34" charset="0"/>
-              <a:buChar char="»"/>
-              <a:defRPr sz="2000" kern="1200">
-                <a:solidFill>
-                  <a:schemeClr val="tx1"/>
-                </a:solidFill>
-                <a:latin typeface="+mn-lt"/>
-                <a:ea typeface="+mn-ea"/>
-                <a:cs typeface="+mn-cs"/>
-              </a:defRPr>
-            </a:lvl5pPr>
-            <a:lvl6pPr marL="2514600" indent="-228600" algn="l" defTabSz="914400" rtl="0" eaLnBrk="1" latinLnBrk="0" hangingPunct="1">
-              <a:spcBef>
-                <a:spcPct val="20000"/>
-              </a:spcBef>
-              <a:buFont typeface="Arial" pitchFamily="34" charset="0"/>
-              <a:buChar char="•"/>
-              <a:defRPr sz="2000" kern="1200">
-                <a:solidFill>
-                  <a:schemeClr val="tx1"/>
-                </a:solidFill>
-                <a:latin typeface="+mn-lt"/>
-                <a:ea typeface="+mn-ea"/>
-                <a:cs typeface="+mn-cs"/>
-              </a:defRPr>
-            </a:lvl6pPr>
-            <a:lvl7pPr marL="2971800" indent="-228600" algn="l" defTabSz="914400" rtl="0" eaLnBrk="1" latinLnBrk="0" hangingPunct="1">
-              <a:spcBef>
-                <a:spcPct val="20000"/>
-              </a:spcBef>
-              <a:buFont typeface="Arial" pitchFamily="34" charset="0"/>
-              <a:buChar char="•"/>
-              <a:defRPr sz="2000" kern="1200">
-                <a:solidFill>
-                  <a:schemeClr val="tx1"/>
-                </a:solidFill>
-                <a:latin typeface="+mn-lt"/>
-                <a:ea typeface="+mn-ea"/>
-                <a:cs typeface="+mn-cs"/>
-              </a:defRPr>
-            </a:lvl7pPr>
-            <a:lvl8pPr marL="3429000" indent="-228600" algn="l" defTabSz="914400" rtl="0" eaLnBrk="1" latinLnBrk="0" hangingPunct="1">
-              <a:spcBef>
-                <a:spcPct val="20000"/>
-              </a:spcBef>
-              <a:buFont typeface="Arial" pitchFamily="34" charset="0"/>
-              <a:buChar char="•"/>
-              <a:defRPr sz="2000" kern="1200">
-                <a:solidFill>
-                  <a:schemeClr val="tx1"/>
-                </a:solidFill>
-                <a:latin typeface="+mn-lt"/>
-                <a:ea typeface="+mn-ea"/>
-                <a:cs typeface="+mn-cs"/>
-              </a:defRPr>
-            </a:lvl8pPr>
-            <a:lvl9pPr marL="3886200" indent="-228600" algn="l" defTabSz="914400" rtl="0" eaLnBrk="1" latinLnBrk="0" hangingPunct="1">
-              <a:spcBef>
-                <a:spcPct val="20000"/>
-              </a:spcBef>
-              <a:buFont typeface="Arial" pitchFamily="34" charset="0"/>
-              <a:buChar char="•"/>
-              <a:defRPr sz="2000" kern="1200">
-                <a:solidFill>
-                  <a:schemeClr val="tx1"/>
-                </a:solidFill>
-                <a:latin typeface="+mn-lt"/>
-                <a:ea typeface="+mn-ea"/>
-                <a:cs typeface="+mn-cs"/>
-              </a:defRPr>
-            </a:lvl9pPr>
-          </a:lstStyle>
-          <a:p>
-            <a:r>
-              <a:rPr lang="en-US" dirty="0">
-                <a:solidFill>
-                  <a:schemeClr val="bg1">
-                    <a:lumMod val="95000"/>
-                  </a:schemeClr>
-                </a:solidFill>
-              </a:rPr>
-              <a:t>Python 3</a:t>
-            </a:r>
-          </a:p>
-          <a:p>
-            <a:r>
-              <a:rPr lang="en-US" dirty="0">
-                <a:solidFill>
-                  <a:schemeClr val="bg1">
-                    <a:lumMod val="95000"/>
-                  </a:schemeClr>
-                </a:solidFill>
-              </a:rPr>
-              <a:t>OpenCV</a:t>
-            </a:r>
-          </a:p>
-          <a:p>
-            <a:r>
-              <a:rPr lang="en-US" dirty="0">
-                <a:solidFill>
-                  <a:schemeClr val="bg1">
-                    <a:lumMod val="95000"/>
-                  </a:schemeClr>
-                </a:solidFill>
-              </a:rPr>
-              <a:t>Pandas</a:t>
-            </a:r>
-            <a:endParaRPr lang="ru-RU" dirty="0">
-              <a:solidFill>
-                <a:schemeClr val="bg1">
-                  <a:lumMod val="95000"/>
-                </a:schemeClr>
-              </a:solidFill>
-            </a:endParaRPr>
-          </a:p>
-          <a:p>
-            <a:r>
-              <a:rPr lang="en-US" dirty="0" err="1">
-                <a:solidFill>
-                  <a:schemeClr val="bg1">
-                    <a:lumMod val="95000"/>
-                  </a:schemeClr>
-                </a:solidFill>
-              </a:rPr>
-              <a:t>Keras</a:t>
-            </a:r>
-            <a:endParaRPr lang="en-US" dirty="0">
-              <a:solidFill>
-                <a:schemeClr val="bg1">
-                  <a:lumMod val="95000"/>
-                </a:schemeClr>
-              </a:solidFill>
-            </a:endParaRPr>
-          </a:p>
-        </p:txBody>
-      </p:sp>
-      <p:sp>
-        <p:nvSpPr>
-          <p:cNvPr id="5" name="Прямоугольник 4"/>
-          <p:cNvSpPr/>
-          <p:nvPr/>
-        </p:nvSpPr>
-        <p:spPr>
-          <a:xfrm>
-            <a:off x="5436096" y="1787328"/>
-            <a:ext cx="2195672" cy="584775"/>
-          </a:xfrm>
-          <a:prstGeom prst="rect">
-            <a:avLst/>
-          </a:prstGeom>
-        </p:spPr>
-        <p:txBody>
-          <a:bodyPr wrap="square">
-            <a:spAutoFit/>
-          </a:bodyPr>
-          <a:lstStyle/>
-          <a:p>
-            <a:r>
-              <a:rPr lang="ru-RU" sz="3200" dirty="0">
-                <a:solidFill>
-                  <a:schemeClr val="bg1"/>
-                </a:solidFill>
-              </a:rPr>
-              <a:t>Список В</a:t>
-            </a:r>
-            <a:endParaRPr lang="en-US" sz="3200" dirty="0">
-              <a:solidFill>
-                <a:schemeClr val="bg1"/>
-              </a:solidFill>
-            </a:endParaRPr>
-          </a:p>
-        </p:txBody>
-      </p:sp>
-      <p:sp>
-        <p:nvSpPr>
-          <p:cNvPr id="9" name="Content Placeholder 5"/>
-          <p:cNvSpPr txBox="1">
-            <a:spLocks/>
-          </p:cNvSpPr>
-          <p:nvPr/>
-        </p:nvSpPr>
-        <p:spPr>
-          <a:xfrm>
-            <a:off x="5292080" y="2500344"/>
-            <a:ext cx="3528392" cy="2276294"/>
-          </a:xfrm>
-          <a:prstGeom prst="rect">
-            <a:avLst/>
-          </a:prstGeom>
-        </p:spPr>
-        <p:txBody>
-          <a:bodyPr/>
-          <a:lstStyle>
-            <a:lvl1pPr marL="342900" indent="-342900" algn="l" defTabSz="914400" rtl="0" eaLnBrk="1" latinLnBrk="0" hangingPunct="1">
-              <a:spcBef>
-                <a:spcPct val="20000"/>
-              </a:spcBef>
-              <a:buFont typeface="Arial" pitchFamily="34" charset="0"/>
-              <a:buChar char="•"/>
-              <a:defRPr sz="3200" kern="1200">
-                <a:solidFill>
-                  <a:schemeClr val="tx1"/>
-                </a:solidFill>
-                <a:latin typeface="+mn-lt"/>
-                <a:ea typeface="+mn-ea"/>
-                <a:cs typeface="+mn-cs"/>
-              </a:defRPr>
-            </a:lvl1pPr>
-            <a:lvl2pPr marL="742950" indent="-285750" algn="l" defTabSz="914400" rtl="0" eaLnBrk="1" latinLnBrk="0" hangingPunct="1">
-              <a:spcBef>
-                <a:spcPct val="20000"/>
-              </a:spcBef>
-              <a:buFont typeface="Arial" pitchFamily="34" charset="0"/>
-              <a:buChar char="–"/>
-              <a:defRPr sz="2800" kern="1200">
-                <a:solidFill>
-                  <a:schemeClr val="tx1"/>
-                </a:solidFill>
-                <a:latin typeface="+mn-lt"/>
-                <a:ea typeface="+mn-ea"/>
-                <a:cs typeface="+mn-cs"/>
-              </a:defRPr>
-            </a:lvl2pPr>
-            <a:lvl3pPr marL="1143000" indent="-228600" algn="l" defTabSz="914400" rtl="0" eaLnBrk="1" latinLnBrk="0" hangingPunct="1">
-              <a:spcBef>
-                <a:spcPct val="20000"/>
-              </a:spcBef>
-              <a:buFont typeface="Arial" pitchFamily="34" charset="0"/>
-              <a:buChar char="•"/>
-              <a:defRPr sz="2400" kern="1200">
-                <a:solidFill>
-                  <a:schemeClr val="tx1"/>
-                </a:solidFill>
-                <a:latin typeface="+mn-lt"/>
-                <a:ea typeface="+mn-ea"/>
-                <a:cs typeface="+mn-cs"/>
-              </a:defRPr>
-            </a:lvl3pPr>
-            <a:lvl4pPr marL="1600200" indent="-228600" algn="l" defTabSz="914400" rtl="0" eaLnBrk="1" latinLnBrk="0" hangingPunct="1">
-              <a:spcBef>
-                <a:spcPct val="20000"/>
-              </a:spcBef>
-              <a:buFont typeface="Arial" pitchFamily="34" charset="0"/>
-              <a:buChar char="–"/>
-              <a:defRPr sz="2000" kern="1200">
-                <a:solidFill>
-                  <a:schemeClr val="tx1"/>
-                </a:solidFill>
-                <a:latin typeface="+mn-lt"/>
-                <a:ea typeface="+mn-ea"/>
-                <a:cs typeface="+mn-cs"/>
-              </a:defRPr>
-            </a:lvl4pPr>
-            <a:lvl5pPr marL="2057400" indent="-228600" algn="l" defTabSz="914400" rtl="0" eaLnBrk="1" latinLnBrk="0" hangingPunct="1">
-              <a:spcBef>
-                <a:spcPct val="20000"/>
-              </a:spcBef>
-              <a:buFont typeface="Arial" pitchFamily="34" charset="0"/>
-              <a:buChar char="»"/>
-              <a:defRPr sz="2000" kern="1200">
-                <a:solidFill>
-                  <a:schemeClr val="tx1"/>
-                </a:solidFill>
-                <a:latin typeface="+mn-lt"/>
-                <a:ea typeface="+mn-ea"/>
-                <a:cs typeface="+mn-cs"/>
-              </a:defRPr>
-            </a:lvl5pPr>
-            <a:lvl6pPr marL="2514600" indent="-228600" algn="l" defTabSz="914400" rtl="0" eaLnBrk="1" latinLnBrk="0" hangingPunct="1">
-              <a:spcBef>
-                <a:spcPct val="20000"/>
-              </a:spcBef>
-              <a:buFont typeface="Arial" pitchFamily="34" charset="0"/>
-              <a:buChar char="•"/>
-              <a:defRPr sz="2000" kern="1200">
-                <a:solidFill>
-                  <a:schemeClr val="tx1"/>
-                </a:solidFill>
-                <a:latin typeface="+mn-lt"/>
-                <a:ea typeface="+mn-ea"/>
-                <a:cs typeface="+mn-cs"/>
-              </a:defRPr>
-            </a:lvl6pPr>
-            <a:lvl7pPr marL="2971800" indent="-228600" algn="l" defTabSz="914400" rtl="0" eaLnBrk="1" latinLnBrk="0" hangingPunct="1">
-              <a:spcBef>
-                <a:spcPct val="20000"/>
-              </a:spcBef>
-              <a:buFont typeface="Arial" pitchFamily="34" charset="0"/>
-              <a:buChar char="•"/>
-              <a:defRPr sz="2000" kern="1200">
-                <a:solidFill>
-                  <a:schemeClr val="tx1"/>
-                </a:solidFill>
-                <a:latin typeface="+mn-lt"/>
-                <a:ea typeface="+mn-ea"/>
-                <a:cs typeface="+mn-cs"/>
-              </a:defRPr>
-            </a:lvl7pPr>
-            <a:lvl8pPr marL="3429000" indent="-228600" algn="l" defTabSz="914400" rtl="0" eaLnBrk="1" latinLnBrk="0" hangingPunct="1">
-              <a:spcBef>
-                <a:spcPct val="20000"/>
-              </a:spcBef>
-              <a:buFont typeface="Arial" pitchFamily="34" charset="0"/>
-              <a:buChar char="•"/>
-              <a:defRPr sz="2000" kern="1200">
-                <a:solidFill>
-                  <a:schemeClr val="tx1"/>
-                </a:solidFill>
-                <a:latin typeface="+mn-lt"/>
-                <a:ea typeface="+mn-ea"/>
-                <a:cs typeface="+mn-cs"/>
-              </a:defRPr>
-            </a:lvl8pPr>
-            <a:lvl9pPr marL="3886200" indent="-228600" algn="l" defTabSz="914400" rtl="0" eaLnBrk="1" latinLnBrk="0" hangingPunct="1">
-              <a:spcBef>
-                <a:spcPct val="20000"/>
-              </a:spcBef>
-              <a:buFont typeface="Arial" pitchFamily="34" charset="0"/>
-              <a:buChar char="•"/>
-              <a:defRPr sz="2000" kern="1200">
-                <a:solidFill>
-                  <a:schemeClr val="tx1"/>
-                </a:solidFill>
-                <a:latin typeface="+mn-lt"/>
-                <a:ea typeface="+mn-ea"/>
-                <a:cs typeface="+mn-cs"/>
-              </a:defRPr>
-            </a:lvl9pPr>
-          </a:lstStyle>
-          <a:p>
-            <a:r>
-              <a:rPr lang="en-US" dirty="0">
-                <a:solidFill>
-                  <a:schemeClr val="bg1">
-                    <a:lumMod val="95000"/>
-                  </a:schemeClr>
-                </a:solidFill>
-              </a:rPr>
-              <a:t>Python 3</a:t>
-            </a:r>
-          </a:p>
-          <a:p>
-            <a:r>
-              <a:rPr lang="en-US" dirty="0">
-                <a:solidFill>
-                  <a:schemeClr val="bg1">
-                    <a:lumMod val="95000"/>
-                  </a:schemeClr>
-                </a:solidFill>
-              </a:rPr>
-              <a:t>TF</a:t>
-            </a:r>
-          </a:p>
-          <a:p>
-            <a:r>
-              <a:rPr lang="en-US">
-                <a:solidFill>
-                  <a:schemeClr val="bg1">
-                    <a:lumMod val="95000"/>
-                  </a:schemeClr>
-                </a:solidFill>
-              </a:rPr>
-              <a:t>NumPy</a:t>
-            </a:r>
-            <a:endParaRPr lang="en-US" dirty="0">
-              <a:solidFill>
-                <a:schemeClr val="bg1">
-                  <a:lumMod val="95000"/>
-                </a:schemeClr>
-              </a:solidFill>
-            </a:endParaRPr>
-          </a:p>
-        </p:txBody>
-      </p:sp>
+          <a:noFill/>
+          <a:extLst>
+            <a:ext uri="{909E8E84-426E-40DD-AFC4-6F175D3DCCD1}">
+              <a14:hiddenFill xmlns:a14="http://schemas.microsoft.com/office/drawing/2010/main">
+                <a:solidFill>
+                  <a:srgbClr val="FFFFFF"/>
+                </a:solidFill>
+              </a14:hiddenFill>
+            </a:ext>
+          </a:extLst>
+        </p:spPr>
+      </p:pic>
     </p:spTree>
     <p:extLst>
       <p:ext uri="{BB962C8B-B14F-4D97-AF65-F5344CB8AC3E}">
@@ -4639,7 +4189,7 @@
                   <a:schemeClr val="bg1"/>
                 </a:solidFill>
               </a:rPr>
-              <a:t>Список А</a:t>
+              <a:t>Стек:</a:t>
             </a:r>
             <a:endParaRPr lang="en-US" dirty="0">
               <a:solidFill>

--- a/hack.pptx
+++ b/hack.pptx
@@ -4400,25 +4400,159 @@
           </a:p>
           <a:p>
             <a:r>
-              <a:rPr lang="en-US" dirty="0" err="1">
+              <a:rPr lang="en-US" dirty="0">
                 <a:solidFill>
                   <a:schemeClr val="bg1">
                     <a:lumMod val="95000"/>
                   </a:schemeClr>
                 </a:solidFill>
               </a:rPr>
-              <a:t>Keras</a:t>
-            </a:r>
-            <a:endParaRPr lang="en-US" dirty="0">
-              <a:solidFill>
-                <a:schemeClr val="bg1">
-                  <a:lumMod val="95000"/>
-                </a:schemeClr>
-              </a:solidFill>
-            </a:endParaRPr>
-          </a:p>
-        </p:txBody>
-      </p:sp>
+              <a:t>Pillow</a:t>
+            </a:r>
+          </a:p>
+        </p:txBody>
+      </p:sp>
+      <p:pic>
+        <p:nvPicPr>
+          <p:cNvPr id="1030" name="Picture 6">
+            <a:extLst>
+              <a:ext uri="{FF2B5EF4-FFF2-40B4-BE49-F238E27FC236}">
+                <a16:creationId xmlns:a16="http://schemas.microsoft.com/office/drawing/2014/main" id="{A7F12BD6-8091-4D21-B6C0-EAFCCA9CB7C0}"/>
+              </a:ext>
+            </a:extLst>
+          </p:cNvPr>
+          <p:cNvPicPr>
+            <a:picLocks noChangeAspect="1" noChangeArrowheads="1"/>
+          </p:cNvPicPr>
+          <p:nvPr/>
+        </p:nvPicPr>
+        <p:blipFill>
+          <a:blip r:embed="rId3" cstate="print">
+            <a:extLst>
+              <a:ext uri="{28A0092B-C50C-407E-A947-70E740481C1C}">
+                <a14:useLocalDpi xmlns:a14="http://schemas.microsoft.com/office/drawing/2010/main" val="0"/>
+              </a:ext>
+            </a:extLst>
+          </a:blip>
+          <a:srcRect/>
+          <a:stretch>
+            <a:fillRect/>
+          </a:stretch>
+        </p:blipFill>
+        <p:spPr bwMode="auto">
+          <a:xfrm>
+            <a:off x="7020929" y="2029408"/>
+            <a:ext cx="1866123" cy="1399592"/>
+          </a:xfrm>
+          <a:prstGeom prst="rect">
+            <a:avLst/>
+          </a:prstGeom>
+          <a:noFill/>
+          <a:extLst>
+            <a:ext uri="{909E8E84-426E-40DD-AFC4-6F175D3DCCD1}">
+              <a14:hiddenFill xmlns:a14="http://schemas.microsoft.com/office/drawing/2010/main">
+                <a:solidFill>
+                  <a:srgbClr val="FFFFFF"/>
+                </a:solidFill>
+              </a14:hiddenFill>
+            </a:ext>
+          </a:extLst>
+        </p:spPr>
+      </p:pic>
+      <p:pic>
+        <p:nvPicPr>
+          <p:cNvPr id="1040" name="Picture 16">
+            <a:extLst>
+              <a:ext uri="{FF2B5EF4-FFF2-40B4-BE49-F238E27FC236}">
+                <a16:creationId xmlns:a16="http://schemas.microsoft.com/office/drawing/2014/main" id="{9E66EE49-8CC3-4D0B-AE77-6F3E8A0EDF25}"/>
+              </a:ext>
+            </a:extLst>
+          </p:cNvPr>
+          <p:cNvPicPr>
+            <a:picLocks noChangeAspect="1" noChangeArrowheads="1"/>
+          </p:cNvPicPr>
+          <p:nvPr/>
+        </p:nvPicPr>
+        <p:blipFill>
+          <a:blip r:embed="rId4" cstate="print">
+            <a:extLst>
+              <a:ext uri="{28A0092B-C50C-407E-A947-70E740481C1C}">
+                <a14:useLocalDpi xmlns:a14="http://schemas.microsoft.com/office/drawing/2010/main" val="0"/>
+              </a:ext>
+            </a:extLst>
+          </a:blip>
+          <a:srcRect/>
+          <a:stretch>
+            <a:fillRect/>
+          </a:stretch>
+        </p:blipFill>
+        <p:spPr bwMode="auto">
+          <a:xfrm>
+            <a:off x="5501021" y="1968361"/>
+            <a:ext cx="1203283" cy="1487746"/>
+          </a:xfrm>
+          <a:prstGeom prst="rect">
+            <a:avLst/>
+          </a:prstGeom>
+          <a:noFill/>
+          <a:extLst>
+            <a:ext uri="{909E8E84-426E-40DD-AFC4-6F175D3DCCD1}">
+              <a14:hiddenFill xmlns:a14="http://schemas.microsoft.com/office/drawing/2010/main">
+                <a:solidFill>
+                  <a:srgbClr val="FFFFFF"/>
+                </a:solidFill>
+              </a14:hiddenFill>
+            </a:ext>
+          </a:extLst>
+        </p:spPr>
+      </p:pic>
+      <p:pic>
+        <p:nvPicPr>
+          <p:cNvPr id="1042" name="Picture 18">
+            <a:extLst>
+              <a:ext uri="{FF2B5EF4-FFF2-40B4-BE49-F238E27FC236}">
+                <a16:creationId xmlns:a16="http://schemas.microsoft.com/office/drawing/2014/main" id="{E569CEEC-05A8-4A7B-952F-3AA111F703B2}"/>
+              </a:ext>
+            </a:extLst>
+          </p:cNvPr>
+          <p:cNvPicPr>
+            <a:picLocks noChangeAspect="1" noChangeArrowheads="1"/>
+          </p:cNvPicPr>
+          <p:nvPr/>
+        </p:nvPicPr>
+        <p:blipFill>
+          <a:blip r:embed="rId5" cstate="print">
+            <a:extLst>
+              <a:ext uri="{28A0092B-C50C-407E-A947-70E740481C1C}">
+                <a14:useLocalDpi xmlns:a14="http://schemas.microsoft.com/office/drawing/2010/main" val="0"/>
+              </a:ext>
+            </a:extLst>
+          </a:blip>
+          <a:srcRect/>
+          <a:stretch>
+            <a:fillRect/>
+          </a:stretch>
+        </p:blipFill>
+        <p:spPr bwMode="auto">
+          <a:xfrm>
+            <a:off x="5292079" y="3721619"/>
+            <a:ext cx="3594973" cy="1780635"/>
+          </a:xfrm>
+          <a:prstGeom prst="rect">
+            <a:avLst/>
+          </a:prstGeom>
+          <a:noFill/>
+          <a:extLst>
+            <a:ext uri="{909E8E84-426E-40DD-AFC4-6F175D3DCCD1}">
+              <a14:hiddenFill xmlns:a14="http://schemas.microsoft.com/office/drawing/2010/main">
+                <a:solidFill>
+                  <a:srgbClr val="FFFFFF"/>
+                </a:solidFill>
+              </a14:hiddenFill>
+            </a:ext>
+          </a:extLst>
+        </p:spPr>
+      </p:pic>
     </p:spTree>
     <p:extLst>
       <p:ext uri="{BB962C8B-B14F-4D97-AF65-F5344CB8AC3E}">

--- a/hack.pptx
+++ b/hack.pptx
@@ -228,7 +228,7 @@
           <a:p>
             <a:fld id="{92AF2BF3-38B9-4576-A186-59C9937A76E8}" type="datetimeFigureOut">
               <a:rPr lang="ru-RU" smtClean="0"/>
-              <a:t>30.10.2021</a:t>
+              <a:t>31.10.2021</a:t>
             </a:fld>
             <a:endParaRPr lang="ru-RU"/>
           </a:p>
@@ -659,7 +659,7 @@
           <a:p>
             <a:fld id="{A4DBEC95-E47B-4F33-B53A-CDCCC0DCD705}" type="datetimeFigureOut">
               <a:rPr lang="ru-RU" smtClean="0"/>
-              <a:t>30.10.2021</a:t>
+              <a:t>31.10.2021</a:t>
             </a:fld>
             <a:endParaRPr lang="ru-RU"/>
           </a:p>
@@ -853,7 +853,7 @@
           <a:p>
             <a:fld id="{A4DBEC95-E47B-4F33-B53A-CDCCC0DCD705}" type="datetimeFigureOut">
               <a:rPr lang="ru-RU" smtClean="0"/>
-              <a:t>30.10.2021</a:t>
+              <a:t>31.10.2021</a:t>
             </a:fld>
             <a:endParaRPr lang="ru-RU"/>
           </a:p>
@@ -1037,7 +1037,7 @@
           <a:p>
             <a:fld id="{A4DBEC95-E47B-4F33-B53A-CDCCC0DCD705}" type="datetimeFigureOut">
               <a:rPr lang="ru-RU" smtClean="0"/>
-              <a:t>30.10.2021</a:t>
+              <a:t>31.10.2021</a:t>
             </a:fld>
             <a:endParaRPr lang="ru-RU"/>
           </a:p>
@@ -1298,7 +1298,7 @@
           <a:p>
             <a:fld id="{A4DBEC95-E47B-4F33-B53A-CDCCC0DCD705}" type="datetimeFigureOut">
               <a:rPr lang="ru-RU" smtClean="0"/>
-              <a:t>30.10.2021</a:t>
+              <a:t>31.10.2021</a:t>
             </a:fld>
             <a:endParaRPr lang="ru-RU"/>
           </a:p>
@@ -1599,7 +1599,7 @@
           <a:p>
             <a:fld id="{A4DBEC95-E47B-4F33-B53A-CDCCC0DCD705}" type="datetimeFigureOut">
               <a:rPr lang="ru-RU" smtClean="0"/>
-              <a:t>30.10.2021</a:t>
+              <a:t>31.10.2021</a:t>
             </a:fld>
             <a:endParaRPr lang="ru-RU"/>
           </a:p>
@@ -2034,7 +2034,7 @@
           <a:p>
             <a:fld id="{A4DBEC95-E47B-4F33-B53A-CDCCC0DCD705}" type="datetimeFigureOut">
               <a:rPr lang="ru-RU" smtClean="0"/>
-              <a:t>30.10.2021</a:t>
+              <a:t>31.10.2021</a:t>
             </a:fld>
             <a:endParaRPr lang="ru-RU"/>
           </a:p>
@@ -2167,7 +2167,7 @@
           <a:p>
             <a:fld id="{A4DBEC95-E47B-4F33-B53A-CDCCC0DCD705}" type="datetimeFigureOut">
               <a:rPr lang="ru-RU" smtClean="0"/>
-              <a:t>30.10.2021</a:t>
+              <a:t>31.10.2021</a:t>
             </a:fld>
             <a:endParaRPr lang="ru-RU"/>
           </a:p>
@@ -2278,7 +2278,7 @@
           <a:p>
             <a:fld id="{A4DBEC95-E47B-4F33-B53A-CDCCC0DCD705}" type="datetimeFigureOut">
               <a:rPr lang="ru-RU" smtClean="0"/>
-              <a:t>30.10.2021</a:t>
+              <a:t>31.10.2021</a:t>
             </a:fld>
             <a:endParaRPr lang="ru-RU"/>
           </a:p>
@@ -2569,7 +2569,7 @@
           <a:p>
             <a:fld id="{A4DBEC95-E47B-4F33-B53A-CDCCC0DCD705}" type="datetimeFigureOut">
               <a:rPr lang="ru-RU" smtClean="0"/>
-              <a:t>30.10.2021</a:t>
+              <a:t>31.10.2021</a:t>
             </a:fld>
             <a:endParaRPr lang="ru-RU"/>
           </a:p>
@@ -2840,7 +2840,7 @@
           <a:p>
             <a:fld id="{A4DBEC95-E47B-4F33-B53A-CDCCC0DCD705}" type="datetimeFigureOut">
               <a:rPr lang="ru-RU" smtClean="0"/>
-              <a:t>30.10.2021</a:t>
+              <a:t>31.10.2021</a:t>
             </a:fld>
             <a:endParaRPr lang="ru-RU"/>
           </a:p>
@@ -3108,7 +3108,7 @@
           <a:p>
             <a:fld id="{A4DBEC95-E47B-4F33-B53A-CDCCC0DCD705}" type="datetimeFigureOut">
               <a:rPr lang="ru-RU" smtClean="0"/>
-              <a:t>30.10.2021</a:t>
+              <a:t>31.10.2021</a:t>
             </a:fld>
             <a:endParaRPr lang="ru-RU"/>
           </a:p>
@@ -3811,10 +3811,10 @@
       </p:pic>
       <p:pic>
         <p:nvPicPr>
-          <p:cNvPr id="1032" name="Picture 8">
+          <p:cNvPr id="1034" name="Picture 10">
             <a:extLst>
               <a:ext uri="{FF2B5EF4-FFF2-40B4-BE49-F238E27FC236}">
-                <a16:creationId xmlns:a16="http://schemas.microsoft.com/office/drawing/2014/main" id="{ECB7D5E8-1128-4D1D-B732-B65708EA3727}"/>
+                <a16:creationId xmlns:a16="http://schemas.microsoft.com/office/drawing/2014/main" id="{F669656F-65B3-40AE-94D9-338E053FDACE}"/>
               </a:ext>
             </a:extLst>
           </p:cNvPr>
@@ -3838,8 +3838,8 @@
         </p:blipFill>
         <p:spPr bwMode="auto">
           <a:xfrm>
-            <a:off x="733127" y="1854731"/>
-            <a:ext cx="3523534" cy="1981988"/>
+            <a:off x="4887341" y="1859507"/>
+            <a:ext cx="3515043" cy="1977212"/>
           </a:xfrm>
           <a:prstGeom prst="rect">
             <a:avLst/>
@@ -3858,10 +3858,10 @@
       </p:pic>
       <p:pic>
         <p:nvPicPr>
-          <p:cNvPr id="1034" name="Picture 10">
+          <p:cNvPr id="3" name="Picture 2">
             <a:extLst>
               <a:ext uri="{FF2B5EF4-FFF2-40B4-BE49-F238E27FC236}">
-                <a16:creationId xmlns:a16="http://schemas.microsoft.com/office/drawing/2014/main" id="{F669656F-65B3-40AE-94D9-338E053FDACE}"/>
+                <a16:creationId xmlns:a16="http://schemas.microsoft.com/office/drawing/2014/main" id="{9DE814C5-2901-4474-B3B9-466AC4EE5FFB}"/>
               </a:ext>
             </a:extLst>
           </p:cNvPr>
@@ -3885,8 +3885,8 @@
         </p:blipFill>
         <p:spPr bwMode="auto">
           <a:xfrm>
-            <a:off x="4887341" y="1859507"/>
-            <a:ext cx="3515043" cy="1977212"/>
+            <a:off x="739550" y="1854731"/>
+            <a:ext cx="3523534" cy="1981988"/>
           </a:xfrm>
           <a:prstGeom prst="rect">
             <a:avLst/>
@@ -4210,7 +4210,7 @@
         <p:spPr>
           <a:xfrm>
             <a:off x="827584" y="2524752"/>
-            <a:ext cx="4040188" cy="2276294"/>
+            <a:ext cx="4040188" cy="3784568"/>
           </a:xfrm>
           <a:prstGeom prst="rect">
             <a:avLst/>
@@ -4410,149 +4410,48 @@
               <a:t>Pillow</a:t>
             </a:r>
           </a:p>
-        </p:txBody>
-      </p:sp>
-      <p:pic>
-        <p:nvPicPr>
-          <p:cNvPr id="1030" name="Picture 6">
-            <a:extLst>
-              <a:ext uri="{FF2B5EF4-FFF2-40B4-BE49-F238E27FC236}">
-                <a16:creationId xmlns:a16="http://schemas.microsoft.com/office/drawing/2014/main" id="{A7F12BD6-8091-4D21-B6C0-EAFCCA9CB7C0}"/>
-              </a:ext>
-            </a:extLst>
-          </p:cNvPr>
-          <p:cNvPicPr>
-            <a:picLocks noChangeAspect="1" noChangeArrowheads="1"/>
-          </p:cNvPicPr>
-          <p:nvPr/>
-        </p:nvPicPr>
-        <p:blipFill>
-          <a:blip r:embed="rId3" cstate="print">
-            <a:extLst>
-              <a:ext uri="{28A0092B-C50C-407E-A947-70E740481C1C}">
-                <a14:useLocalDpi xmlns:a14="http://schemas.microsoft.com/office/drawing/2010/main" val="0"/>
-              </a:ext>
-            </a:extLst>
-          </a:blip>
-          <a:srcRect/>
-          <a:stretch>
-            <a:fillRect/>
-          </a:stretch>
-        </p:blipFill>
-        <p:spPr bwMode="auto">
-          <a:xfrm>
-            <a:off x="7020929" y="2029408"/>
-            <a:ext cx="1866123" cy="1399592"/>
-          </a:xfrm>
-          <a:prstGeom prst="rect">
-            <a:avLst/>
-          </a:prstGeom>
-          <a:noFill/>
-          <a:extLst>
-            <a:ext uri="{909E8E84-426E-40DD-AFC4-6F175D3DCCD1}">
-              <a14:hiddenFill xmlns:a14="http://schemas.microsoft.com/office/drawing/2010/main">
-                <a:solidFill>
-                  <a:srgbClr val="FFFFFF"/>
-                </a:solidFill>
-              </a14:hiddenFill>
-            </a:ext>
-          </a:extLst>
-        </p:spPr>
-      </p:pic>
-      <p:pic>
-        <p:nvPicPr>
-          <p:cNvPr id="1040" name="Picture 16">
-            <a:extLst>
-              <a:ext uri="{FF2B5EF4-FFF2-40B4-BE49-F238E27FC236}">
-                <a16:creationId xmlns:a16="http://schemas.microsoft.com/office/drawing/2014/main" id="{9E66EE49-8CC3-4D0B-AE77-6F3E8A0EDF25}"/>
-              </a:ext>
-            </a:extLst>
-          </p:cNvPr>
-          <p:cNvPicPr>
-            <a:picLocks noChangeAspect="1" noChangeArrowheads="1"/>
-          </p:cNvPicPr>
-          <p:nvPr/>
-        </p:nvPicPr>
-        <p:blipFill>
-          <a:blip r:embed="rId4" cstate="print">
-            <a:extLst>
-              <a:ext uri="{28A0092B-C50C-407E-A947-70E740481C1C}">
-                <a14:useLocalDpi xmlns:a14="http://schemas.microsoft.com/office/drawing/2010/main" val="0"/>
-              </a:ext>
-            </a:extLst>
-          </a:blip>
-          <a:srcRect/>
-          <a:stretch>
-            <a:fillRect/>
-          </a:stretch>
-        </p:blipFill>
-        <p:spPr bwMode="auto">
-          <a:xfrm>
-            <a:off x="5501021" y="1968361"/>
-            <a:ext cx="1203283" cy="1487746"/>
-          </a:xfrm>
-          <a:prstGeom prst="rect">
-            <a:avLst/>
-          </a:prstGeom>
-          <a:noFill/>
-          <a:extLst>
-            <a:ext uri="{909E8E84-426E-40DD-AFC4-6F175D3DCCD1}">
-              <a14:hiddenFill xmlns:a14="http://schemas.microsoft.com/office/drawing/2010/main">
-                <a:solidFill>
-                  <a:srgbClr val="FFFFFF"/>
-                </a:solidFill>
-              </a14:hiddenFill>
-            </a:ext>
-          </a:extLst>
-        </p:spPr>
-      </p:pic>
-      <p:pic>
-        <p:nvPicPr>
-          <p:cNvPr id="1042" name="Picture 18">
-            <a:extLst>
-              <a:ext uri="{FF2B5EF4-FFF2-40B4-BE49-F238E27FC236}">
-                <a16:creationId xmlns:a16="http://schemas.microsoft.com/office/drawing/2014/main" id="{E569CEEC-05A8-4A7B-952F-3AA111F703B2}"/>
-              </a:ext>
-            </a:extLst>
-          </p:cNvPr>
-          <p:cNvPicPr>
-            <a:picLocks noChangeAspect="1" noChangeArrowheads="1"/>
-          </p:cNvPicPr>
-          <p:nvPr/>
-        </p:nvPicPr>
-        <p:blipFill>
-          <a:blip r:embed="rId5" cstate="print">
-            <a:extLst>
-              <a:ext uri="{28A0092B-C50C-407E-A947-70E740481C1C}">
-                <a14:useLocalDpi xmlns:a14="http://schemas.microsoft.com/office/drawing/2010/main" val="0"/>
-              </a:ext>
-            </a:extLst>
-          </a:blip>
-          <a:srcRect/>
-          <a:stretch>
-            <a:fillRect/>
-          </a:stretch>
-        </p:blipFill>
-        <p:spPr bwMode="auto">
-          <a:xfrm>
-            <a:off x="5292079" y="3721619"/>
-            <a:ext cx="3594973" cy="1780635"/>
-          </a:xfrm>
-          <a:prstGeom prst="rect">
-            <a:avLst/>
-          </a:prstGeom>
-          <a:noFill/>
-          <a:extLst>
-            <a:ext uri="{909E8E84-426E-40DD-AFC4-6F175D3DCCD1}">
-              <a14:hiddenFill xmlns:a14="http://schemas.microsoft.com/office/drawing/2010/main">
-                <a:solidFill>
-                  <a:srgbClr val="FFFFFF"/>
-                </a:solidFill>
-              </a14:hiddenFill>
-            </a:ext>
-          </a:extLst>
-        </p:spPr>
-      </p:pic>
+          <a:p>
+            <a:r>
+              <a:rPr lang="en-US" dirty="0" err="1">
+                <a:solidFill>
+                  <a:schemeClr val="bg1">
+                    <a:lumMod val="95000"/>
+                  </a:schemeClr>
+                </a:solidFill>
+              </a:rPr>
+              <a:t>Keras</a:t>
+            </a:r>
+            <a:endParaRPr lang="en-US" dirty="0">
+              <a:solidFill>
+                <a:schemeClr val="bg1">
+                  <a:lumMod val="95000"/>
+                </a:schemeClr>
+              </a:solidFill>
+            </a:endParaRPr>
+          </a:p>
+          <a:p>
+            <a:r>
+              <a:rPr lang="en-US" dirty="0">
+                <a:solidFill>
+                  <a:schemeClr val="bg1">
+                    <a:lumMod val="95000"/>
+                  </a:schemeClr>
+                </a:solidFill>
+              </a:rPr>
+              <a:t>TF</a:t>
+            </a:r>
+          </a:p>
+          <a:p>
+            <a:endParaRPr lang="en-US" dirty="0">
+              <a:solidFill>
+                <a:schemeClr val="bg1">
+                  <a:lumMod val="95000"/>
+                </a:schemeClr>
+              </a:solidFill>
+            </a:endParaRPr>
+          </a:p>
+        </p:txBody>
+      </p:sp>
     </p:spTree>
     <p:extLst>
       <p:ext uri="{BB962C8B-B14F-4D97-AF65-F5344CB8AC3E}">

--- a/hack.pptx
+++ b/hack.pptx
@@ -3885,7 +3885,7 @@
         </p:blipFill>
         <p:spPr bwMode="auto">
           <a:xfrm>
-            <a:off x="739550" y="1854731"/>
+            <a:off x="739550" y="1859507"/>
             <a:ext cx="3523534" cy="1981988"/>
           </a:xfrm>
           <a:prstGeom prst="rect">

--- a/hack.pptx
+++ b/hack.pptx
@@ -3519,22 +3519,24 @@
           </a:xfrm>
         </p:spPr>
         <p:txBody>
-          <a:bodyPr/>
+          <a:bodyPr>
+            <a:normAutofit/>
+          </a:bodyPr>
           <a:lstStyle/>
           <a:p>
             <a:r>
-              <a:rPr lang="ru-RU" dirty="0" err="1"/>
+              <a:rPr lang="ru-RU" sz="2800" dirty="0" err="1"/>
               <a:t>Хакатон</a:t>
             </a:r>
             <a:r>
-              <a:rPr lang="ru-RU" dirty="0"/>
+              <a:rPr lang="ru-RU" sz="2800" dirty="0"/>
               <a:t> </a:t>
             </a:r>
             <a:r>
-              <a:rPr lang="ru-RU" dirty="0" err="1"/>
+              <a:rPr lang="ru-RU" sz="2800" dirty="0" err="1"/>
               <a:t>Экодрон</a:t>
             </a:r>
-            <a:endParaRPr lang="ru-RU" dirty="0"/>
+            <a:endParaRPr lang="ru-RU" sz="2800" dirty="0"/>
           </a:p>
         </p:txBody>
       </p:sp>

--- a/hack.pptx
+++ b/hack.pptx
@@ -4,8 +4,11 @@
   <p:sldMasterIdLst>
     <p:sldMasterId id="2147483648" r:id="rId1"/>
   </p:sldMasterIdLst>
+  <p:notesMasterIdLst>
+    <p:notesMasterId r:id="rId8"/>
+  </p:notesMasterIdLst>
   <p:handoutMasterIdLst>
-    <p:handoutMasterId r:id="rId8"/>
+    <p:handoutMasterId r:id="rId9"/>
   </p:handoutMasterIdLst>
   <p:sldIdLst>
     <p:sldId id="256" r:id="rId2"/>
@@ -321,6 +324,439 @@
   </p:cSld>
   <p:clrMap bg1="lt1" tx1="dk1" bg2="lt2" tx2="dk2" accent1="accent1" accent2="accent2" accent3="accent3" accent4="accent4" accent5="accent5" accent6="accent6" hlink="hlink" folHlink="folHlink"/>
 </p:handoutMaster>
+</file>
+
+<file path=ppt/notesMasters/notesMaster1.xml><?xml version="1.0" encoding="utf-8"?>
+<p:notesMaster xmlns:a="http://schemas.openxmlformats.org/drawingml/2006/main" xmlns:r="http://schemas.openxmlformats.org/officeDocument/2006/relationships" xmlns:p="http://schemas.openxmlformats.org/presentationml/2006/main">
+  <p:cSld>
+    <p:bg>
+      <p:bgRef idx="1001">
+        <a:schemeClr val="bg1"/>
+      </p:bgRef>
+    </p:bg>
+    <p:spTree>
+      <p:nvGrpSpPr>
+        <p:cNvPr id="1" name=""/>
+        <p:cNvGrpSpPr/>
+        <p:nvPr/>
+      </p:nvGrpSpPr>
+      <p:grpSpPr>
+        <a:xfrm>
+          <a:off x="0" y="0"/>
+          <a:ext cx="0" cy="0"/>
+          <a:chOff x="0" y="0"/>
+          <a:chExt cx="0" cy="0"/>
+        </a:xfrm>
+      </p:grpSpPr>
+      <p:sp>
+        <p:nvSpPr>
+          <p:cNvPr id="2" name="Верхний колонтитул 1"/>
+          <p:cNvSpPr>
+            <a:spLocks noGrp="1"/>
+          </p:cNvSpPr>
+          <p:nvPr>
+            <p:ph type="hdr" sz="quarter"/>
+          </p:nvPr>
+        </p:nvSpPr>
+        <p:spPr>
+          <a:xfrm>
+            <a:off x="0" y="0"/>
+            <a:ext cx="2971800" cy="458788"/>
+          </a:xfrm>
+          <a:prstGeom prst="rect">
+            <a:avLst/>
+          </a:prstGeom>
+        </p:spPr>
+        <p:txBody>
+          <a:bodyPr vert="horz" lIns="91440" tIns="45720" rIns="91440" bIns="45720" rtlCol="0"/>
+          <a:lstStyle>
+            <a:lvl1pPr algn="l">
+              <a:defRPr sz="1200"/>
+            </a:lvl1pPr>
+          </a:lstStyle>
+          <a:p>
+            <a:endParaRPr lang="ru-RU"/>
+          </a:p>
+        </p:txBody>
+      </p:sp>
+      <p:sp>
+        <p:nvSpPr>
+          <p:cNvPr id="3" name="Дата 2"/>
+          <p:cNvSpPr>
+            <a:spLocks noGrp="1"/>
+          </p:cNvSpPr>
+          <p:nvPr>
+            <p:ph type="dt" idx="1"/>
+          </p:nvPr>
+        </p:nvSpPr>
+        <p:spPr>
+          <a:xfrm>
+            <a:off x="3884613" y="0"/>
+            <a:ext cx="2971800" cy="458788"/>
+          </a:xfrm>
+          <a:prstGeom prst="rect">
+            <a:avLst/>
+          </a:prstGeom>
+        </p:spPr>
+        <p:txBody>
+          <a:bodyPr vert="horz" lIns="91440" tIns="45720" rIns="91440" bIns="45720" rtlCol="0"/>
+          <a:lstStyle>
+            <a:lvl1pPr algn="r">
+              <a:defRPr sz="1200"/>
+            </a:lvl1pPr>
+          </a:lstStyle>
+          <a:p>
+            <a:fld id="{263B5A61-2ACA-4118-A552-0E13AA9319A1}" type="datetimeFigureOut">
+              <a:rPr lang="ru-RU" smtClean="0"/>
+              <a:t>31.10.2021</a:t>
+            </a:fld>
+            <a:endParaRPr lang="ru-RU"/>
+          </a:p>
+        </p:txBody>
+      </p:sp>
+      <p:sp>
+        <p:nvSpPr>
+          <p:cNvPr id="4" name="Образ слайда 3"/>
+          <p:cNvSpPr>
+            <a:spLocks noGrp="1" noRot="1" noChangeAspect="1"/>
+          </p:cNvSpPr>
+          <p:nvPr>
+            <p:ph type="sldImg" idx="2"/>
+          </p:nvPr>
+        </p:nvSpPr>
+        <p:spPr>
+          <a:xfrm>
+            <a:off x="1371600" y="1143000"/>
+            <a:ext cx="4114800" cy="3086100"/>
+          </a:xfrm>
+          <a:prstGeom prst="rect">
+            <a:avLst/>
+          </a:prstGeom>
+          <a:noFill/>
+          <a:ln w="12700">
+            <a:solidFill>
+              <a:prstClr val="black"/>
+            </a:solidFill>
+          </a:ln>
+        </p:spPr>
+        <p:txBody>
+          <a:bodyPr vert="horz" lIns="91440" tIns="45720" rIns="91440" bIns="45720" rtlCol="0" anchor="ctr"/>
+          <a:lstStyle/>
+          <a:p>
+            <a:endParaRPr lang="ru-RU"/>
+          </a:p>
+        </p:txBody>
+      </p:sp>
+      <p:sp>
+        <p:nvSpPr>
+          <p:cNvPr id="5" name="Заметки 4"/>
+          <p:cNvSpPr>
+            <a:spLocks noGrp="1"/>
+          </p:cNvSpPr>
+          <p:nvPr>
+            <p:ph type="body" sz="quarter" idx="3"/>
+          </p:nvPr>
+        </p:nvSpPr>
+        <p:spPr>
+          <a:xfrm>
+            <a:off x="685800" y="4400550"/>
+            <a:ext cx="5486400" cy="3600450"/>
+          </a:xfrm>
+          <a:prstGeom prst="rect">
+            <a:avLst/>
+          </a:prstGeom>
+        </p:spPr>
+        <p:txBody>
+          <a:bodyPr vert="horz" lIns="91440" tIns="45720" rIns="91440" bIns="45720" rtlCol="0"/>
+          <a:lstStyle/>
+          <a:p>
+            <a:pPr lvl="0"/>
+            <a:r>
+              <a:rPr lang="ru-RU"/>
+              <a:t>Образец текста</a:t>
+            </a:r>
+          </a:p>
+          <a:p>
+            <a:pPr lvl="1"/>
+            <a:r>
+              <a:rPr lang="ru-RU"/>
+              <a:t>Второй уровень</a:t>
+            </a:r>
+          </a:p>
+          <a:p>
+            <a:pPr lvl="2"/>
+            <a:r>
+              <a:rPr lang="ru-RU"/>
+              <a:t>Третий уровень</a:t>
+            </a:r>
+          </a:p>
+          <a:p>
+            <a:pPr lvl="3"/>
+            <a:r>
+              <a:rPr lang="ru-RU"/>
+              <a:t>Четвертый уровень</a:t>
+            </a:r>
+          </a:p>
+          <a:p>
+            <a:pPr lvl="4"/>
+            <a:r>
+              <a:rPr lang="ru-RU"/>
+              <a:t>Пятый уровень</a:t>
+            </a:r>
+          </a:p>
+        </p:txBody>
+      </p:sp>
+      <p:sp>
+        <p:nvSpPr>
+          <p:cNvPr id="6" name="Нижний колонтитул 5"/>
+          <p:cNvSpPr>
+            <a:spLocks noGrp="1"/>
+          </p:cNvSpPr>
+          <p:nvPr>
+            <p:ph type="ftr" sz="quarter" idx="4"/>
+          </p:nvPr>
+        </p:nvSpPr>
+        <p:spPr>
+          <a:xfrm>
+            <a:off x="0" y="8685213"/>
+            <a:ext cx="2971800" cy="458787"/>
+          </a:xfrm>
+          <a:prstGeom prst="rect">
+            <a:avLst/>
+          </a:prstGeom>
+        </p:spPr>
+        <p:txBody>
+          <a:bodyPr vert="horz" lIns="91440" tIns="45720" rIns="91440" bIns="45720" rtlCol="0" anchor="b"/>
+          <a:lstStyle>
+            <a:lvl1pPr algn="l">
+              <a:defRPr sz="1200"/>
+            </a:lvl1pPr>
+          </a:lstStyle>
+          <a:p>
+            <a:endParaRPr lang="ru-RU"/>
+          </a:p>
+        </p:txBody>
+      </p:sp>
+      <p:sp>
+        <p:nvSpPr>
+          <p:cNvPr id="7" name="Номер слайда 6"/>
+          <p:cNvSpPr>
+            <a:spLocks noGrp="1"/>
+          </p:cNvSpPr>
+          <p:nvPr>
+            <p:ph type="sldNum" sz="quarter" idx="5"/>
+          </p:nvPr>
+        </p:nvSpPr>
+        <p:spPr>
+          <a:xfrm>
+            <a:off x="3884613" y="8685213"/>
+            <a:ext cx="2971800" cy="458787"/>
+          </a:xfrm>
+          <a:prstGeom prst="rect">
+            <a:avLst/>
+          </a:prstGeom>
+        </p:spPr>
+        <p:txBody>
+          <a:bodyPr vert="horz" lIns="91440" tIns="45720" rIns="91440" bIns="45720" rtlCol="0" anchor="b"/>
+          <a:lstStyle>
+            <a:lvl1pPr algn="r">
+              <a:defRPr sz="1200"/>
+            </a:lvl1pPr>
+          </a:lstStyle>
+          <a:p>
+            <a:fld id="{BC3E2E38-7EDF-450B-942A-1E8FA4547406}" type="slidenum">
+              <a:rPr lang="ru-RU" smtClean="0"/>
+              <a:t>‹#›</a:t>
+            </a:fld>
+            <a:endParaRPr lang="ru-RU"/>
+          </a:p>
+        </p:txBody>
+      </p:sp>
+    </p:spTree>
+    <p:extLst>
+      <p:ext uri="{BB962C8B-B14F-4D97-AF65-F5344CB8AC3E}">
+        <p14:creationId xmlns:p14="http://schemas.microsoft.com/office/powerpoint/2010/main" val="1873879541"/>
+      </p:ext>
+    </p:extLst>
+  </p:cSld>
+  <p:clrMap bg1="lt1" tx1="dk1" bg2="lt2" tx2="dk2" accent1="accent1" accent2="accent2" accent3="accent3" accent4="accent4" accent5="accent5" accent6="accent6" hlink="hlink" folHlink="folHlink"/>
+  <p:notesStyle>
+    <a:lvl1pPr marL="0" algn="l" defTabSz="914400" rtl="0" eaLnBrk="1" latinLnBrk="0" hangingPunct="1">
+      <a:defRPr sz="1200" kern="1200">
+        <a:solidFill>
+          <a:schemeClr val="tx1"/>
+        </a:solidFill>
+        <a:latin typeface="+mn-lt"/>
+        <a:ea typeface="+mn-ea"/>
+        <a:cs typeface="+mn-cs"/>
+      </a:defRPr>
+    </a:lvl1pPr>
+    <a:lvl2pPr marL="457200" algn="l" defTabSz="914400" rtl="0" eaLnBrk="1" latinLnBrk="0" hangingPunct="1">
+      <a:defRPr sz="1200" kern="1200">
+        <a:solidFill>
+          <a:schemeClr val="tx1"/>
+        </a:solidFill>
+        <a:latin typeface="+mn-lt"/>
+        <a:ea typeface="+mn-ea"/>
+        <a:cs typeface="+mn-cs"/>
+      </a:defRPr>
+    </a:lvl2pPr>
+    <a:lvl3pPr marL="914400" algn="l" defTabSz="914400" rtl="0" eaLnBrk="1" latinLnBrk="0" hangingPunct="1">
+      <a:defRPr sz="1200" kern="1200">
+        <a:solidFill>
+          <a:schemeClr val="tx1"/>
+        </a:solidFill>
+        <a:latin typeface="+mn-lt"/>
+        <a:ea typeface="+mn-ea"/>
+        <a:cs typeface="+mn-cs"/>
+      </a:defRPr>
+    </a:lvl3pPr>
+    <a:lvl4pPr marL="1371600" algn="l" defTabSz="914400" rtl="0" eaLnBrk="1" latinLnBrk="0" hangingPunct="1">
+      <a:defRPr sz="1200" kern="1200">
+        <a:solidFill>
+          <a:schemeClr val="tx1"/>
+        </a:solidFill>
+        <a:latin typeface="+mn-lt"/>
+        <a:ea typeface="+mn-ea"/>
+        <a:cs typeface="+mn-cs"/>
+      </a:defRPr>
+    </a:lvl4pPr>
+    <a:lvl5pPr marL="1828800" algn="l" defTabSz="914400" rtl="0" eaLnBrk="1" latinLnBrk="0" hangingPunct="1">
+      <a:defRPr sz="1200" kern="1200">
+        <a:solidFill>
+          <a:schemeClr val="tx1"/>
+        </a:solidFill>
+        <a:latin typeface="+mn-lt"/>
+        <a:ea typeface="+mn-ea"/>
+        <a:cs typeface="+mn-cs"/>
+      </a:defRPr>
+    </a:lvl5pPr>
+    <a:lvl6pPr marL="2286000" algn="l" defTabSz="914400" rtl="0" eaLnBrk="1" latinLnBrk="0" hangingPunct="1">
+      <a:defRPr sz="1200" kern="1200">
+        <a:solidFill>
+          <a:schemeClr val="tx1"/>
+        </a:solidFill>
+        <a:latin typeface="+mn-lt"/>
+        <a:ea typeface="+mn-ea"/>
+        <a:cs typeface="+mn-cs"/>
+      </a:defRPr>
+    </a:lvl6pPr>
+    <a:lvl7pPr marL="2743200" algn="l" defTabSz="914400" rtl="0" eaLnBrk="1" latinLnBrk="0" hangingPunct="1">
+      <a:defRPr sz="1200" kern="1200">
+        <a:solidFill>
+          <a:schemeClr val="tx1"/>
+        </a:solidFill>
+        <a:latin typeface="+mn-lt"/>
+        <a:ea typeface="+mn-ea"/>
+        <a:cs typeface="+mn-cs"/>
+      </a:defRPr>
+    </a:lvl7pPr>
+    <a:lvl8pPr marL="3200400" algn="l" defTabSz="914400" rtl="0" eaLnBrk="1" latinLnBrk="0" hangingPunct="1">
+      <a:defRPr sz="1200" kern="1200">
+        <a:solidFill>
+          <a:schemeClr val="tx1"/>
+        </a:solidFill>
+        <a:latin typeface="+mn-lt"/>
+        <a:ea typeface="+mn-ea"/>
+        <a:cs typeface="+mn-cs"/>
+      </a:defRPr>
+    </a:lvl8pPr>
+    <a:lvl9pPr marL="3657600" algn="l" defTabSz="914400" rtl="0" eaLnBrk="1" latinLnBrk="0" hangingPunct="1">
+      <a:defRPr sz="1200" kern="1200">
+        <a:solidFill>
+          <a:schemeClr val="tx1"/>
+        </a:solidFill>
+        <a:latin typeface="+mn-lt"/>
+        <a:ea typeface="+mn-ea"/>
+        <a:cs typeface="+mn-cs"/>
+      </a:defRPr>
+    </a:lvl9pPr>
+  </p:notesStyle>
+</p:notesMaster>
+</file>
+
+<file path=ppt/notesSlides/notesSlide1.xml><?xml version="1.0" encoding="utf-8"?>
+<p:notes xmlns:a="http://schemas.openxmlformats.org/drawingml/2006/main" xmlns:r="http://schemas.openxmlformats.org/officeDocument/2006/relationships" xmlns:p="http://schemas.openxmlformats.org/presentationml/2006/main">
+  <p:cSld>
+    <p:spTree>
+      <p:nvGrpSpPr>
+        <p:cNvPr id="1" name=""/>
+        <p:cNvGrpSpPr/>
+        <p:nvPr/>
+      </p:nvGrpSpPr>
+      <p:grpSpPr>
+        <a:xfrm>
+          <a:off x="0" y="0"/>
+          <a:ext cx="0" cy="0"/>
+          <a:chOff x="0" y="0"/>
+          <a:chExt cx="0" cy="0"/>
+        </a:xfrm>
+      </p:grpSpPr>
+      <p:sp>
+        <p:nvSpPr>
+          <p:cNvPr id="2" name="Образ слайда 1"/>
+          <p:cNvSpPr>
+            <a:spLocks noGrp="1" noRot="1" noChangeAspect="1"/>
+          </p:cNvSpPr>
+          <p:nvPr>
+            <p:ph type="sldImg"/>
+          </p:nvPr>
+        </p:nvSpPr>
+        <p:spPr/>
+      </p:sp>
+      <p:sp>
+        <p:nvSpPr>
+          <p:cNvPr id="3" name="Заметки 2"/>
+          <p:cNvSpPr>
+            <a:spLocks noGrp="1"/>
+          </p:cNvSpPr>
+          <p:nvPr>
+            <p:ph type="body" idx="1"/>
+          </p:nvPr>
+        </p:nvSpPr>
+        <p:spPr/>
+        <p:txBody>
+          <a:bodyPr/>
+          <a:lstStyle/>
+          <a:p>
+            <a:endParaRPr lang="ru-RU" dirty="0"/>
+          </a:p>
+        </p:txBody>
+      </p:sp>
+      <p:sp>
+        <p:nvSpPr>
+          <p:cNvPr id="4" name="Номер слайда 3"/>
+          <p:cNvSpPr>
+            <a:spLocks noGrp="1"/>
+          </p:cNvSpPr>
+          <p:nvPr>
+            <p:ph type="sldNum" sz="quarter" idx="5"/>
+          </p:nvPr>
+        </p:nvSpPr>
+        <p:spPr/>
+        <p:txBody>
+          <a:bodyPr/>
+          <a:lstStyle/>
+          <a:p>
+            <a:fld id="{BC3E2E38-7EDF-450B-942A-1E8FA4547406}" type="slidenum">
+              <a:rPr lang="ru-RU" smtClean="0"/>
+              <a:t>2</a:t>
+            </a:fld>
+            <a:endParaRPr lang="ru-RU"/>
+          </a:p>
+        </p:txBody>
+      </p:sp>
+    </p:spTree>
+    <p:extLst>
+      <p:ext uri="{BB962C8B-B14F-4D97-AF65-F5344CB8AC3E}">
+        <p14:creationId xmlns:p14="http://schemas.microsoft.com/office/powerpoint/2010/main" val="3180854944"/>
+      </p:ext>
+    </p:extLst>
+  </p:cSld>
+  <p:clrMapOvr>
+    <a:masterClrMapping/>
+  </p:clrMapOvr>
+</p:notes>
 </file>
 
 <file path=ppt/slideLayouts/slideLayout1.xml><?xml version="1.0" encoding="utf-8"?>
@@ -3487,7 +3923,7 @@
             <a:r>
               <a:rPr lang="en-US" sz="8000" b="1" dirty="0" err="1">
                 <a:solidFill>
-                  <a:srgbClr val="DA0000"/>
+                  <a:srgbClr val="FF0000"/>
                 </a:solidFill>
                 <a:latin typeface="Chiller" panose="04020404031007020602" pitchFamily="82" charset="0"/>
               </a:rPr>
@@ -3495,7 +3931,7 @@
             </a:r>
             <a:endParaRPr lang="ru-RU" sz="8000" b="1" dirty="0">
               <a:solidFill>
-                <a:srgbClr val="DA0000"/>
+                <a:srgbClr val="FF0000"/>
               </a:solidFill>
               <a:latin typeface="Comic Sans MS" panose="030F0702030302020204" pitchFamily="66" charset="0"/>
             </a:endParaRPr>
@@ -3542,10 +3978,10 @@
       </p:sp>
       <p:pic>
         <p:nvPicPr>
-          <p:cNvPr id="7" name="Рисунок 6">
+          <p:cNvPr id="9" name="Рисунок 8">
             <a:extLst>
               <a:ext uri="{FF2B5EF4-FFF2-40B4-BE49-F238E27FC236}">
-                <a16:creationId xmlns:a16="http://schemas.microsoft.com/office/drawing/2014/main" id="{4B014F31-41A0-4C59-8211-D757CCAC07F6}"/>
+                <a16:creationId xmlns:a16="http://schemas.microsoft.com/office/drawing/2014/main" id="{8A90A737-5C4F-4144-95A9-D057EE3D933D}"/>
               </a:ext>
             </a:extLst>
           </p:cNvPr>
@@ -3568,8 +4004,8 @@
         </p:blipFill>
         <p:spPr>
           <a:xfrm>
-            <a:off x="6588224" y="927908"/>
-            <a:ext cx="700892" cy="700892"/>
+            <a:off x="6660232" y="326459"/>
+            <a:ext cx="1335734" cy="700893"/>
           </a:xfrm>
           <a:prstGeom prst="rect">
             <a:avLst/>
@@ -3578,15 +4014,15 @@
       </p:pic>
       <p:pic>
         <p:nvPicPr>
-          <p:cNvPr id="9" name="Рисунок 8">
+          <p:cNvPr id="6" name="Picture 2" descr="ITMO Design System">
             <a:extLst>
               <a:ext uri="{FF2B5EF4-FFF2-40B4-BE49-F238E27FC236}">
-                <a16:creationId xmlns:a16="http://schemas.microsoft.com/office/drawing/2014/main" id="{8A90A737-5C4F-4144-95A9-D057EE3D933D}"/>
+                <a16:creationId xmlns:a16="http://schemas.microsoft.com/office/drawing/2014/main" id="{6311A8D1-3463-4166-97D0-A22D1F25F77C}"/>
               </a:ext>
             </a:extLst>
           </p:cNvPr>
           <p:cNvPicPr>
-            <a:picLocks noChangeAspect="1"/>
+            <a:picLocks noChangeAspect="1" noChangeArrowheads="1"/>
           </p:cNvPicPr>
           <p:nvPr/>
         </p:nvPicPr>
@@ -3602,14 +4038,70 @@
             <a:fillRect/>
           </a:stretch>
         </p:blipFill>
-        <p:spPr>
-          <a:xfrm>
-            <a:off x="7556746" y="927907"/>
-            <a:ext cx="1335734" cy="700893"/>
+        <p:spPr bwMode="auto">
+          <a:xfrm>
+            <a:off x="5004048" y="326459"/>
+            <a:ext cx="1507143" cy="648072"/>
           </a:xfrm>
           <a:prstGeom prst="rect">
             <a:avLst/>
           </a:prstGeom>
+          <a:noFill/>
+          <a:extLst>
+            <a:ext uri="{909E8E84-426E-40DD-AFC4-6F175D3DCCD1}">
+              <a14:hiddenFill xmlns:a14="http://schemas.microsoft.com/office/drawing/2010/main">
+                <a:solidFill>
+                  <a:srgbClr val="FFFFFF"/>
+                </a:solidFill>
+              </a14:hiddenFill>
+            </a:ext>
+          </a:extLst>
+        </p:spPr>
+      </p:pic>
+      <p:pic>
+        <p:nvPicPr>
+          <p:cNvPr id="8" name="Рисунок 7" descr="Изображение выглядит как цепь&#10;&#10;Автоматически созданное описание">
+            <a:extLst>
+              <a:ext uri="{FF2B5EF4-FFF2-40B4-BE49-F238E27FC236}">
+                <a16:creationId xmlns:a16="http://schemas.microsoft.com/office/drawing/2014/main" id="{9D793702-5CD9-479C-A7D9-3A5B3B1B8A75}"/>
+              </a:ext>
+            </a:extLst>
+          </p:cNvPr>
+          <p:cNvPicPr>
+            <a:picLocks noChangeAspect="1"/>
+          </p:cNvPicPr>
+          <p:nvPr/>
+        </p:nvPicPr>
+        <p:blipFill>
+          <a:blip r:embed="rId4" cstate="print">
+            <a:extLst>
+              <a:ext uri="{28A0092B-C50C-407E-A947-70E740481C1C}">
+                <a14:useLocalDpi xmlns:a14="http://schemas.microsoft.com/office/drawing/2010/main" val="0"/>
+              </a:ext>
+            </a:extLst>
+          </a:blip>
+          <a:stretch>
+            <a:fillRect/>
+          </a:stretch>
+        </p:blipFill>
+        <p:spPr>
+          <a:xfrm>
+            <a:off x="8197784" y="332656"/>
+            <a:ext cx="694696" cy="694696"/>
+          </a:xfrm>
+          <a:prstGeom prst="rect">
+            <a:avLst/>
+          </a:prstGeom>
+          <a:ln>
+            <a:noFill/>
+          </a:ln>
+          <a:effectLst>
+            <a:outerShdw blurRad="292100" dist="139700" dir="2700000" algn="tl" rotWithShape="0">
+              <a:srgbClr val="333333">
+                <a:alpha val="65000"/>
+              </a:srgbClr>
+            </a:outerShdw>
+          </a:effectLst>
         </p:spPr>
       </p:pic>
     </p:spTree>
@@ -3651,7 +4143,7 @@
           <p:nvPr/>
         </p:nvPicPr>
         <p:blipFill>
-          <a:blip r:embed="rId2">
+          <a:blip r:embed="rId3">
             <a:extLst>
               <a:ext uri="{28A0092B-C50C-407E-A947-70E740481C1C}">
                 <a14:useLocalDpi xmlns:a14="http://schemas.microsoft.com/office/drawing/2010/main" val="0"/>
@@ -3696,7 +4188,7 @@
         <p:spPr>
           <a:xfrm>
             <a:off x="2627784" y="260648"/>
-            <a:ext cx="6059016" cy="792088"/>
+            <a:ext cx="5472608" cy="792088"/>
           </a:xfrm>
         </p:spPr>
         <p:txBody>
@@ -3723,53 +4215,6 @@
             <a:extLst>
               <a:ext uri="{FF2B5EF4-FFF2-40B4-BE49-F238E27FC236}">
                 <a16:creationId xmlns:a16="http://schemas.microsoft.com/office/drawing/2014/main" id="{623DAB48-237C-4BA4-8803-E222B85D297E}"/>
-              </a:ext>
-            </a:extLst>
-          </p:cNvPr>
-          <p:cNvPicPr>
-            <a:picLocks noChangeAspect="1" noChangeArrowheads="1"/>
-          </p:cNvPicPr>
-          <p:nvPr/>
-        </p:nvPicPr>
-        <p:blipFill>
-          <a:blip r:embed="rId3" cstate="print">
-            <a:extLst>
-              <a:ext uri="{28A0092B-C50C-407E-A947-70E740481C1C}">
-                <a14:useLocalDpi xmlns:a14="http://schemas.microsoft.com/office/drawing/2010/main" val="0"/>
-              </a:ext>
-            </a:extLst>
-          </a:blip>
-          <a:srcRect/>
-          <a:stretch>
-            <a:fillRect/>
-          </a:stretch>
-        </p:blipFill>
-        <p:spPr bwMode="auto">
-          <a:xfrm>
-            <a:off x="4888550" y="4437112"/>
-            <a:ext cx="3523534" cy="1981988"/>
-          </a:xfrm>
-          <a:prstGeom prst="rect">
-            <a:avLst/>
-          </a:prstGeom>
-          <a:noFill/>
-          <a:extLst>
-            <a:ext uri="{909E8E84-426E-40DD-AFC4-6F175D3DCCD1}">
-              <a14:hiddenFill xmlns:a14="http://schemas.microsoft.com/office/drawing/2010/main">
-                <a:solidFill>
-                  <a:srgbClr val="FFFFFF"/>
-                </a:solidFill>
-              </a14:hiddenFill>
-            </a:ext>
-          </a:extLst>
-        </p:spPr>
-      </p:pic>
-      <p:pic>
-        <p:nvPicPr>
-          <p:cNvPr id="1030" name="Picture 6">
-            <a:extLst>
-              <a:ext uri="{FF2B5EF4-FFF2-40B4-BE49-F238E27FC236}">
-                <a16:creationId xmlns:a16="http://schemas.microsoft.com/office/drawing/2014/main" id="{A2A1828C-DE44-49FC-A54A-EFDBA9F85A4E}"/>
               </a:ext>
             </a:extLst>
           </p:cNvPr>
@@ -3793,7 +4238,7 @@
         </p:blipFill>
         <p:spPr bwMode="auto">
           <a:xfrm>
-            <a:off x="739550" y="4437112"/>
+            <a:off x="4888550" y="4437112"/>
             <a:ext cx="3523534" cy="1981988"/>
           </a:xfrm>
           <a:prstGeom prst="rect">
@@ -3813,10 +4258,10 @@
       </p:pic>
       <p:pic>
         <p:nvPicPr>
-          <p:cNvPr id="1034" name="Picture 10">
+          <p:cNvPr id="1030" name="Picture 6">
             <a:extLst>
               <a:ext uri="{FF2B5EF4-FFF2-40B4-BE49-F238E27FC236}">
-                <a16:creationId xmlns:a16="http://schemas.microsoft.com/office/drawing/2014/main" id="{F669656F-65B3-40AE-94D9-338E053FDACE}"/>
+                <a16:creationId xmlns:a16="http://schemas.microsoft.com/office/drawing/2014/main" id="{A2A1828C-DE44-49FC-A54A-EFDBA9F85A4E}"/>
               </a:ext>
             </a:extLst>
           </p:cNvPr>
@@ -3840,8 +4285,8 @@
         </p:blipFill>
         <p:spPr bwMode="auto">
           <a:xfrm>
-            <a:off x="4887341" y="1859507"/>
-            <a:ext cx="3515043" cy="1977212"/>
+            <a:off x="739550" y="4437112"/>
+            <a:ext cx="3523534" cy="1981988"/>
           </a:xfrm>
           <a:prstGeom prst="rect">
             <a:avLst/>
@@ -3860,10 +4305,10 @@
       </p:pic>
       <p:pic>
         <p:nvPicPr>
-          <p:cNvPr id="3" name="Picture 2">
+          <p:cNvPr id="1034" name="Picture 10">
             <a:extLst>
               <a:ext uri="{FF2B5EF4-FFF2-40B4-BE49-F238E27FC236}">
-                <a16:creationId xmlns:a16="http://schemas.microsoft.com/office/drawing/2014/main" id="{9DE814C5-2901-4474-B3B9-466AC4EE5FFB}"/>
+                <a16:creationId xmlns:a16="http://schemas.microsoft.com/office/drawing/2014/main" id="{F669656F-65B3-40AE-94D9-338E053FDACE}"/>
               </a:ext>
             </a:extLst>
           </p:cNvPr>
@@ -3887,8 +4332,8 @@
         </p:blipFill>
         <p:spPr bwMode="auto">
           <a:xfrm>
-            <a:off x="739550" y="1859507"/>
-            <a:ext cx="3523534" cy="1981988"/>
+            <a:off x="4887341" y="1859507"/>
+            <a:ext cx="3515043" cy="1977212"/>
           </a:xfrm>
           <a:prstGeom prst="rect">
             <a:avLst/>
@@ -3905,6 +4350,276 @@
           </a:extLst>
         </p:spPr>
       </p:pic>
+      <p:pic>
+        <p:nvPicPr>
+          <p:cNvPr id="3" name="Picture 2">
+            <a:extLst>
+              <a:ext uri="{FF2B5EF4-FFF2-40B4-BE49-F238E27FC236}">
+                <a16:creationId xmlns:a16="http://schemas.microsoft.com/office/drawing/2014/main" id="{9DE814C5-2901-4474-B3B9-466AC4EE5FFB}"/>
+              </a:ext>
+            </a:extLst>
+          </p:cNvPr>
+          <p:cNvPicPr>
+            <a:picLocks noChangeAspect="1" noChangeArrowheads="1"/>
+          </p:cNvPicPr>
+          <p:nvPr/>
+        </p:nvPicPr>
+        <p:blipFill>
+          <a:blip r:embed="rId7" cstate="print">
+            <a:extLst>
+              <a:ext uri="{28A0092B-C50C-407E-A947-70E740481C1C}">
+                <a14:useLocalDpi xmlns:a14="http://schemas.microsoft.com/office/drawing/2010/main" val="0"/>
+              </a:ext>
+            </a:extLst>
+          </a:blip>
+          <a:srcRect/>
+          <a:stretch>
+            <a:fillRect/>
+          </a:stretch>
+        </p:blipFill>
+        <p:spPr bwMode="auto">
+          <a:xfrm>
+            <a:off x="739550" y="1859507"/>
+            <a:ext cx="3523534" cy="1981988"/>
+          </a:xfrm>
+          <a:prstGeom prst="rect">
+            <a:avLst/>
+          </a:prstGeom>
+          <a:noFill/>
+          <a:extLst>
+            <a:ext uri="{909E8E84-426E-40DD-AFC4-6F175D3DCCD1}">
+              <a14:hiddenFill xmlns:a14="http://schemas.microsoft.com/office/drawing/2010/main">
+                <a:solidFill>
+                  <a:srgbClr val="FFFFFF"/>
+                </a:solidFill>
+              </a14:hiddenFill>
+            </a:ext>
+          </a:extLst>
+        </p:spPr>
+      </p:pic>
+      <p:pic>
+        <p:nvPicPr>
+          <p:cNvPr id="9" name="Рисунок 8" descr="Изображение выглядит как цепь&#10;&#10;Автоматически созданное описание">
+            <a:extLst>
+              <a:ext uri="{FF2B5EF4-FFF2-40B4-BE49-F238E27FC236}">
+                <a16:creationId xmlns:a16="http://schemas.microsoft.com/office/drawing/2014/main" id="{900B0D23-286E-4955-8A2B-B09AC8E06507}"/>
+              </a:ext>
+            </a:extLst>
+          </p:cNvPr>
+          <p:cNvPicPr>
+            <a:picLocks noChangeAspect="1"/>
+          </p:cNvPicPr>
+          <p:nvPr/>
+        </p:nvPicPr>
+        <p:blipFill>
+          <a:blip r:embed="rId8" cstate="print">
+            <a:extLst>
+              <a:ext uri="{28A0092B-C50C-407E-A947-70E740481C1C}">
+                <a14:useLocalDpi xmlns:a14="http://schemas.microsoft.com/office/drawing/2010/main" val="0"/>
+              </a:ext>
+            </a:extLst>
+          </a:blip>
+          <a:stretch>
+            <a:fillRect/>
+          </a:stretch>
+        </p:blipFill>
+        <p:spPr>
+          <a:xfrm>
+            <a:off x="8197784" y="332656"/>
+            <a:ext cx="694696" cy="694696"/>
+          </a:xfrm>
+          <a:prstGeom prst="rect">
+            <a:avLst/>
+          </a:prstGeom>
+          <a:ln>
+            <a:noFill/>
+          </a:ln>
+          <a:effectLst>
+            <a:outerShdw blurRad="292100" dist="139700" dir="2700000" algn="tl" rotWithShape="0">
+              <a:srgbClr val="333333">
+                <a:alpha val="65000"/>
+              </a:srgbClr>
+            </a:outerShdw>
+          </a:effectLst>
+        </p:spPr>
+      </p:pic>
+      <p:sp>
+        <p:nvSpPr>
+          <p:cNvPr id="10" name="Овал 9">
+            <a:extLst>
+              <a:ext uri="{FF2B5EF4-FFF2-40B4-BE49-F238E27FC236}">
+                <a16:creationId xmlns:a16="http://schemas.microsoft.com/office/drawing/2014/main" id="{2E36B6F8-36C1-4524-80D7-61766E00EF9B}"/>
+              </a:ext>
+            </a:extLst>
+          </p:cNvPr>
+          <p:cNvSpPr/>
+          <p:nvPr/>
+        </p:nvSpPr>
+        <p:spPr>
+          <a:xfrm>
+            <a:off x="2339752" y="1916832"/>
+            <a:ext cx="432047" cy="1080120"/>
+          </a:xfrm>
+          <a:prstGeom prst="ellipse">
+            <a:avLst/>
+          </a:prstGeom>
+          <a:noFill/>
+          <a:ln w="76200">
+            <a:solidFill>
+              <a:srgbClr val="C00000"/>
+            </a:solidFill>
+          </a:ln>
+          <a:effectLst>
+            <a:outerShdw blurRad="50800" dist="38100" dir="2700000" algn="tl" rotWithShape="0">
+              <a:prstClr val="black">
+                <a:alpha val="40000"/>
+              </a:prstClr>
+            </a:outerShdw>
+          </a:effectLst>
+        </p:spPr>
+        <p:style>
+          <a:lnRef idx="2">
+            <a:schemeClr val="accent1">
+              <a:shade val="50000"/>
+            </a:schemeClr>
+          </a:lnRef>
+          <a:fillRef idx="1">
+            <a:schemeClr val="accent1"/>
+          </a:fillRef>
+          <a:effectRef idx="0">
+            <a:schemeClr val="accent1"/>
+          </a:effectRef>
+          <a:fontRef idx="minor">
+            <a:schemeClr val="lt1"/>
+          </a:fontRef>
+        </p:style>
+        <p:txBody>
+          <a:bodyPr rtlCol="0" anchor="ctr"/>
+          <a:lstStyle/>
+          <a:p>
+            <a:pPr algn="ctr"/>
+            <a:endParaRPr lang="ru-RU"/>
+          </a:p>
+        </p:txBody>
+      </p:sp>
+      <p:sp>
+        <p:nvSpPr>
+          <p:cNvPr id="12" name="Овал 11">
+            <a:extLst>
+              <a:ext uri="{FF2B5EF4-FFF2-40B4-BE49-F238E27FC236}">
+                <a16:creationId xmlns:a16="http://schemas.microsoft.com/office/drawing/2014/main" id="{BAD9CE39-A86B-4B14-AD86-E99FC1E1BD4D}"/>
+              </a:ext>
+            </a:extLst>
+          </p:cNvPr>
+          <p:cNvSpPr/>
+          <p:nvPr/>
+        </p:nvSpPr>
+        <p:spPr>
+          <a:xfrm>
+            <a:off x="6084168" y="2060848"/>
+            <a:ext cx="576064" cy="576064"/>
+          </a:xfrm>
+          <a:prstGeom prst="ellipse">
+            <a:avLst/>
+          </a:prstGeom>
+          <a:noFill/>
+          <a:ln w="76200">
+            <a:solidFill>
+              <a:srgbClr val="C00000"/>
+            </a:solidFill>
+          </a:ln>
+          <a:effectLst>
+            <a:outerShdw blurRad="50800" dist="38100" dir="2700000" algn="tl" rotWithShape="0">
+              <a:prstClr val="black">
+                <a:alpha val="40000"/>
+              </a:prstClr>
+            </a:outerShdw>
+          </a:effectLst>
+        </p:spPr>
+        <p:style>
+          <a:lnRef idx="2">
+            <a:schemeClr val="accent1">
+              <a:shade val="50000"/>
+            </a:schemeClr>
+          </a:lnRef>
+          <a:fillRef idx="1">
+            <a:schemeClr val="accent1"/>
+          </a:fillRef>
+          <a:effectRef idx="0">
+            <a:schemeClr val="accent1"/>
+          </a:effectRef>
+          <a:fontRef idx="minor">
+            <a:schemeClr val="lt1"/>
+          </a:fontRef>
+        </p:style>
+        <p:txBody>
+          <a:bodyPr rtlCol="0" anchor="ctr"/>
+          <a:lstStyle/>
+          <a:p>
+            <a:pPr algn="ctr"/>
+            <a:endParaRPr lang="ru-RU"/>
+          </a:p>
+        </p:txBody>
+      </p:sp>
+      <p:sp>
+        <p:nvSpPr>
+          <p:cNvPr id="13" name="Овал 12">
+            <a:extLst>
+              <a:ext uri="{FF2B5EF4-FFF2-40B4-BE49-F238E27FC236}">
+                <a16:creationId xmlns:a16="http://schemas.microsoft.com/office/drawing/2014/main" id="{3B8651AF-3691-431D-BCB6-99A5D0B06A99}"/>
+              </a:ext>
+            </a:extLst>
+          </p:cNvPr>
+          <p:cNvSpPr/>
+          <p:nvPr/>
+        </p:nvSpPr>
+        <p:spPr>
+          <a:xfrm>
+            <a:off x="5923384" y="5229200"/>
+            <a:ext cx="626368" cy="576064"/>
+          </a:xfrm>
+          <a:prstGeom prst="ellipse">
+            <a:avLst/>
+          </a:prstGeom>
+          <a:noFill/>
+          <a:ln w="76200">
+            <a:solidFill>
+              <a:srgbClr val="C00000"/>
+            </a:solidFill>
+          </a:ln>
+          <a:effectLst>
+            <a:outerShdw blurRad="50800" dist="38100" dir="2700000" algn="tl" rotWithShape="0">
+              <a:prstClr val="black">
+                <a:alpha val="40000"/>
+              </a:prstClr>
+            </a:outerShdw>
+          </a:effectLst>
+        </p:spPr>
+        <p:style>
+          <a:lnRef idx="2">
+            <a:schemeClr val="accent1">
+              <a:shade val="50000"/>
+            </a:schemeClr>
+          </a:lnRef>
+          <a:fillRef idx="1">
+            <a:schemeClr val="accent1"/>
+          </a:fillRef>
+          <a:effectRef idx="0">
+            <a:schemeClr val="accent1"/>
+          </a:effectRef>
+          <a:fontRef idx="minor">
+            <a:schemeClr val="lt1"/>
+          </a:fontRef>
+        </p:style>
+        <p:txBody>
+          <a:bodyPr rtlCol="0" anchor="ctr"/>
+          <a:lstStyle/>
+          <a:p>
+            <a:pPr algn="ctr"/>
+            <a:endParaRPr lang="ru-RU"/>
+          </a:p>
+        </p:txBody>
+      </p:sp>
     </p:spTree>
     <p:extLst>
       <p:ext uri="{BB962C8B-B14F-4D97-AF65-F5344CB8AC3E}">
@@ -3989,7 +4704,7 @@
         <p:spPr>
           <a:xfrm>
             <a:off x="2340050" y="260648"/>
-            <a:ext cx="6480422" cy="792088"/>
+            <a:ext cx="5760342" cy="792088"/>
           </a:xfrm>
         </p:spPr>
         <p:txBody>
@@ -4005,7 +4720,7 @@
                   <a:schemeClr val="bg1"/>
                 </a:solidFill>
               </a:rPr>
-              <a:t>Возможные решения</a:t>
+              <a:t>Пути решения</a:t>
             </a:r>
           </a:p>
         </p:txBody>
@@ -4055,6 +4770,52 @@
               </a14:hiddenFill>
             </a:ext>
           </a:extLst>
+        </p:spPr>
+      </p:pic>
+      <p:pic>
+        <p:nvPicPr>
+          <p:cNvPr id="5" name="Рисунок 4" descr="Изображение выглядит как цепь&#10;&#10;Автоматически созданное описание">
+            <a:extLst>
+              <a:ext uri="{FF2B5EF4-FFF2-40B4-BE49-F238E27FC236}">
+                <a16:creationId xmlns:a16="http://schemas.microsoft.com/office/drawing/2014/main" id="{ADEF1E77-BDE2-44DE-B483-8087ED0809A1}"/>
+              </a:ext>
+            </a:extLst>
+          </p:cNvPr>
+          <p:cNvPicPr>
+            <a:picLocks noChangeAspect="1"/>
+          </p:cNvPicPr>
+          <p:nvPr/>
+        </p:nvPicPr>
+        <p:blipFill>
+          <a:blip r:embed="rId4" cstate="print">
+            <a:extLst>
+              <a:ext uri="{28A0092B-C50C-407E-A947-70E740481C1C}">
+                <a14:useLocalDpi xmlns:a14="http://schemas.microsoft.com/office/drawing/2010/main" val="0"/>
+              </a:ext>
+            </a:extLst>
+          </a:blip>
+          <a:stretch>
+            <a:fillRect/>
+          </a:stretch>
+        </p:blipFill>
+        <p:spPr>
+          <a:xfrm>
+            <a:off x="8197784" y="332656"/>
+            <a:ext cx="694696" cy="694696"/>
+          </a:xfrm>
+          <a:prstGeom prst="rect">
+            <a:avLst/>
+          </a:prstGeom>
+          <a:ln>
+            <a:noFill/>
+          </a:ln>
+          <a:effectLst>
+            <a:outerShdw blurRad="292100" dist="139700" dir="2700000" algn="tl" rotWithShape="0">
+              <a:srgbClr val="333333">
+                <a:alpha val="65000"/>
+              </a:srgbClr>
+            </a:outerShdw>
+          </a:effectLst>
         </p:spPr>
       </p:pic>
     </p:spTree>
@@ -4141,7 +4902,7 @@
         <p:spPr>
           <a:xfrm>
             <a:off x="2340050" y="260648"/>
-            <a:ext cx="6480422" cy="792088"/>
+            <a:ext cx="5760342" cy="792088"/>
           </a:xfrm>
         </p:spPr>
         <p:txBody>
@@ -4454,6 +5215,88 @@
           </a:p>
         </p:txBody>
       </p:sp>
+      <p:pic>
+        <p:nvPicPr>
+          <p:cNvPr id="7" name="Рисунок 6" descr="Изображение выглядит как текст&#10;&#10;Автоматически созданное описание">
+            <a:extLst>
+              <a:ext uri="{FF2B5EF4-FFF2-40B4-BE49-F238E27FC236}">
+                <a16:creationId xmlns:a16="http://schemas.microsoft.com/office/drawing/2014/main" id="{719AB569-65AA-4822-AF81-C0D637984DD4}"/>
+              </a:ext>
+            </a:extLst>
+          </p:cNvPr>
+          <p:cNvPicPr>
+            <a:picLocks noChangeAspect="1"/>
+          </p:cNvPicPr>
+          <p:nvPr/>
+        </p:nvPicPr>
+        <p:blipFill>
+          <a:blip r:embed="rId3" cstate="print">
+            <a:extLst>
+              <a:ext uri="{28A0092B-C50C-407E-A947-70E740481C1C}">
+                <a14:useLocalDpi xmlns:a14="http://schemas.microsoft.com/office/drawing/2010/main" val="0"/>
+              </a:ext>
+            </a:extLst>
+          </a:blip>
+          <a:stretch>
+            <a:fillRect/>
+          </a:stretch>
+        </p:blipFill>
+        <p:spPr>
+          <a:xfrm>
+            <a:off x="5745866" y="2026124"/>
+            <a:ext cx="2463684" cy="3995164"/>
+          </a:xfrm>
+          <a:prstGeom prst="rect">
+            <a:avLst/>
+          </a:prstGeom>
+        </p:spPr>
+      </p:pic>
+      <p:pic>
+        <p:nvPicPr>
+          <p:cNvPr id="8" name="Рисунок 7" descr="Изображение выглядит как цепь&#10;&#10;Автоматически созданное описание">
+            <a:extLst>
+              <a:ext uri="{FF2B5EF4-FFF2-40B4-BE49-F238E27FC236}">
+                <a16:creationId xmlns:a16="http://schemas.microsoft.com/office/drawing/2014/main" id="{09287A7C-D08C-49E4-AFA6-38D3C42F1275}"/>
+              </a:ext>
+            </a:extLst>
+          </p:cNvPr>
+          <p:cNvPicPr>
+            <a:picLocks noChangeAspect="1"/>
+          </p:cNvPicPr>
+          <p:nvPr/>
+        </p:nvPicPr>
+        <p:blipFill>
+          <a:blip r:embed="rId4" cstate="print">
+            <a:extLst>
+              <a:ext uri="{28A0092B-C50C-407E-A947-70E740481C1C}">
+                <a14:useLocalDpi xmlns:a14="http://schemas.microsoft.com/office/drawing/2010/main" val="0"/>
+              </a:ext>
+            </a:extLst>
+          </a:blip>
+          <a:stretch>
+            <a:fillRect/>
+          </a:stretch>
+        </p:blipFill>
+        <p:spPr>
+          <a:xfrm>
+            <a:off x="8197784" y="332656"/>
+            <a:ext cx="694696" cy="694696"/>
+          </a:xfrm>
+          <a:prstGeom prst="rect">
+            <a:avLst/>
+          </a:prstGeom>
+          <a:ln>
+            <a:noFill/>
+          </a:ln>
+          <a:effectLst>
+            <a:outerShdw blurRad="292100" dist="139700" dir="2700000" algn="tl" rotWithShape="0">
+              <a:srgbClr val="333333">
+                <a:alpha val="65000"/>
+              </a:srgbClr>
+            </a:outerShdw>
+          </a:effectLst>
+        </p:spPr>
+      </p:pic>
     </p:spTree>
     <p:extLst>
       <p:ext uri="{BB962C8B-B14F-4D97-AF65-F5344CB8AC3E}">
@@ -4538,7 +5381,7 @@
         <p:spPr>
           <a:xfrm>
             <a:off x="2627784" y="260648"/>
-            <a:ext cx="6059016" cy="792088"/>
+            <a:ext cx="5472608" cy="792088"/>
           </a:xfrm>
         </p:spPr>
         <p:txBody>
@@ -4629,6 +5472,52 @@
               </a14:hiddenFill>
             </a:ext>
           </a:extLst>
+        </p:spPr>
+      </p:pic>
+      <p:pic>
+        <p:nvPicPr>
+          <p:cNvPr id="7" name="Рисунок 6" descr="Изображение выглядит как цепь&#10;&#10;Автоматически созданное описание">
+            <a:extLst>
+              <a:ext uri="{FF2B5EF4-FFF2-40B4-BE49-F238E27FC236}">
+                <a16:creationId xmlns:a16="http://schemas.microsoft.com/office/drawing/2014/main" id="{041D0471-520D-43FC-A85F-0FCCE96F94D0}"/>
+              </a:ext>
+            </a:extLst>
+          </p:cNvPr>
+          <p:cNvPicPr>
+            <a:picLocks noChangeAspect="1"/>
+          </p:cNvPicPr>
+          <p:nvPr/>
+        </p:nvPicPr>
+        <p:blipFill>
+          <a:blip r:embed="rId4" cstate="print">
+            <a:extLst>
+              <a:ext uri="{28A0092B-C50C-407E-A947-70E740481C1C}">
+                <a14:useLocalDpi xmlns:a14="http://schemas.microsoft.com/office/drawing/2010/main" val="0"/>
+              </a:ext>
+            </a:extLst>
+          </a:blip>
+          <a:stretch>
+            <a:fillRect/>
+          </a:stretch>
+        </p:blipFill>
+        <p:spPr>
+          <a:xfrm>
+            <a:off x="8197784" y="332656"/>
+            <a:ext cx="694696" cy="694696"/>
+          </a:xfrm>
+          <a:prstGeom prst="rect">
+            <a:avLst/>
+          </a:prstGeom>
+          <a:ln>
+            <a:noFill/>
+          </a:ln>
+          <a:effectLst>
+            <a:outerShdw blurRad="292100" dist="139700" dir="2700000" algn="tl" rotWithShape="0">
+              <a:srgbClr val="333333">
+                <a:alpha val="65000"/>
+              </a:srgbClr>
+            </a:outerShdw>
+          </a:effectLst>
         </p:spPr>
       </p:pic>
     </p:spTree>
@@ -4694,6 +5583,52 @@
           </a:p>
         </p:txBody>
       </p:sp>
+      <p:pic>
+        <p:nvPicPr>
+          <p:cNvPr id="3" name="Рисунок 2" descr="Изображение выглядит как цепь&#10;&#10;Автоматически созданное описание">
+            <a:extLst>
+              <a:ext uri="{FF2B5EF4-FFF2-40B4-BE49-F238E27FC236}">
+                <a16:creationId xmlns:a16="http://schemas.microsoft.com/office/drawing/2014/main" id="{92BE31C2-3588-4442-B0F9-FB0B5C6C142B}"/>
+              </a:ext>
+            </a:extLst>
+          </p:cNvPr>
+          <p:cNvPicPr>
+            <a:picLocks noChangeAspect="1"/>
+          </p:cNvPicPr>
+          <p:nvPr/>
+        </p:nvPicPr>
+        <p:blipFill>
+          <a:blip r:embed="rId2" cstate="print">
+            <a:extLst>
+              <a:ext uri="{28A0092B-C50C-407E-A947-70E740481C1C}">
+                <a14:useLocalDpi xmlns:a14="http://schemas.microsoft.com/office/drawing/2010/main" val="0"/>
+              </a:ext>
+            </a:extLst>
+          </a:blip>
+          <a:stretch>
+            <a:fillRect/>
+          </a:stretch>
+        </p:blipFill>
+        <p:spPr>
+          <a:xfrm>
+            <a:off x="8197784" y="332656"/>
+            <a:ext cx="694696" cy="694696"/>
+          </a:xfrm>
+          <a:prstGeom prst="rect">
+            <a:avLst/>
+          </a:prstGeom>
+          <a:ln>
+            <a:noFill/>
+          </a:ln>
+          <a:effectLst>
+            <a:outerShdw blurRad="292100" dist="139700" dir="2700000" algn="tl" rotWithShape="0">
+              <a:srgbClr val="333333">
+                <a:alpha val="65000"/>
+              </a:srgbClr>
+            </a:outerShdw>
+          </a:effectLst>
+        </p:spPr>
+      </p:pic>
     </p:spTree>
     <p:extLst>
       <p:ext uri="{BB962C8B-B14F-4D97-AF65-F5344CB8AC3E}">
@@ -5285,4 +6220,299 @@
     </a:ext>
   </a:extLst>
 </a:theme>
+</file>
+
+<file path=ppt/theme/theme3.xml><?xml version="1.0" encoding="utf-8"?>
+<a:theme xmlns:a="http://schemas.openxmlformats.org/drawingml/2006/main" name="Тема Office">
+  <a:themeElements>
+    <a:clrScheme name="Стандартная">
+      <a:dk1>
+        <a:sysClr val="windowText" lastClr="000000"/>
+      </a:dk1>
+      <a:lt1>
+        <a:sysClr val="window" lastClr="FFFFFF"/>
+      </a:lt1>
+      <a:dk2>
+        <a:srgbClr val="44546A"/>
+      </a:dk2>
+      <a:lt2>
+        <a:srgbClr val="E7E6E6"/>
+      </a:lt2>
+      <a:accent1>
+        <a:srgbClr val="4472C4"/>
+      </a:accent1>
+      <a:accent2>
+        <a:srgbClr val="ED7D31"/>
+      </a:accent2>
+      <a:accent3>
+        <a:srgbClr val="A5A5A5"/>
+      </a:accent3>
+      <a:accent4>
+        <a:srgbClr val="FFC000"/>
+      </a:accent4>
+      <a:accent5>
+        <a:srgbClr val="5B9BD5"/>
+      </a:accent5>
+      <a:accent6>
+        <a:srgbClr val="70AD47"/>
+      </a:accent6>
+      <a:hlink>
+        <a:srgbClr val="0563C1"/>
+      </a:hlink>
+      <a:folHlink>
+        <a:srgbClr val="954F72"/>
+      </a:folHlink>
+    </a:clrScheme>
+    <a:fontScheme name="Стандартная">
+      <a:majorFont>
+        <a:latin typeface="Calibri Light" panose="020F0302020204030204"/>
+        <a:ea typeface=""/>
+        <a:cs typeface=""/>
+        <a:font script="Jpan" typeface="游ゴシック Light"/>
+        <a:font script="Hang" typeface="맑은 고딕"/>
+        <a:font script="Hans" typeface="等线 Light"/>
+        <a:font script="Hant" typeface="新細明體"/>
+        <a:font script="Arab" typeface="Times New Roman"/>
+        <a:font script="Hebr" typeface="Times New Roman"/>
+        <a:font script="Thai" typeface="Angsana New"/>
+        <a:font script="Ethi" typeface="Nyala"/>
+        <a:font script="Beng" typeface="Vrinda"/>
+        <a:font script="Gujr" typeface="Shruti"/>
+        <a:font script="Khmr" typeface="MoolBoran"/>
+        <a:font script="Knda" typeface="Tunga"/>
+        <a:font script="Guru" typeface="Raavi"/>
+        <a:font script="Cans" typeface="Euphemia"/>
+        <a:font script="Cher" typeface="Plantagenet Cherokee"/>
+        <a:font script="Yiii" typeface="Microsoft Yi Baiti"/>
+        <a:font script="Tibt" typeface="Microsoft Himalaya"/>
+        <a:font script="Thaa" typeface="MV Boli"/>
+        <a:font script="Deva" typeface="Mangal"/>
+        <a:font script="Telu" typeface="Gautami"/>
+        <a:font script="Taml" typeface="Latha"/>
+        <a:font script="Syrc" typeface="Estrangelo Edessa"/>
+        <a:font script="Orya" typeface="Kalinga"/>
+        <a:font script="Mlym" typeface="Kartika"/>
+        <a:font script="Laoo" typeface="DokChampa"/>
+        <a:font script="Sinh" typeface="Iskoola Pota"/>
+        <a:font script="Mong" typeface="Mongolian Baiti"/>
+        <a:font script="Viet" typeface="Times New Roman"/>
+        <a:font script="Uigh" typeface="Microsoft Uighur"/>
+        <a:font script="Geor" typeface="Sylfaen"/>
+        <a:font script="Armn" typeface="Arial"/>
+        <a:font script="Bugi" typeface="Leelawadee UI"/>
+        <a:font script="Bopo" typeface="Microsoft JhengHei"/>
+        <a:font script="Java" typeface="Javanese Text"/>
+        <a:font script="Lisu" typeface="Segoe UI"/>
+        <a:font script="Mymr" typeface="Myanmar Text"/>
+        <a:font script="Nkoo" typeface="Ebrima"/>
+        <a:font script="Olck" typeface="Nirmala UI"/>
+        <a:font script="Osma" typeface="Ebrima"/>
+        <a:font script="Phag" typeface="Phagspa"/>
+        <a:font script="Syrn" typeface="Estrangelo Edessa"/>
+        <a:font script="Syrj" typeface="Estrangelo Edessa"/>
+        <a:font script="Syre" typeface="Estrangelo Edessa"/>
+        <a:font script="Sora" typeface="Nirmala UI"/>
+        <a:font script="Tale" typeface="Microsoft Tai Le"/>
+        <a:font script="Talu" typeface="Microsoft New Tai Lue"/>
+        <a:font script="Tfng" typeface="Ebrima"/>
+      </a:majorFont>
+      <a:minorFont>
+        <a:latin typeface="Calibri" panose="020F0502020204030204"/>
+        <a:ea typeface=""/>
+        <a:cs typeface=""/>
+        <a:font script="Jpan" typeface="游ゴシック"/>
+        <a:font script="Hang" typeface="맑은 고딕"/>
+        <a:font script="Hans" typeface="等线"/>
+        <a:font script="Hant" typeface="新細明體"/>
+        <a:font script="Arab" typeface="Arial"/>
+        <a:font script="Hebr" typeface="Arial"/>
+        <a:font script="Thai" typeface="Cordia New"/>
+        <a:font script="Ethi" typeface="Nyala"/>
+        <a:font script="Beng" typeface="Vrinda"/>
+        <a:font script="Gujr" typeface="Shruti"/>
+        <a:font script="Khmr" typeface="DaunPenh"/>
+        <a:font script="Knda" typeface="Tunga"/>
+        <a:font script="Guru" typeface="Raavi"/>
+        <a:font script="Cans" typeface="Euphemia"/>
+        <a:font script="Cher" typeface="Plantagenet Cherokee"/>
+        <a:font script="Yiii" typeface="Microsoft Yi Baiti"/>
+        <a:font script="Tibt" typeface="Microsoft Himalaya"/>
+        <a:font script="Thaa" typeface="MV Boli"/>
+        <a:font script="Deva" typeface="Mangal"/>
+        <a:font script="Telu" typeface="Gautami"/>
+        <a:font script="Taml" typeface="Latha"/>
+        <a:font script="Syrc" typeface="Estrangelo Edessa"/>
+        <a:font script="Orya" typeface="Kalinga"/>
+        <a:font script="Mlym" typeface="Kartika"/>
+        <a:font script="Laoo" typeface="DokChampa"/>
+        <a:font script="Sinh" typeface="Iskoola Pota"/>
+        <a:font script="Mong" typeface="Mongolian Baiti"/>
+        <a:font script="Viet" typeface="Arial"/>
+        <a:font script="Uigh" typeface="Microsoft Uighur"/>
+        <a:font script="Geor" typeface="Sylfaen"/>
+        <a:font script="Armn" typeface="Arial"/>
+        <a:font script="Bugi" typeface="Leelawadee UI"/>
+        <a:font script="Bopo" typeface="Microsoft JhengHei"/>
+        <a:font script="Java" typeface="Javanese Text"/>
+        <a:font script="Lisu" typeface="Segoe UI"/>
+        <a:font script="Mymr" typeface="Myanmar Text"/>
+        <a:font script="Nkoo" typeface="Ebrima"/>
+        <a:font script="Olck" typeface="Nirmala UI"/>
+        <a:font script="Osma" typeface="Ebrima"/>
+        <a:font script="Phag" typeface="Phagspa"/>
+        <a:font script="Syrn" typeface="Estrangelo Edessa"/>
+        <a:font script="Syrj" typeface="Estrangelo Edessa"/>
+        <a:font script="Syre" typeface="Estrangelo Edessa"/>
+        <a:font script="Sora" typeface="Nirmala UI"/>
+        <a:font script="Tale" typeface="Microsoft Tai Le"/>
+        <a:font script="Talu" typeface="Microsoft New Tai Lue"/>
+        <a:font script="Tfng" typeface="Ebrima"/>
+      </a:minorFont>
+    </a:fontScheme>
+    <a:fmtScheme name="Стандартная">
+      <a:fillStyleLst>
+        <a:solidFill>
+          <a:schemeClr val="phClr"/>
+        </a:solidFill>
+        <a:gradFill rotWithShape="1">
+          <a:gsLst>
+            <a:gs pos="0">
+              <a:schemeClr val="phClr">
+                <a:lumMod val="110000"/>
+                <a:satMod val="105000"/>
+                <a:tint val="67000"/>
+              </a:schemeClr>
+            </a:gs>
+            <a:gs pos="50000">
+              <a:schemeClr val="phClr">
+                <a:lumMod val="105000"/>
+                <a:satMod val="103000"/>
+                <a:tint val="73000"/>
+              </a:schemeClr>
+            </a:gs>
+            <a:gs pos="100000">
+              <a:schemeClr val="phClr">
+                <a:lumMod val="105000"/>
+                <a:satMod val="109000"/>
+                <a:tint val="81000"/>
+              </a:schemeClr>
+            </a:gs>
+          </a:gsLst>
+          <a:lin ang="5400000" scaled="0"/>
+        </a:gradFill>
+        <a:gradFill rotWithShape="1">
+          <a:gsLst>
+            <a:gs pos="0">
+              <a:schemeClr val="phClr">
+                <a:satMod val="103000"/>
+                <a:lumMod val="102000"/>
+                <a:tint val="94000"/>
+              </a:schemeClr>
+            </a:gs>
+            <a:gs pos="50000">
+              <a:schemeClr val="phClr">
+                <a:satMod val="110000"/>
+                <a:lumMod val="100000"/>
+                <a:shade val="100000"/>
+              </a:schemeClr>
+            </a:gs>
+            <a:gs pos="100000">
+              <a:schemeClr val="phClr">
+                <a:lumMod val="99000"/>
+                <a:satMod val="120000"/>
+                <a:shade val="78000"/>
+              </a:schemeClr>
+            </a:gs>
+          </a:gsLst>
+          <a:lin ang="5400000" scaled="0"/>
+        </a:gradFill>
+      </a:fillStyleLst>
+      <a:lnStyleLst>
+        <a:ln w="6350" cap="flat" cmpd="sng" algn="ctr">
+          <a:solidFill>
+            <a:schemeClr val="phClr"/>
+          </a:solidFill>
+          <a:prstDash val="solid"/>
+          <a:miter lim="800000"/>
+        </a:ln>
+        <a:ln w="12700" cap="flat" cmpd="sng" algn="ctr">
+          <a:solidFill>
+            <a:schemeClr val="phClr"/>
+          </a:solidFill>
+          <a:prstDash val="solid"/>
+          <a:miter lim="800000"/>
+        </a:ln>
+        <a:ln w="19050" cap="flat" cmpd="sng" algn="ctr">
+          <a:solidFill>
+            <a:schemeClr val="phClr"/>
+          </a:solidFill>
+          <a:prstDash val="solid"/>
+          <a:miter lim="800000"/>
+        </a:ln>
+      </a:lnStyleLst>
+      <a:effectStyleLst>
+        <a:effectStyle>
+          <a:effectLst/>
+        </a:effectStyle>
+        <a:effectStyle>
+          <a:effectLst/>
+        </a:effectStyle>
+        <a:effectStyle>
+          <a:effectLst>
+            <a:outerShdw blurRad="57150" dist="19050" dir="5400000" algn="ctr" rotWithShape="0">
+              <a:srgbClr val="000000">
+                <a:alpha val="63000"/>
+              </a:srgbClr>
+            </a:outerShdw>
+          </a:effectLst>
+        </a:effectStyle>
+      </a:effectStyleLst>
+      <a:bgFillStyleLst>
+        <a:solidFill>
+          <a:schemeClr val="phClr"/>
+        </a:solidFill>
+        <a:solidFill>
+          <a:schemeClr val="phClr">
+            <a:tint val="95000"/>
+            <a:satMod val="170000"/>
+          </a:schemeClr>
+        </a:solidFill>
+        <a:gradFill rotWithShape="1">
+          <a:gsLst>
+            <a:gs pos="0">
+              <a:schemeClr val="phClr">
+                <a:tint val="93000"/>
+                <a:satMod val="150000"/>
+                <a:shade val="98000"/>
+                <a:lumMod val="102000"/>
+              </a:schemeClr>
+            </a:gs>
+            <a:gs pos="50000">
+              <a:schemeClr val="phClr">
+                <a:tint val="98000"/>
+                <a:satMod val="130000"/>
+                <a:shade val="90000"/>
+                <a:lumMod val="103000"/>
+              </a:schemeClr>
+            </a:gs>
+            <a:gs pos="100000">
+              <a:schemeClr val="phClr">
+                <a:shade val="63000"/>
+                <a:satMod val="120000"/>
+              </a:schemeClr>
+            </a:gs>
+          </a:gsLst>
+          <a:lin ang="5400000" scaled="0"/>
+        </a:gradFill>
+      </a:bgFillStyleLst>
+    </a:fmtScheme>
+  </a:themeElements>
+  <a:objectDefaults/>
+  <a:extraClrSchemeLst/>
+  <a:extLst>
+    <a:ext uri="{05A4C25C-085E-4340-85A3-A5531E510DB2}">
+      <thm15:themeFamily xmlns:thm15="http://schemas.microsoft.com/office/thememl/2012/main" name="Office Theme" id="{62F939B6-93AF-4DB8-9C6B-D6C7DFDC589F}" vid="{4A3C46E8-61CC-4603-A589-7422A47A8E4A}"/>
+    </a:ext>
+  </a:extLst>
+</a:theme>
 </file>
--- a/hack.pptx
+++ b/hack.pptx
@@ -192,7 +192,7 @@
             </a:lvl1pPr>
           </a:lstStyle>
           <a:p>
-            <a:endParaRPr lang="ru-RU"/>
+            <a:endParaRPr lang="ru-RU" dirty="0"/>
           </a:p>
         </p:txBody>
       </p:sp>
@@ -233,7 +233,7 @@
               <a:rPr lang="ru-RU" smtClean="0"/>
               <a:t>31.10.2021</a:t>
             </a:fld>
-            <a:endParaRPr lang="ru-RU"/>
+            <a:endParaRPr lang="ru-RU" dirty="0"/>
           </a:p>
         </p:txBody>
       </p:sp>
@@ -270,7 +270,7 @@
             </a:lvl1pPr>
           </a:lstStyle>
           <a:p>
-            <a:endParaRPr lang="ru-RU"/>
+            <a:endParaRPr lang="ru-RU" dirty="0"/>
           </a:p>
         </p:txBody>
       </p:sp>
@@ -311,7 +311,7 @@
               <a:rPr lang="ru-RU" smtClean="0"/>
               <a:t>‹#›</a:t>
             </a:fld>
-            <a:endParaRPr lang="ru-RU"/>
+            <a:endParaRPr lang="ru-RU" dirty="0"/>
           </a:p>
         </p:txBody>
       </p:sp>
@@ -375,7 +375,7 @@
             </a:lvl1pPr>
           </a:lstStyle>
           <a:p>
-            <a:endParaRPr lang="ru-RU"/>
+            <a:endParaRPr lang="ru-RU" dirty="0"/>
           </a:p>
         </p:txBody>
       </p:sp>
@@ -410,7 +410,7 @@
               <a:rPr lang="ru-RU" smtClean="0"/>
               <a:t>31.10.2021</a:t>
             </a:fld>
-            <a:endParaRPr lang="ru-RU"/>
+            <a:endParaRPr lang="ru-RU" dirty="0"/>
           </a:p>
         </p:txBody>
       </p:sp>
@@ -443,7 +443,7 @@
           <a:bodyPr vert="horz" lIns="91440" tIns="45720" rIns="91440" bIns="45720" rtlCol="0" anchor="ctr"/>
           <a:lstStyle/>
           <a:p>
-            <a:endParaRPr lang="ru-RU"/>
+            <a:endParaRPr lang="ru-RU" dirty="0"/>
           </a:p>
         </p:txBody>
       </p:sp>
@@ -533,7 +533,7 @@
             </a:lvl1pPr>
           </a:lstStyle>
           <a:p>
-            <a:endParaRPr lang="ru-RU"/>
+            <a:endParaRPr lang="ru-RU" dirty="0"/>
           </a:p>
         </p:txBody>
       </p:sp>
@@ -568,7 +568,7 @@
               <a:rPr lang="ru-RU" smtClean="0"/>
               <a:t>‹#›</a:t>
             </a:fld>
-            <a:endParaRPr lang="ru-RU"/>
+            <a:endParaRPr lang="ru-RU" dirty="0"/>
           </a:p>
         </p:txBody>
       </p:sp>
@@ -1097,7 +1097,7 @@
               <a:rPr lang="ru-RU" smtClean="0"/>
               <a:t>31.10.2021</a:t>
             </a:fld>
-            <a:endParaRPr lang="ru-RU"/>
+            <a:endParaRPr lang="ru-RU" dirty="0"/>
           </a:p>
         </p:txBody>
       </p:sp>
@@ -1124,7 +1124,7 @@
           <a:bodyPr/>
           <a:lstStyle/>
           <a:p>
-            <a:endParaRPr lang="ru-RU"/>
+            <a:endParaRPr lang="ru-RU" dirty="0"/>
           </a:p>
         </p:txBody>
       </p:sp>
@@ -1155,7 +1155,7 @@
               <a:rPr lang="ru-RU" smtClean="0"/>
               <a:t>‹#›</a:t>
             </a:fld>
-            <a:endParaRPr lang="ru-RU"/>
+            <a:endParaRPr lang="ru-RU" dirty="0"/>
           </a:p>
         </p:txBody>
       </p:sp>
@@ -1291,7 +1291,7 @@
               <a:rPr lang="ru-RU" smtClean="0"/>
               <a:t>31.10.2021</a:t>
             </a:fld>
-            <a:endParaRPr lang="ru-RU"/>
+            <a:endParaRPr lang="ru-RU" dirty="0"/>
           </a:p>
         </p:txBody>
       </p:sp>
@@ -1318,7 +1318,7 @@
           <a:bodyPr/>
           <a:lstStyle/>
           <a:p>
-            <a:endParaRPr lang="ru-RU"/>
+            <a:endParaRPr lang="ru-RU" dirty="0"/>
           </a:p>
         </p:txBody>
       </p:sp>
@@ -1349,7 +1349,7 @@
               <a:rPr lang="ru-RU" smtClean="0"/>
               <a:t>‹#›</a:t>
             </a:fld>
-            <a:endParaRPr lang="ru-RU"/>
+            <a:endParaRPr lang="ru-RU" dirty="0"/>
           </a:p>
         </p:txBody>
       </p:sp>
@@ -1475,7 +1475,7 @@
               <a:rPr lang="ru-RU" smtClean="0"/>
               <a:t>31.10.2021</a:t>
             </a:fld>
-            <a:endParaRPr lang="ru-RU"/>
+            <a:endParaRPr lang="ru-RU" dirty="0"/>
           </a:p>
         </p:txBody>
       </p:sp>
@@ -1502,7 +1502,7 @@
           <a:bodyPr/>
           <a:lstStyle/>
           <a:p>
-            <a:endParaRPr lang="ru-RU"/>
+            <a:endParaRPr lang="ru-RU" dirty="0"/>
           </a:p>
         </p:txBody>
       </p:sp>
@@ -1533,7 +1533,7 @@
               <a:rPr lang="ru-RU" smtClean="0"/>
               <a:t>‹#›</a:t>
             </a:fld>
-            <a:endParaRPr lang="ru-RU"/>
+            <a:endParaRPr lang="ru-RU" dirty="0"/>
           </a:p>
         </p:txBody>
       </p:sp>
@@ -1736,7 +1736,7 @@
               <a:rPr lang="ru-RU" smtClean="0"/>
               <a:t>31.10.2021</a:t>
             </a:fld>
-            <a:endParaRPr lang="ru-RU"/>
+            <a:endParaRPr lang="ru-RU" dirty="0"/>
           </a:p>
         </p:txBody>
       </p:sp>
@@ -1763,7 +1763,7 @@
           <a:bodyPr/>
           <a:lstStyle/>
           <a:p>
-            <a:endParaRPr lang="ru-RU"/>
+            <a:endParaRPr lang="ru-RU" dirty="0"/>
           </a:p>
         </p:txBody>
       </p:sp>
@@ -1794,7 +1794,7 @@
               <a:rPr lang="ru-RU" smtClean="0"/>
               <a:t>‹#›</a:t>
             </a:fld>
-            <a:endParaRPr lang="ru-RU"/>
+            <a:endParaRPr lang="ru-RU" dirty="0"/>
           </a:p>
         </p:txBody>
       </p:sp>
@@ -2037,7 +2037,7 @@
               <a:rPr lang="ru-RU" smtClean="0"/>
               <a:t>31.10.2021</a:t>
             </a:fld>
-            <a:endParaRPr lang="ru-RU"/>
+            <a:endParaRPr lang="ru-RU" dirty="0"/>
           </a:p>
         </p:txBody>
       </p:sp>
@@ -2064,7 +2064,7 @@
           <a:bodyPr/>
           <a:lstStyle/>
           <a:p>
-            <a:endParaRPr lang="ru-RU"/>
+            <a:endParaRPr lang="ru-RU" dirty="0"/>
           </a:p>
         </p:txBody>
       </p:sp>
@@ -2095,7 +2095,7 @@
               <a:rPr lang="ru-RU" smtClean="0"/>
               <a:t>‹#›</a:t>
             </a:fld>
-            <a:endParaRPr lang="ru-RU"/>
+            <a:endParaRPr lang="ru-RU" dirty="0"/>
           </a:p>
         </p:txBody>
       </p:sp>
@@ -2472,7 +2472,7 @@
               <a:rPr lang="ru-RU" smtClean="0"/>
               <a:t>31.10.2021</a:t>
             </a:fld>
-            <a:endParaRPr lang="ru-RU"/>
+            <a:endParaRPr lang="ru-RU" dirty="0"/>
           </a:p>
         </p:txBody>
       </p:sp>
@@ -2499,7 +2499,7 @@
           <a:bodyPr/>
           <a:lstStyle/>
           <a:p>
-            <a:endParaRPr lang="ru-RU"/>
+            <a:endParaRPr lang="ru-RU" dirty="0"/>
           </a:p>
         </p:txBody>
       </p:sp>
@@ -2530,7 +2530,7 @@
               <a:rPr lang="ru-RU" smtClean="0"/>
               <a:t>‹#›</a:t>
             </a:fld>
-            <a:endParaRPr lang="ru-RU"/>
+            <a:endParaRPr lang="ru-RU" dirty="0"/>
           </a:p>
         </p:txBody>
       </p:sp>
@@ -2605,7 +2605,7 @@
               <a:rPr lang="ru-RU" smtClean="0"/>
               <a:t>31.10.2021</a:t>
             </a:fld>
-            <a:endParaRPr lang="ru-RU"/>
+            <a:endParaRPr lang="ru-RU" dirty="0"/>
           </a:p>
         </p:txBody>
       </p:sp>
@@ -2632,7 +2632,7 @@
           <a:bodyPr/>
           <a:lstStyle/>
           <a:p>
-            <a:endParaRPr lang="ru-RU"/>
+            <a:endParaRPr lang="ru-RU" dirty="0"/>
           </a:p>
         </p:txBody>
       </p:sp>
@@ -2663,7 +2663,7 @@
               <a:rPr lang="ru-RU" smtClean="0"/>
               <a:t>‹#›</a:t>
             </a:fld>
-            <a:endParaRPr lang="ru-RU"/>
+            <a:endParaRPr lang="ru-RU" dirty="0"/>
           </a:p>
         </p:txBody>
       </p:sp>
@@ -2716,7 +2716,7 @@
               <a:rPr lang="ru-RU" smtClean="0"/>
               <a:t>31.10.2021</a:t>
             </a:fld>
-            <a:endParaRPr lang="ru-RU"/>
+            <a:endParaRPr lang="ru-RU" dirty="0"/>
           </a:p>
         </p:txBody>
       </p:sp>
@@ -2743,7 +2743,7 @@
           <a:bodyPr/>
           <a:lstStyle/>
           <a:p>
-            <a:endParaRPr lang="ru-RU"/>
+            <a:endParaRPr lang="ru-RU" dirty="0"/>
           </a:p>
         </p:txBody>
       </p:sp>
@@ -2774,7 +2774,7 @@
               <a:rPr lang="ru-RU" smtClean="0"/>
               <a:t>‹#›</a:t>
             </a:fld>
-            <a:endParaRPr lang="ru-RU"/>
+            <a:endParaRPr lang="ru-RU" dirty="0"/>
           </a:p>
         </p:txBody>
       </p:sp>
@@ -3007,7 +3007,7 @@
               <a:rPr lang="ru-RU" smtClean="0"/>
               <a:t>31.10.2021</a:t>
             </a:fld>
-            <a:endParaRPr lang="ru-RU"/>
+            <a:endParaRPr lang="ru-RU" dirty="0"/>
           </a:p>
         </p:txBody>
       </p:sp>
@@ -3034,7 +3034,7 @@
           <a:bodyPr/>
           <a:lstStyle/>
           <a:p>
-            <a:endParaRPr lang="ru-RU"/>
+            <a:endParaRPr lang="ru-RU" dirty="0"/>
           </a:p>
         </p:txBody>
       </p:sp>
@@ -3065,7 +3065,7 @@
               <a:rPr lang="ru-RU" smtClean="0"/>
               <a:t>‹#›</a:t>
             </a:fld>
-            <a:endParaRPr lang="ru-RU"/>
+            <a:endParaRPr lang="ru-RU" dirty="0"/>
           </a:p>
         </p:txBody>
       </p:sp>
@@ -3188,7 +3188,7 @@
           </a:lstStyle>
           <a:p>
             <a:r>
-              <a:rPr lang="ru-RU"/>
+              <a:rPr lang="ru-RU" dirty="0"/>
               <a:t>Вставка рисунка</a:t>
             </a:r>
           </a:p>
@@ -3278,7 +3278,7 @@
               <a:rPr lang="ru-RU" smtClean="0"/>
               <a:t>31.10.2021</a:t>
             </a:fld>
-            <a:endParaRPr lang="ru-RU"/>
+            <a:endParaRPr lang="ru-RU" dirty="0"/>
           </a:p>
         </p:txBody>
       </p:sp>
@@ -3305,7 +3305,7 @@
           <a:bodyPr/>
           <a:lstStyle/>
           <a:p>
-            <a:endParaRPr lang="ru-RU"/>
+            <a:endParaRPr lang="ru-RU" dirty="0"/>
           </a:p>
         </p:txBody>
       </p:sp>
@@ -3336,7 +3336,7 @@
               <a:rPr lang="ru-RU" smtClean="0"/>
               <a:t>‹#›</a:t>
             </a:fld>
-            <a:endParaRPr lang="ru-RU"/>
+            <a:endParaRPr lang="ru-RU" dirty="0"/>
           </a:p>
         </p:txBody>
       </p:sp>
@@ -3546,7 +3546,7 @@
               <a:rPr lang="ru-RU" smtClean="0"/>
               <a:t>31.10.2021</a:t>
             </a:fld>
-            <a:endParaRPr lang="ru-RU"/>
+            <a:endParaRPr lang="ru-RU" dirty="0"/>
           </a:p>
         </p:txBody>
       </p:sp>
@@ -3921,7 +3921,7 @@
           <a:lstStyle/>
           <a:p>
             <a:r>
-              <a:rPr lang="en-US" sz="8000" b="1" dirty="0" err="1">
+              <a:rPr lang="en-US" sz="8800" b="1" dirty="0" err="1">
                 <a:solidFill>
                   <a:srgbClr val="FF0000"/>
                 </a:solidFill>
@@ -3929,7 +3929,7 @@
               </a:rPr>
               <a:t>Red_scull</a:t>
             </a:r>
-            <a:endParaRPr lang="ru-RU" sz="8000" b="1" dirty="0">
+            <a:endParaRPr lang="ru-RU" sz="8800" b="1" dirty="0">
               <a:solidFill>
                 <a:srgbClr val="FF0000"/>
               </a:solidFill>
@@ -4727,53 +4727,6 @@
       </p:sp>
       <p:pic>
         <p:nvPicPr>
-          <p:cNvPr id="4098" name="Picture 2" descr="НЕЙРОСЕТЬ: просто о сложном! Создание нейронной сети на Python - YouTube">
-            <a:extLst>
-              <a:ext uri="{FF2B5EF4-FFF2-40B4-BE49-F238E27FC236}">
-                <a16:creationId xmlns:a16="http://schemas.microsoft.com/office/drawing/2014/main" id="{C6FC1BBE-7C59-4A7F-8010-67C4FAC44BB0}"/>
-              </a:ext>
-            </a:extLst>
-          </p:cNvPr>
-          <p:cNvPicPr>
-            <a:picLocks noChangeAspect="1" noChangeArrowheads="1"/>
-          </p:cNvPicPr>
-          <p:nvPr/>
-        </p:nvPicPr>
-        <p:blipFill>
-          <a:blip r:embed="rId3">
-            <a:extLst>
-              <a:ext uri="{28A0092B-C50C-407E-A947-70E740481C1C}">
-                <a14:useLocalDpi xmlns:a14="http://schemas.microsoft.com/office/drawing/2010/main" val="0"/>
-              </a:ext>
-            </a:extLst>
-          </a:blip>
-          <a:srcRect/>
-          <a:stretch>
-            <a:fillRect/>
-          </a:stretch>
-        </p:blipFill>
-        <p:spPr bwMode="auto">
-          <a:xfrm>
-            <a:off x="0" y="1559328"/>
-            <a:ext cx="9144000" cy="5143500"/>
-          </a:xfrm>
-          <a:prstGeom prst="rect">
-            <a:avLst/>
-          </a:prstGeom>
-          <a:noFill/>
-          <a:extLst>
-            <a:ext uri="{909E8E84-426E-40DD-AFC4-6F175D3DCCD1}">
-              <a14:hiddenFill xmlns:a14="http://schemas.microsoft.com/office/drawing/2010/main">
-                <a:solidFill>
-                  <a:srgbClr val="FFFFFF"/>
-                </a:solidFill>
-              </a14:hiddenFill>
-            </a:ext>
-          </a:extLst>
-        </p:spPr>
-      </p:pic>
-      <p:pic>
-        <p:nvPicPr>
           <p:cNvPr id="5" name="Рисунок 4" descr="Изображение выглядит как цепь&#10;&#10;Автоматически созданное описание">
             <a:extLst>
               <a:ext uri="{FF2B5EF4-FFF2-40B4-BE49-F238E27FC236}">
@@ -4787,7 +4740,7 @@
           <p:nvPr/>
         </p:nvPicPr>
         <p:blipFill>
-          <a:blip r:embed="rId4" cstate="print">
+          <a:blip r:embed="rId3" cstate="print">
             <a:extLst>
               <a:ext uri="{28A0092B-C50C-407E-A947-70E740481C1C}">
                 <a14:useLocalDpi xmlns:a14="http://schemas.microsoft.com/office/drawing/2010/main" val="0"/>
@@ -4816,6 +4769,42 @@
               </a:srgbClr>
             </a:outerShdw>
           </a:effectLst>
+        </p:spPr>
+      </p:pic>
+      <p:pic>
+        <p:nvPicPr>
+          <p:cNvPr id="4" name="Рисунок 3">
+            <a:extLst>
+              <a:ext uri="{FF2B5EF4-FFF2-40B4-BE49-F238E27FC236}">
+                <a16:creationId xmlns:a16="http://schemas.microsoft.com/office/drawing/2014/main" id="{021A260B-7525-447B-A653-80B41CC10420}"/>
+              </a:ext>
+            </a:extLst>
+          </p:cNvPr>
+          <p:cNvPicPr>
+            <a:picLocks noChangeAspect="1"/>
+          </p:cNvPicPr>
+          <p:nvPr/>
+        </p:nvPicPr>
+        <p:blipFill>
+          <a:blip r:embed="rId4">
+            <a:extLst>
+              <a:ext uri="{28A0092B-C50C-407E-A947-70E740481C1C}">
+                <a14:useLocalDpi xmlns:a14="http://schemas.microsoft.com/office/drawing/2010/main" val="0"/>
+              </a:ext>
+            </a:extLst>
+          </a:blip>
+          <a:stretch>
+            <a:fillRect/>
+          </a:stretch>
+        </p:blipFill>
+        <p:spPr>
+          <a:xfrm>
+            <a:off x="10219" y="1387724"/>
+            <a:ext cx="9159356" cy="5470276"/>
+          </a:xfrm>
+          <a:prstGeom prst="rect">
+            <a:avLst/>
+          </a:prstGeom>
         </p:spPr>
       </p:pic>
     </p:spTree>
@@ -5120,7 +5109,7 @@
           </a:lstStyle>
           <a:p>
             <a:r>
-              <a:rPr lang="en-US" dirty="0">
+              <a:rPr lang="en-US" sz="2800" dirty="0">
                 <a:solidFill>
                   <a:schemeClr val="bg1">
                     <a:lumMod val="95000"/>
@@ -5132,7 +5121,7 @@
           </a:p>
           <a:p>
             <a:r>
-              <a:rPr lang="en-US" dirty="0">
+              <a:rPr lang="en-US" sz="2800" dirty="0">
                 <a:solidFill>
                   <a:schemeClr val="bg1">
                     <a:lumMod val="95000"/>
@@ -5144,7 +5133,7 @@
           </a:p>
           <a:p>
             <a:r>
-              <a:rPr lang="en-US" dirty="0">
+              <a:rPr lang="en-US" sz="2800" dirty="0">
                 <a:solidFill>
                   <a:schemeClr val="bg1">
                     <a:lumMod val="95000"/>
@@ -5153,7 +5142,7 @@
               </a:rPr>
               <a:t>Pandas</a:t>
             </a:r>
-            <a:endParaRPr lang="ru-RU" dirty="0">
+            <a:endParaRPr lang="ru-RU" sz="2800" dirty="0">
               <a:solidFill>
                 <a:schemeClr val="bg1">
                   <a:lumMod val="95000"/>
@@ -5163,7 +5152,7 @@
           </a:p>
           <a:p>
             <a:r>
-              <a:rPr lang="en-US" dirty="0">
+              <a:rPr lang="en-US" sz="2800" dirty="0">
                 <a:solidFill>
                   <a:schemeClr val="bg1">
                     <a:lumMod val="95000"/>
@@ -5175,7 +5164,7 @@
           </a:p>
           <a:p>
             <a:r>
-              <a:rPr lang="en-US" dirty="0" err="1">
+              <a:rPr lang="en-US" sz="2800" dirty="0" err="1">
                 <a:solidFill>
                   <a:schemeClr val="bg1">
                     <a:lumMod val="95000"/>
@@ -5184,7 +5173,7 @@
               </a:rPr>
               <a:t>Keras</a:t>
             </a:r>
-            <a:endParaRPr lang="en-US" dirty="0">
+            <a:endParaRPr lang="en-US" sz="2800" dirty="0">
               <a:solidFill>
                 <a:schemeClr val="bg1">
                   <a:lumMod val="95000"/>
@@ -5194,18 +5183,16 @@
           </a:p>
           <a:p>
             <a:r>
-              <a:rPr lang="en-US" dirty="0">
+              <a:rPr lang="en-US" sz="2800" dirty="0">
                 <a:solidFill>
                   <a:schemeClr val="bg1">
                     <a:lumMod val="95000"/>
                   </a:schemeClr>
                 </a:solidFill>
               </a:rPr>
-              <a:t>TF</a:t>
-            </a:r>
-          </a:p>
-          <a:p>
-            <a:endParaRPr lang="en-US" dirty="0">
+              <a:t>TensorFlow</a:t>
+            </a:r>
+            <a:endParaRPr lang="ru-RU" sz="2800" dirty="0">
               <a:solidFill>
                 <a:schemeClr val="bg1">
                   <a:lumMod val="95000"/>
@@ -5213,14 +5200,42 @@
               </a:solidFill>
             </a:endParaRPr>
           </a:p>
+          <a:p>
+            <a:r>
+              <a:rPr lang="en-US" sz="2800" dirty="0" err="1">
+                <a:solidFill>
+                  <a:schemeClr val="bg1">
+                    <a:lumMod val="95000"/>
+                  </a:schemeClr>
+                </a:solidFill>
+              </a:rPr>
+              <a:t>Tkinter</a:t>
+            </a:r>
+            <a:endParaRPr lang="en-US" sz="2800" dirty="0">
+              <a:solidFill>
+                <a:schemeClr val="bg1">
+                  <a:lumMod val="95000"/>
+                </a:schemeClr>
+              </a:solidFill>
+            </a:endParaRPr>
+          </a:p>
+          <a:p>
+            <a:endParaRPr lang="en-US" sz="2800" dirty="0">
+              <a:solidFill>
+                <a:schemeClr val="bg1">
+                  <a:lumMod val="95000"/>
+                </a:schemeClr>
+              </a:solidFill>
+            </a:endParaRPr>
+          </a:p>
         </p:txBody>
       </p:sp>
       <p:pic>
         <p:nvPicPr>
-          <p:cNvPr id="7" name="Рисунок 6" descr="Изображение выглядит как текст&#10;&#10;Автоматически созданное описание">
+          <p:cNvPr id="8" name="Рисунок 7" descr="Изображение выглядит как цепь&#10;&#10;Автоматически созданное описание">
             <a:extLst>
               <a:ext uri="{FF2B5EF4-FFF2-40B4-BE49-F238E27FC236}">
-                <a16:creationId xmlns:a16="http://schemas.microsoft.com/office/drawing/2014/main" id="{719AB569-65AA-4822-AF81-C0D637984DD4}"/>
+                <a16:creationId xmlns:a16="http://schemas.microsoft.com/office/drawing/2014/main" id="{09287A7C-D08C-49E4-AFA6-38D3C42F1275}"/>
               </a:ext>
             </a:extLst>
           </p:cNvPr>
@@ -5243,20 +5258,30 @@
         </p:blipFill>
         <p:spPr>
           <a:xfrm>
-            <a:off x="5745866" y="2026124"/>
-            <a:ext cx="2463684" cy="3995164"/>
+            <a:off x="8197784" y="332656"/>
+            <a:ext cx="694696" cy="694696"/>
           </a:xfrm>
           <a:prstGeom prst="rect">
             <a:avLst/>
           </a:prstGeom>
+          <a:ln>
+            <a:noFill/>
+          </a:ln>
+          <a:effectLst>
+            <a:outerShdw blurRad="292100" dist="139700" dir="2700000" algn="tl" rotWithShape="0">
+              <a:srgbClr val="333333">
+                <a:alpha val="65000"/>
+              </a:srgbClr>
+            </a:outerShdw>
+          </a:effectLst>
         </p:spPr>
       </p:pic>
       <p:pic>
         <p:nvPicPr>
-          <p:cNvPr id="8" name="Рисунок 7" descr="Изображение выглядит как цепь&#10;&#10;Автоматически созданное описание">
+          <p:cNvPr id="10" name="Рисунок 9" descr="Изображение выглядит как дно океана&#10;&#10;Автоматически созданное описание">
             <a:extLst>
               <a:ext uri="{FF2B5EF4-FFF2-40B4-BE49-F238E27FC236}">
-                <a16:creationId xmlns:a16="http://schemas.microsoft.com/office/drawing/2014/main" id="{09287A7C-D08C-49E4-AFA6-38D3C42F1275}"/>
+                <a16:creationId xmlns:a16="http://schemas.microsoft.com/office/drawing/2014/main" id="{0BB92EAD-287C-4A50-909C-AD84A150F4E8}"/>
               </a:ext>
             </a:extLst>
           </p:cNvPr>
@@ -5279,24 +5304,94 @@
         </p:blipFill>
         <p:spPr>
           <a:xfrm>
-            <a:off x="8197784" y="332656"/>
-            <a:ext cx="694696" cy="694696"/>
+            <a:off x="3851920" y="2348880"/>
+            <a:ext cx="1985871" cy="3600400"/>
           </a:xfrm>
           <a:prstGeom prst="rect">
             <a:avLst/>
           </a:prstGeom>
-          <a:ln>
-            <a:noFill/>
+        </p:spPr>
+      </p:pic>
+      <p:pic>
+        <p:nvPicPr>
+          <p:cNvPr id="12" name="Рисунок 11">
+            <a:extLst>
+              <a:ext uri="{FF2B5EF4-FFF2-40B4-BE49-F238E27FC236}">
+                <a16:creationId xmlns:a16="http://schemas.microsoft.com/office/drawing/2014/main" id="{BB95C826-9F2F-4487-B291-8E79CF959420}"/>
+              </a:ext>
+            </a:extLst>
+          </p:cNvPr>
+          <p:cNvPicPr>
+            <a:picLocks noChangeAspect="1"/>
+          </p:cNvPicPr>
+          <p:nvPr/>
+        </p:nvPicPr>
+        <p:blipFill>
+          <a:blip r:embed="rId5" cstate="print">
+            <a:extLst>
+              <a:ext uri="{28A0092B-C50C-407E-A947-70E740481C1C}">
+                <a14:useLocalDpi xmlns:a14="http://schemas.microsoft.com/office/drawing/2010/main" val="0"/>
+              </a:ext>
+            </a:extLst>
+          </a:blip>
+          <a:stretch>
+            <a:fillRect/>
+          </a:stretch>
+        </p:blipFill>
+        <p:spPr>
+          <a:xfrm>
+            <a:off x="6683711" y="2348880"/>
+            <a:ext cx="2208769" cy="3600400"/>
+          </a:xfrm>
+          <a:prstGeom prst="rect">
+            <a:avLst/>
+          </a:prstGeom>
+        </p:spPr>
+      </p:pic>
+      <p:cxnSp>
+        <p:nvCxnSpPr>
+          <p:cNvPr id="14" name="Прямая со стрелкой 13">
+            <a:extLst>
+              <a:ext uri="{FF2B5EF4-FFF2-40B4-BE49-F238E27FC236}">
+                <a16:creationId xmlns:a16="http://schemas.microsoft.com/office/drawing/2014/main" id="{A3DC6127-7E1B-48F7-B265-A14BC08EC317}"/>
+              </a:ext>
+            </a:extLst>
+          </p:cNvPr>
+          <p:cNvCxnSpPr>
+            <a:cxnSpLocks/>
+          </p:cNvCxnSpPr>
+          <p:nvPr/>
+        </p:nvCxnSpPr>
+        <p:spPr>
+          <a:xfrm>
+            <a:off x="5940152" y="4149080"/>
+            <a:ext cx="648072" cy="0"/>
+          </a:xfrm>
+          <a:prstGeom prst="straightConnector1">
+            <a:avLst/>
+          </a:prstGeom>
+          <a:ln w="28575">
+            <a:solidFill>
+              <a:srgbClr val="FF0000"/>
+            </a:solidFill>
+            <a:tailEnd type="triangle"/>
           </a:ln>
-          <a:effectLst>
-            <a:outerShdw blurRad="292100" dist="139700" dir="2700000" algn="tl" rotWithShape="0">
-              <a:srgbClr val="333333">
-                <a:alpha val="65000"/>
-              </a:srgbClr>
-            </a:outerShdw>
-          </a:effectLst>
-        </p:spPr>
-      </p:pic>
+        </p:spPr>
+        <p:style>
+          <a:lnRef idx="1">
+            <a:schemeClr val="accent1"/>
+          </a:lnRef>
+          <a:fillRef idx="0">
+            <a:schemeClr val="accent1"/>
+          </a:fillRef>
+          <a:effectRef idx="0">
+            <a:schemeClr val="accent1"/>
+          </a:effectRef>
+          <a:fontRef idx="minor">
+            <a:schemeClr val="tx1"/>
+          </a:fontRef>
+        </p:style>
+      </p:cxnSp>
     </p:spTree>
     <p:extLst>
       <p:ext uri="{BB962C8B-B14F-4D97-AF65-F5344CB8AC3E}">
@@ -5397,7 +5492,7 @@
                   <a:schemeClr val="bg1"/>
                 </a:solidFill>
               </a:rPr>
-              <a:t>Ограничения</a:t>
+              <a:t>Развитие проекта</a:t>
             </a:r>
           </a:p>
         </p:txBody>

--- a/hack.pptx
+++ b/hack.pptx
@@ -5551,8 +5551,8 @@
         </p:blipFill>
         <p:spPr bwMode="auto">
           <a:xfrm>
-            <a:off x="789072" y="1600201"/>
-            <a:ext cx="7495726" cy="4997151"/>
+            <a:off x="0" y="1412776"/>
+            <a:ext cx="9144000" cy="5445224"/>
           </a:xfrm>
           <a:prstGeom prst="rect">
             <a:avLst/>
@@ -5657,7 +5657,7 @@
         </p:nvSpPr>
         <p:spPr>
           <a:xfrm>
-            <a:off x="4067944" y="3645024"/>
+            <a:off x="4067944" y="1412776"/>
             <a:ext cx="4968552" cy="1296144"/>
           </a:xfrm>
         </p:spPr>
@@ -5724,6 +5724,103 @@
           </a:effectLst>
         </p:spPr>
       </p:pic>
+      <p:sp>
+        <p:nvSpPr>
+          <p:cNvPr id="4" name="Подзаголовок 2">
+            <a:extLst>
+              <a:ext uri="{FF2B5EF4-FFF2-40B4-BE49-F238E27FC236}">
+                <a16:creationId xmlns:a16="http://schemas.microsoft.com/office/drawing/2014/main" id="{A5B35DAE-3F42-47A0-9236-30C2200011A7}"/>
+              </a:ext>
+            </a:extLst>
+          </p:cNvPr>
+          <p:cNvSpPr>
+            <a:spLocks noGrp="1"/>
+          </p:cNvSpPr>
+          <p:nvPr>
+            <p:ph type="subTitle" idx="1"/>
+          </p:nvPr>
+        </p:nvSpPr>
+        <p:spPr>
+          <a:xfrm>
+            <a:off x="4027984" y="3429000"/>
+            <a:ext cx="4968552" cy="2713856"/>
+          </a:xfrm>
+        </p:spPr>
+        <p:txBody>
+          <a:bodyPr>
+            <a:normAutofit/>
+          </a:bodyPr>
+          <a:lstStyle/>
+          <a:p>
+            <a:r>
+              <a:rPr lang="ru-RU" sz="2400" dirty="0"/>
+              <a:t>Контакты:</a:t>
+            </a:r>
+          </a:p>
+          <a:p>
+            <a:pPr marL="342900" indent="-342900">
+              <a:buFont typeface="Arial" panose="020B0604020202020204" pitchFamily="34" charset="0"/>
+              <a:buChar char="•"/>
+            </a:pPr>
+            <a:r>
+              <a:rPr lang="en-US" sz="2400" dirty="0"/>
+              <a:t>@rrrrrrrrrrrrrrrrrrrrrrr4</a:t>
+            </a:r>
+            <a:endParaRPr lang="ru-RU" sz="2400" dirty="0"/>
+          </a:p>
+          <a:p>
+            <a:pPr marL="342900" indent="-342900">
+              <a:buFont typeface="Arial" panose="020B0604020202020204" pitchFamily="34" charset="0"/>
+              <a:buChar char="•"/>
+            </a:pPr>
+            <a:r>
+              <a:rPr lang="en-US" sz="2400" dirty="0"/>
+              <a:t>@iamlangley</a:t>
+            </a:r>
+            <a:endParaRPr lang="ru-RU" sz="2400" dirty="0"/>
+          </a:p>
+          <a:p>
+            <a:pPr marL="342900" indent="-342900">
+              <a:buFont typeface="Arial" panose="020B0604020202020204" pitchFamily="34" charset="0"/>
+              <a:buChar char="•"/>
+            </a:pPr>
+            <a:r>
+              <a:rPr lang="en-US" sz="2400" dirty="0"/>
+              <a:t>@shvetsovart</a:t>
+            </a:r>
+            <a:endParaRPr lang="ru-RU" sz="2400" dirty="0"/>
+          </a:p>
+          <a:p>
+            <a:pPr marL="342900" indent="-342900">
+              <a:buFont typeface="Arial" panose="020B0604020202020204" pitchFamily="34" charset="0"/>
+              <a:buChar char="•"/>
+            </a:pPr>
+            <a:r>
+              <a:rPr lang="en-US" sz="2400" dirty="0"/>
+              <a:t>@iozeg</a:t>
+            </a:r>
+            <a:endParaRPr lang="ru-RU" sz="2400" dirty="0"/>
+          </a:p>
+          <a:p>
+            <a:pPr marL="342900" indent="-342900">
+              <a:buFont typeface="Arial" panose="020B0604020202020204" pitchFamily="34" charset="0"/>
+              <a:buChar char="•"/>
+            </a:pPr>
+            <a:r>
+              <a:rPr lang="en-US" sz="2400"/>
+              <a:t>@zisrf</a:t>
+            </a:r>
+            <a:endParaRPr lang="ru-RU" sz="2400" dirty="0"/>
+          </a:p>
+          <a:p>
+            <a:pPr marL="457200" indent="-457200">
+              <a:buFont typeface="Arial" panose="020B0604020202020204" pitchFamily="34" charset="0"/>
+              <a:buChar char="•"/>
+            </a:pPr>
+            <a:endParaRPr lang="ru-RU" sz="2800" dirty="0"/>
+          </a:p>
+        </p:txBody>
+      </p:sp>
     </p:spTree>
     <p:extLst>
       <p:ext uri="{BB962C8B-B14F-4D97-AF65-F5344CB8AC3E}">

--- a/hack.pptx
+++ b/hack.pptx
@@ -5,18 +5,19 @@
     <p:sldMasterId id="2147483648" r:id="rId1"/>
   </p:sldMasterIdLst>
   <p:notesMasterIdLst>
-    <p:notesMasterId r:id="rId8"/>
+    <p:notesMasterId r:id="rId9"/>
   </p:notesMasterIdLst>
   <p:handoutMasterIdLst>
-    <p:handoutMasterId r:id="rId9"/>
+    <p:handoutMasterId r:id="rId10"/>
   </p:handoutMasterIdLst>
   <p:sldIdLst>
     <p:sldId id="256" r:id="rId2"/>
     <p:sldId id="265" r:id="rId3"/>
     <p:sldId id="263" r:id="rId4"/>
     <p:sldId id="267" r:id="rId5"/>
-    <p:sldId id="266" r:id="rId6"/>
-    <p:sldId id="264" r:id="rId7"/>
+    <p:sldId id="268" r:id="rId6"/>
+    <p:sldId id="266" r:id="rId7"/>
+    <p:sldId id="264" r:id="rId8"/>
   </p:sldIdLst>
   <p:sldSz cx="9144000" cy="6858000" type="screen4x3"/>
   <p:notesSz cx="6858000" cy="9144000"/>
@@ -5475,6 +5476,157 @@
         </p:nvSpPr>
         <p:spPr>
           <a:xfrm>
+            <a:off x="2340050" y="260648"/>
+            <a:ext cx="5760342" cy="792088"/>
+          </a:xfrm>
+        </p:spPr>
+        <p:txBody>
+          <a:bodyPr>
+            <a:normAutofit/>
+          </a:bodyPr>
+          <a:lstStyle/>
+          <a:p>
+            <a:pPr algn="r"/>
+            <a:r>
+              <a:rPr lang="ru-RU" dirty="0">
+                <a:solidFill>
+                  <a:schemeClr val="bg1"/>
+                </a:solidFill>
+              </a:rPr>
+              <a:t>Наше приложение</a:t>
+            </a:r>
+          </a:p>
+        </p:txBody>
+      </p:sp>
+      <p:pic>
+        <p:nvPicPr>
+          <p:cNvPr id="8" name="Рисунок 7" descr="Изображение выглядит как цепь&#10;&#10;Автоматически созданное описание">
+            <a:extLst>
+              <a:ext uri="{FF2B5EF4-FFF2-40B4-BE49-F238E27FC236}">
+                <a16:creationId xmlns:a16="http://schemas.microsoft.com/office/drawing/2014/main" id="{09287A7C-D08C-49E4-AFA6-38D3C42F1275}"/>
+              </a:ext>
+            </a:extLst>
+          </p:cNvPr>
+          <p:cNvPicPr>
+            <a:picLocks noChangeAspect="1"/>
+          </p:cNvPicPr>
+          <p:nvPr/>
+        </p:nvPicPr>
+        <p:blipFill>
+          <a:blip r:embed="rId3" cstate="print">
+            <a:extLst>
+              <a:ext uri="{28A0092B-C50C-407E-A947-70E740481C1C}">
+                <a14:useLocalDpi xmlns:a14="http://schemas.microsoft.com/office/drawing/2010/main" val="0"/>
+              </a:ext>
+            </a:extLst>
+          </a:blip>
+          <a:stretch>
+            <a:fillRect/>
+          </a:stretch>
+        </p:blipFill>
+        <p:spPr>
+          <a:xfrm>
+            <a:off x="8197784" y="332656"/>
+            <a:ext cx="694696" cy="694696"/>
+          </a:xfrm>
+          <a:prstGeom prst="rect">
+            <a:avLst/>
+          </a:prstGeom>
+          <a:ln>
+            <a:noFill/>
+          </a:ln>
+          <a:effectLst>
+            <a:outerShdw blurRad="292100" dist="139700" dir="2700000" algn="tl" rotWithShape="0">
+              <a:srgbClr val="333333">
+                <a:alpha val="65000"/>
+              </a:srgbClr>
+            </a:outerShdw>
+          </a:effectLst>
+        </p:spPr>
+      </p:pic>
+    </p:spTree>
+    <p:extLst>
+      <p:ext uri="{BB962C8B-B14F-4D97-AF65-F5344CB8AC3E}">
+        <p14:creationId xmlns:p14="http://schemas.microsoft.com/office/powerpoint/2010/main" val="1710456395"/>
+      </p:ext>
+    </p:extLst>
+  </p:cSld>
+  <p:clrMapOvr>
+    <a:masterClrMapping/>
+  </p:clrMapOvr>
+</p:sld>
+</file>
+
+<file path=ppt/slides/slide6.xml><?xml version="1.0" encoding="utf-8"?>
+<p:sld xmlns:a="http://schemas.openxmlformats.org/drawingml/2006/main" xmlns:r="http://schemas.openxmlformats.org/officeDocument/2006/relationships" xmlns:p="http://schemas.openxmlformats.org/presentationml/2006/main">
+  <p:cSld>
+    <p:spTree>
+      <p:nvGrpSpPr>
+        <p:cNvPr id="1" name=""/>
+        <p:cNvGrpSpPr/>
+        <p:nvPr/>
+      </p:nvGrpSpPr>
+      <p:grpSpPr>
+        <a:xfrm>
+          <a:off x="0" y="0"/>
+          <a:ext cx="0" cy="0"/>
+          <a:chOff x="0" y="0"/>
+          <a:chExt cx="0" cy="0"/>
+        </a:xfrm>
+      </p:grpSpPr>
+      <p:pic>
+        <p:nvPicPr>
+          <p:cNvPr id="1026" name="Picture 2" descr="D:\Мои сайты\ProPowerPoint\Для шаблонов\4.jpg"/>
+          <p:cNvPicPr>
+            <a:picLocks noChangeAspect="1" noChangeArrowheads="1"/>
+          </p:cNvPicPr>
+          <p:nvPr/>
+        </p:nvPicPr>
+        <p:blipFill>
+          <a:blip r:embed="rId2">
+            <a:extLst>
+              <a:ext uri="{28A0092B-C50C-407E-A947-70E740481C1C}">
+                <a14:useLocalDpi xmlns:a14="http://schemas.microsoft.com/office/drawing/2010/main" val="0"/>
+              </a:ext>
+            </a:extLst>
+          </a:blip>
+          <a:srcRect/>
+          <a:stretch>
+            <a:fillRect/>
+          </a:stretch>
+        </p:blipFill>
+        <p:spPr bwMode="auto">
+          <a:xfrm>
+            <a:off x="0" y="0"/>
+            <a:ext cx="9159356" cy="6869517"/>
+          </a:xfrm>
+          <a:prstGeom prst="rect">
+            <a:avLst/>
+          </a:prstGeom>
+          <a:noFill/>
+          <a:extLst>
+            <a:ext uri="{909E8E84-426E-40DD-AFC4-6F175D3DCCD1}">
+              <a14:hiddenFill xmlns:a14="http://schemas.microsoft.com/office/drawing/2010/main">
+                <a:solidFill>
+                  <a:srgbClr val="FFFFFF"/>
+                </a:solidFill>
+              </a14:hiddenFill>
+            </a:ext>
+          </a:extLst>
+        </p:spPr>
+      </p:pic>
+      <p:sp>
+        <p:nvSpPr>
+          <p:cNvPr id="2" name="Заголовок 1"/>
+          <p:cNvSpPr>
+            <a:spLocks noGrp="1"/>
+          </p:cNvSpPr>
+          <p:nvPr>
+            <p:ph type="title"/>
+          </p:nvPr>
+        </p:nvSpPr>
+        <p:spPr>
+          <a:xfrm>
             <a:off x="2627784" y="260648"/>
             <a:ext cx="5472608" cy="792088"/>
           </a:xfrm>
@@ -5628,7 +5780,7 @@
 </p:sld>
 </file>
 
-<file path=ppt/slides/slide6.xml><?xml version="1.0" encoding="utf-8"?>
+<file path=ppt/slides/slide7.xml><?xml version="1.0" encoding="utf-8"?>
 <p:sld xmlns:a="http://schemas.openxmlformats.org/drawingml/2006/main" xmlns:r="http://schemas.openxmlformats.org/officeDocument/2006/relationships" xmlns:p="http://schemas.openxmlformats.org/presentationml/2006/main">
   <p:cSld>
     <p:spTree>
@@ -5807,7 +5959,7 @@
               <a:buChar char="•"/>
             </a:pPr>
             <a:r>
-              <a:rPr lang="en-US" sz="2400"/>
+              <a:rPr lang="en-US" sz="2400" dirty="0"/>
               <a:t>@zisrf</a:t>
             </a:r>
             <a:endParaRPr lang="ru-RU" sz="2400" dirty="0"/>

--- a/hack.pptx
+++ b/hack.pptx
@@ -5544,6 +5544,42 @@
           </a:effectLst>
         </p:spPr>
       </p:pic>
+      <p:pic>
+        <p:nvPicPr>
+          <p:cNvPr id="9" name="Рисунок 8" descr="Изображение выглядит как текст, снимок экрана, электроника, дисплей&#10;&#10;Автоматически созданное описание">
+            <a:extLst>
+              <a:ext uri="{FF2B5EF4-FFF2-40B4-BE49-F238E27FC236}">
+                <a16:creationId xmlns:a16="http://schemas.microsoft.com/office/drawing/2014/main" id="{D1E5AED2-74B6-489C-A9DC-FB70D650A64F}"/>
+              </a:ext>
+            </a:extLst>
+          </p:cNvPr>
+          <p:cNvPicPr>
+            <a:picLocks noChangeAspect="1"/>
+          </p:cNvPicPr>
+          <p:nvPr/>
+        </p:nvPicPr>
+        <p:blipFill>
+          <a:blip r:embed="rId4">
+            <a:extLst>
+              <a:ext uri="{28A0092B-C50C-407E-A947-70E740481C1C}">
+                <a14:useLocalDpi xmlns:a14="http://schemas.microsoft.com/office/drawing/2010/main" val="0"/>
+              </a:ext>
+            </a:extLst>
+          </a:blip>
+          <a:stretch>
+            <a:fillRect/>
+          </a:stretch>
+        </p:blipFill>
+        <p:spPr>
+          <a:xfrm>
+            <a:off x="0" y="1408229"/>
+            <a:ext cx="9160402" cy="5449771"/>
+          </a:xfrm>
+          <a:prstGeom prst="rect">
+            <a:avLst/>
+          </a:prstGeom>
+        </p:spPr>
+      </p:pic>
     </p:spTree>
     <p:extLst>
       <p:ext uri="{BB962C8B-B14F-4D97-AF65-F5344CB8AC3E}">
@@ -5765,6 +5801,53 @@
               </a:srgbClr>
             </a:outerShdw>
           </a:effectLst>
+        </p:spPr>
+      </p:pic>
+      <p:pic>
+        <p:nvPicPr>
+          <p:cNvPr id="3080" name="Picture 8">
+            <a:extLst>
+              <a:ext uri="{FF2B5EF4-FFF2-40B4-BE49-F238E27FC236}">
+                <a16:creationId xmlns:a16="http://schemas.microsoft.com/office/drawing/2014/main" id="{CC370449-C645-4584-890D-726913C55E4F}"/>
+              </a:ext>
+            </a:extLst>
+          </p:cNvPr>
+          <p:cNvPicPr>
+            <a:picLocks noChangeAspect="1" noChangeArrowheads="1"/>
+          </p:cNvPicPr>
+          <p:nvPr/>
+        </p:nvPicPr>
+        <p:blipFill>
+          <a:blip r:embed="rId5">
+            <a:extLst>
+              <a:ext uri="{28A0092B-C50C-407E-A947-70E740481C1C}">
+                <a14:useLocalDpi xmlns:a14="http://schemas.microsoft.com/office/drawing/2010/main" val="0"/>
+              </a:ext>
+            </a:extLst>
+          </a:blip>
+          <a:srcRect/>
+          <a:stretch>
+            <a:fillRect/>
+          </a:stretch>
+        </p:blipFill>
+        <p:spPr bwMode="auto">
+          <a:xfrm>
+            <a:off x="35496" y="1354705"/>
+            <a:ext cx="9126342" cy="5503295"/>
+          </a:xfrm>
+          <a:prstGeom prst="rect">
+            <a:avLst/>
+          </a:prstGeom>
+          <a:noFill/>
+          <a:extLst>
+            <a:ext uri="{909E8E84-426E-40DD-AFC4-6F175D3DCCD1}">
+              <a14:hiddenFill xmlns:a14="http://schemas.microsoft.com/office/drawing/2010/main">
+                <a:solidFill>
+                  <a:srgbClr val="FFFFFF"/>
+                </a:solidFill>
+              </a14:hiddenFill>
+            </a:ext>
+          </a:extLst>
         </p:spPr>
       </p:pic>
     </p:spTree>
